--- a/Advanced Query Design.pptx
+++ b/Advanced Query Design.pptx
@@ -36,18 +36,18 @@
     <p:sldId id="309" r:id="rId28"/>
     <p:sldId id="310" r:id="rId29"/>
     <p:sldId id="340" r:id="rId30"/>
-    <p:sldId id="353" r:id="rId31"/>
-    <p:sldId id="332" r:id="rId32"/>
-    <p:sldId id="311" r:id="rId33"/>
-    <p:sldId id="333" r:id="rId34"/>
-    <p:sldId id="328" r:id="rId35"/>
-    <p:sldId id="334" r:id="rId36"/>
-    <p:sldId id="319" r:id="rId37"/>
-    <p:sldId id="304" r:id="rId38"/>
-    <p:sldId id="324" r:id="rId39"/>
-    <p:sldId id="342" r:id="rId40"/>
-    <p:sldId id="345" r:id="rId41"/>
-    <p:sldId id="323" r:id="rId42"/>
+    <p:sldId id="332" r:id="rId31"/>
+    <p:sldId id="311" r:id="rId32"/>
+    <p:sldId id="333" r:id="rId33"/>
+    <p:sldId id="328" r:id="rId34"/>
+    <p:sldId id="334" r:id="rId35"/>
+    <p:sldId id="319" r:id="rId36"/>
+    <p:sldId id="304" r:id="rId37"/>
+    <p:sldId id="324" r:id="rId38"/>
+    <p:sldId id="342" r:id="rId39"/>
+    <p:sldId id="345" r:id="rId40"/>
+    <p:sldId id="323" r:id="rId41"/>
+    <p:sldId id="353" r:id="rId42"/>
     <p:sldId id="302" r:id="rId43"/>
     <p:sldId id="351" r:id="rId44"/>
     <p:sldId id="305" r:id="rId45"/>
@@ -2678,7 +2678,7 @@
           <a:p>
             <a:fld id="{02C8A5E5-FAB3-45FE-B422-E8A8593917C7}" type="datetimeFigureOut">
               <a:rPr lang="en-GB" smtClean="0"/>
-              <a:t>01/08/2019</a:t>
+              <a:t>17/10/2019</a:t>
             </a:fld>
             <a:endParaRPr lang="en-GB"/>
           </a:p>
@@ -2887,7 +2887,7 @@
           <a:p>
             <a:fld id="{02C8A5E5-FAB3-45FE-B422-E8A8593917C7}" type="datetimeFigureOut">
               <a:rPr lang="en-GB" smtClean="0"/>
-              <a:t>01/08/2019</a:t>
+              <a:t>17/10/2019</a:t>
             </a:fld>
             <a:endParaRPr lang="en-GB"/>
           </a:p>
@@ -3098,7 +3098,7 @@
             <a:fld id="{02C8A5E5-FAB3-45FE-B422-E8A8593917C7}" type="datetimeFigureOut">
               <a:rPr lang="en-GB" smtClean="0"/>
               <a:pPr/>
-              <a:t>01/08/2019</a:t>
+              <a:t>17/10/2019</a:t>
             </a:fld>
             <a:endParaRPr lang="en-GB"/>
           </a:p>
@@ -10081,7 +10081,7 @@
                 </a:solidFill>
                 <a:latin typeface="Lucida Console" panose="020B0609040504020204" pitchFamily="49" charset="0"/>
               </a:rPr>
-              <a:t>time, data, datetime, </a:t>
+              <a:t>time, date, datetime, </a:t>
             </a:r>
             <a:r>
               <a:rPr lang="en-US" sz="2000" b="1" dirty="0" err="1">
@@ -10541,7 +10541,7 @@
           <a:p>
             <a:r>
               <a:rPr lang="en-US" dirty="0"/>
-              <a:t>M Datatypes</a:t>
+              <a:t>M Data Type Examples</a:t>
             </a:r>
           </a:p>
         </p:txBody>
@@ -11081,139 +11081,6 @@
           <p:cNvPr id="2" name="Title 1">
             <a:extLst>
               <a:ext uri="{FF2B5EF4-FFF2-40B4-BE49-F238E27FC236}">
-                <a16:creationId xmlns:a16="http://schemas.microsoft.com/office/drawing/2014/main" id="{0BA33321-2B4F-43B9-B96D-1F28C3BB70D2}"/>
-              </a:ext>
-            </a:extLst>
-          </p:cNvPr>
-          <p:cNvSpPr>
-            <a:spLocks noGrp="1"/>
-          </p:cNvSpPr>
-          <p:nvPr>
-            <p:ph type="title"/>
-          </p:nvPr>
-        </p:nvSpPr>
-        <p:spPr/>
-        <p:txBody>
-          <a:bodyPr/>
-          <a:lstStyle/>
-          <a:p>
-            <a:r>
-              <a:rPr lang="en-US" dirty="0" err="1"/>
-              <a:t>Text.Select</a:t>
-            </a:r>
-            <a:endParaRPr lang="en-US" dirty="0"/>
-          </a:p>
-        </p:txBody>
-      </p:sp>
-      <p:sp>
-        <p:nvSpPr>
-          <p:cNvPr id="3" name="Content Placeholder 2">
-            <a:extLst>
-              <a:ext uri="{FF2B5EF4-FFF2-40B4-BE49-F238E27FC236}">
-                <a16:creationId xmlns:a16="http://schemas.microsoft.com/office/drawing/2014/main" id="{34FDD73B-6A9E-4711-9470-3E9BB55141BF}"/>
-              </a:ext>
-            </a:extLst>
-          </p:cNvPr>
-          <p:cNvSpPr>
-            <a:spLocks noGrp="1"/>
-          </p:cNvSpPr>
-          <p:nvPr>
-            <p:ph idx="1"/>
-          </p:nvPr>
-        </p:nvSpPr>
-        <p:spPr/>
-        <p:txBody>
-          <a:bodyPr/>
-          <a:lstStyle/>
-          <a:p>
-            <a:r>
-              <a:rPr lang="en-US" dirty="0" err="1"/>
-              <a:t>Text.Select</a:t>
-            </a:r>
-            <a:r>
-              <a:rPr lang="en-US" dirty="0"/>
-              <a:t> can be used to clean up text value</a:t>
-            </a:r>
-          </a:p>
-          <a:p>
-            <a:pPr lvl="1"/>
-            <a:r>
-              <a:rPr lang="en-US" dirty="0"/>
-              <a:t>You create a list of characters to include</a:t>
-            </a:r>
-          </a:p>
-        </p:txBody>
-      </p:sp>
-      <p:pic>
-        <p:nvPicPr>
-          <p:cNvPr id="4" name="Picture 3">
-            <a:extLst>
-              <a:ext uri="{FF2B5EF4-FFF2-40B4-BE49-F238E27FC236}">
-                <a16:creationId xmlns:a16="http://schemas.microsoft.com/office/drawing/2014/main" id="{16AC5334-560D-4104-B909-0EB5EFD1FC74}"/>
-              </a:ext>
-            </a:extLst>
-          </p:cNvPr>
-          <p:cNvPicPr>
-            <a:picLocks noChangeAspect="1"/>
-          </p:cNvPicPr>
-          <p:nvPr/>
-        </p:nvPicPr>
-        <p:blipFill>
-          <a:blip r:embed="rId2"/>
-          <a:stretch>
-            <a:fillRect/>
-          </a:stretch>
-        </p:blipFill>
-        <p:spPr>
-          <a:xfrm>
-            <a:off x="1219200" y="2514600"/>
-            <a:ext cx="6810375" cy="4057550"/>
-          </a:xfrm>
-          <a:prstGeom prst="rect">
-            <a:avLst/>
-          </a:prstGeom>
-          <a:ln>
-            <a:solidFill>
-              <a:schemeClr val="tx1"/>
-            </a:solidFill>
-          </a:ln>
-        </p:spPr>
-      </p:pic>
-    </p:spTree>
-    <p:extLst>
-      <p:ext uri="{BB962C8B-B14F-4D97-AF65-F5344CB8AC3E}">
-        <p14:creationId xmlns:p14="http://schemas.microsoft.com/office/powerpoint/2010/main" val="1543762129"/>
-      </p:ext>
-    </p:extLst>
-  </p:cSld>
-  <p:clrMapOvr>
-    <a:masterClrMapping/>
-  </p:clrMapOvr>
-</p:sld>
-</file>
-
-<file path=ppt/slides/slide27.xml><?xml version="1.0" encoding="utf-8"?>
-<p:sld xmlns:a="http://schemas.openxmlformats.org/drawingml/2006/main" xmlns:r="http://schemas.openxmlformats.org/officeDocument/2006/relationships" xmlns:p="http://schemas.openxmlformats.org/presentationml/2006/main">
-  <p:cSld>
-    <p:spTree>
-      <p:nvGrpSpPr>
-        <p:cNvPr id="1" name=""/>
-        <p:cNvGrpSpPr/>
-        <p:nvPr/>
-      </p:nvGrpSpPr>
-      <p:grpSpPr>
-        <a:xfrm>
-          <a:off x="0" y="0"/>
-          <a:ext cx="0" cy="0"/>
-          <a:chOff x="0" y="0"/>
-          <a:chExt cx="0" cy="0"/>
-        </a:xfrm>
-      </p:grpSpPr>
-      <p:sp>
-        <p:nvSpPr>
-          <p:cNvPr id="2" name="Title 1">
-            <a:extLst>
-              <a:ext uri="{FF2B5EF4-FFF2-40B4-BE49-F238E27FC236}">
                 <a16:creationId xmlns:a16="http://schemas.microsoft.com/office/drawing/2014/main" id="{F1AE0B64-3A5F-4ED4-84F2-9DD4E258EBDD}"/>
               </a:ext>
             </a:extLst>
@@ -11506,7 +11373,7 @@
 </p:sld>
 </file>
 
-<file path=ppt/slides/slide28.xml><?xml version="1.0" encoding="utf-8"?>
+<file path=ppt/slides/slide27.xml><?xml version="1.0" encoding="utf-8"?>
 <p:sld xmlns:a="http://schemas.openxmlformats.org/drawingml/2006/main" xmlns:r="http://schemas.openxmlformats.org/officeDocument/2006/relationships" xmlns:p="http://schemas.openxmlformats.org/presentationml/2006/main">
   <p:cSld>
     <p:spTree>
@@ -11630,7 +11497,7 @@
 </p:sld>
 </file>
 
-<file path=ppt/slides/slide29.xml><?xml version="1.0" encoding="utf-8"?>
+<file path=ppt/slides/slide28.xml><?xml version="1.0" encoding="utf-8"?>
 <p:sld xmlns:a="http://schemas.openxmlformats.org/drawingml/2006/main" xmlns:r="http://schemas.openxmlformats.org/officeDocument/2006/relationships" xmlns:p="http://schemas.openxmlformats.org/presentationml/2006/main">
   <p:cSld>
     <p:spTree>
@@ -12057,123 +11924,7 @@
 </p:sld>
 </file>
 
-<file path=ppt/slides/slide3.xml><?xml version="1.0" encoding="utf-8"?>
-<p:sld xmlns:a="http://schemas.openxmlformats.org/drawingml/2006/main" xmlns:r="http://schemas.openxmlformats.org/officeDocument/2006/relationships" xmlns:p="http://schemas.openxmlformats.org/presentationml/2006/main">
-  <p:cSld>
-    <p:spTree>
-      <p:nvGrpSpPr>
-        <p:cNvPr id="1" name=""/>
-        <p:cNvGrpSpPr/>
-        <p:nvPr/>
-      </p:nvGrpSpPr>
-      <p:grpSpPr>
-        <a:xfrm>
-          <a:off x="0" y="0"/>
-          <a:ext cx="0" cy="0"/>
-          <a:chOff x="0" y="0"/>
-          <a:chExt cx="0" cy="0"/>
-        </a:xfrm>
-      </p:grpSpPr>
-      <p:sp>
-        <p:nvSpPr>
-          <p:cNvPr id="2" name="Title 1">
-            <a:extLst>
-              <a:ext uri="{FF2B5EF4-FFF2-40B4-BE49-F238E27FC236}">
-                <a16:creationId xmlns:a16="http://schemas.microsoft.com/office/drawing/2014/main" id="{8704F4CD-9880-45D9-99BA-0D792C88B9A2}"/>
-              </a:ext>
-            </a:extLst>
-          </p:cNvPr>
-          <p:cNvSpPr>
-            <a:spLocks noGrp="1"/>
-          </p:cNvSpPr>
-          <p:nvPr>
-            <p:ph type="title"/>
-          </p:nvPr>
-        </p:nvSpPr>
-        <p:spPr/>
-        <p:txBody>
-          <a:bodyPr/>
-          <a:lstStyle/>
-          <a:p>
-            <a:r>
-              <a:rPr lang="en-US" dirty="0"/>
-              <a:t>Agenda</a:t>
-            </a:r>
-          </a:p>
-        </p:txBody>
-      </p:sp>
-      <p:sp>
-        <p:nvSpPr>
-          <p:cNvPr id="3" name="Content Placeholder 2">
-            <a:extLst>
-              <a:ext uri="{FF2B5EF4-FFF2-40B4-BE49-F238E27FC236}">
-                <a16:creationId xmlns:a16="http://schemas.microsoft.com/office/drawing/2014/main" id="{F8FD7ADC-9293-4196-9E30-994BBD372879}"/>
-              </a:ext>
-            </a:extLst>
-          </p:cNvPr>
-          <p:cNvSpPr>
-            <a:spLocks noGrp="1"/>
-          </p:cNvSpPr>
-          <p:nvPr>
-            <p:ph idx="1"/>
-          </p:nvPr>
-        </p:nvSpPr>
-        <p:spPr/>
-        <p:txBody>
-          <a:bodyPr/>
-          <a:lstStyle/>
-          <a:p>
-            <a:r>
-              <a:rPr lang="en-US" dirty="0"/>
-              <a:t>Advanced Power Query Techniques</a:t>
-            </a:r>
-          </a:p>
-          <a:p>
-            <a:r>
-              <a:rPr lang="en-US" dirty="0"/>
-              <a:t>Power Query Mashup Engine</a:t>
-            </a:r>
-          </a:p>
-          <a:p>
-            <a:r>
-              <a:rPr lang="en-US" dirty="0"/>
-              <a:t>M Programming Fundamentals</a:t>
-            </a:r>
-          </a:p>
-          <a:p>
-            <a:r>
-              <a:rPr lang="en-US" dirty="0"/>
-              <a:t>M Function Library</a:t>
-            </a:r>
-          </a:p>
-          <a:p>
-            <a:r>
-              <a:rPr lang="en-US" dirty="0"/>
-              <a:t>Query Functions</a:t>
-            </a:r>
-          </a:p>
-          <a:p>
-            <a:r>
-              <a:rPr lang="en-US" dirty="0"/>
-              <a:t>Query Parameters</a:t>
-            </a:r>
-          </a:p>
-        </p:txBody>
-      </p:sp>
-    </p:spTree>
-    <p:extLst>
-      <p:ext uri="{BB962C8B-B14F-4D97-AF65-F5344CB8AC3E}">
-        <p14:creationId xmlns:p14="http://schemas.microsoft.com/office/powerpoint/2010/main" val="398477970"/>
-      </p:ext>
-    </p:extLst>
-  </p:cSld>
-  <p:clrMapOvr>
-    <a:masterClrMapping/>
-  </p:clrMapOvr>
-</p:sld>
-</file>
-
-<file path=ppt/slides/slide30.xml><?xml version="1.0" encoding="utf-8"?>
+<file path=ppt/slides/slide29.xml><?xml version="1.0" encoding="utf-8"?>
 <p:sld xmlns:a="http://schemas.openxmlformats.org/drawingml/2006/main" xmlns:r="http://schemas.openxmlformats.org/officeDocument/2006/relationships" xmlns:p="http://schemas.openxmlformats.org/presentationml/2006/main">
   <p:cSld>
     <p:spTree>
@@ -12591,7 +12342,123 @@
 </p:sld>
 </file>
 
-<file path=ppt/slides/slide31.xml><?xml version="1.0" encoding="utf-8"?>
+<file path=ppt/slides/slide3.xml><?xml version="1.0" encoding="utf-8"?>
+<p:sld xmlns:a="http://schemas.openxmlformats.org/drawingml/2006/main" xmlns:r="http://schemas.openxmlformats.org/officeDocument/2006/relationships" xmlns:p="http://schemas.openxmlformats.org/presentationml/2006/main">
+  <p:cSld>
+    <p:spTree>
+      <p:nvGrpSpPr>
+        <p:cNvPr id="1" name=""/>
+        <p:cNvGrpSpPr/>
+        <p:nvPr/>
+      </p:nvGrpSpPr>
+      <p:grpSpPr>
+        <a:xfrm>
+          <a:off x="0" y="0"/>
+          <a:ext cx="0" cy="0"/>
+          <a:chOff x="0" y="0"/>
+          <a:chExt cx="0" cy="0"/>
+        </a:xfrm>
+      </p:grpSpPr>
+      <p:sp>
+        <p:nvSpPr>
+          <p:cNvPr id="2" name="Title 1">
+            <a:extLst>
+              <a:ext uri="{FF2B5EF4-FFF2-40B4-BE49-F238E27FC236}">
+                <a16:creationId xmlns:a16="http://schemas.microsoft.com/office/drawing/2014/main" id="{8704F4CD-9880-45D9-99BA-0D792C88B9A2}"/>
+              </a:ext>
+            </a:extLst>
+          </p:cNvPr>
+          <p:cNvSpPr>
+            <a:spLocks noGrp="1"/>
+          </p:cNvSpPr>
+          <p:nvPr>
+            <p:ph type="title"/>
+          </p:nvPr>
+        </p:nvSpPr>
+        <p:spPr/>
+        <p:txBody>
+          <a:bodyPr/>
+          <a:lstStyle/>
+          <a:p>
+            <a:r>
+              <a:rPr lang="en-US" dirty="0"/>
+              <a:t>Agenda</a:t>
+            </a:r>
+          </a:p>
+        </p:txBody>
+      </p:sp>
+      <p:sp>
+        <p:nvSpPr>
+          <p:cNvPr id="3" name="Content Placeholder 2">
+            <a:extLst>
+              <a:ext uri="{FF2B5EF4-FFF2-40B4-BE49-F238E27FC236}">
+                <a16:creationId xmlns:a16="http://schemas.microsoft.com/office/drawing/2014/main" id="{F8FD7ADC-9293-4196-9E30-994BBD372879}"/>
+              </a:ext>
+            </a:extLst>
+          </p:cNvPr>
+          <p:cNvSpPr>
+            <a:spLocks noGrp="1"/>
+          </p:cNvSpPr>
+          <p:nvPr>
+            <p:ph idx="1"/>
+          </p:nvPr>
+        </p:nvSpPr>
+        <p:spPr/>
+        <p:txBody>
+          <a:bodyPr/>
+          <a:lstStyle/>
+          <a:p>
+            <a:r>
+              <a:rPr lang="en-US" dirty="0"/>
+              <a:t>Advanced Power Query Techniques</a:t>
+            </a:r>
+          </a:p>
+          <a:p>
+            <a:r>
+              <a:rPr lang="en-US" dirty="0"/>
+              <a:t>Power Query Mashup Engine</a:t>
+            </a:r>
+          </a:p>
+          <a:p>
+            <a:r>
+              <a:rPr lang="en-US" dirty="0"/>
+              <a:t>M Programming Fundamentals</a:t>
+            </a:r>
+          </a:p>
+          <a:p>
+            <a:r>
+              <a:rPr lang="en-US" dirty="0"/>
+              <a:t>M Function Library</a:t>
+            </a:r>
+          </a:p>
+          <a:p>
+            <a:r>
+              <a:rPr lang="en-US" dirty="0"/>
+              <a:t>Query Functions</a:t>
+            </a:r>
+          </a:p>
+          <a:p>
+            <a:r>
+              <a:rPr lang="en-US" dirty="0"/>
+              <a:t>Query Parameters</a:t>
+            </a:r>
+          </a:p>
+        </p:txBody>
+      </p:sp>
+    </p:spTree>
+    <p:extLst>
+      <p:ext uri="{BB962C8B-B14F-4D97-AF65-F5344CB8AC3E}">
+        <p14:creationId xmlns:p14="http://schemas.microsoft.com/office/powerpoint/2010/main" val="398477970"/>
+      </p:ext>
+    </p:extLst>
+  </p:cSld>
+  <p:clrMapOvr>
+    <a:masterClrMapping/>
+  </p:clrMapOvr>
+</p:sld>
+</file>
+
+<file path=ppt/slides/slide30.xml><?xml version="1.0" encoding="utf-8"?>
 <p:sld xmlns:a="http://schemas.openxmlformats.org/drawingml/2006/main" xmlns:r="http://schemas.openxmlformats.org/officeDocument/2006/relationships" xmlns:p="http://schemas.openxmlformats.org/presentationml/2006/main">
   <p:cSld>
     <p:spTree>
@@ -13524,7 +13391,7 @@
 </p:sld>
 </file>
 
-<file path=ppt/slides/slide32.xml><?xml version="1.0" encoding="utf-8"?>
+<file path=ppt/slides/slide31.xml><?xml version="1.0" encoding="utf-8"?>
 <p:sld xmlns:a="http://schemas.openxmlformats.org/drawingml/2006/main" xmlns:r="http://schemas.openxmlformats.org/officeDocument/2006/relationships" xmlns:p="http://schemas.openxmlformats.org/presentationml/2006/main">
   <p:cSld>
     <p:spTree>
@@ -14196,7 +14063,7 @@
 </p:sld>
 </file>
 
-<file path=ppt/slides/slide33.xml><?xml version="1.0" encoding="utf-8"?>
+<file path=ppt/slides/slide32.xml><?xml version="1.0" encoding="utf-8"?>
 <p:sld xmlns:a="http://schemas.openxmlformats.org/drawingml/2006/main" xmlns:r="http://schemas.openxmlformats.org/officeDocument/2006/relationships" xmlns:p="http://schemas.openxmlformats.org/presentationml/2006/main">
   <p:cSld>
     <p:spTree>
@@ -14318,7 +14185,7 @@
 </p:sld>
 </file>
 
-<file path=ppt/slides/slide34.xml><?xml version="1.0" encoding="utf-8"?>
+<file path=ppt/slides/slide33.xml><?xml version="1.0" encoding="utf-8"?>
 <p:sld xmlns:a="http://schemas.openxmlformats.org/drawingml/2006/main" xmlns:r="http://schemas.openxmlformats.org/officeDocument/2006/relationships" xmlns:p="http://schemas.openxmlformats.org/presentationml/2006/main">
   <p:cSld>
     <p:spTree>
@@ -14455,7 +14322,7 @@
 </p:sld>
 </file>
 
-<file path=ppt/slides/slide35.xml><?xml version="1.0" encoding="utf-8"?>
+<file path=ppt/slides/slide34.xml><?xml version="1.0" encoding="utf-8"?>
 <p:sld xmlns:a="http://schemas.openxmlformats.org/drawingml/2006/main" xmlns:r="http://schemas.openxmlformats.org/officeDocument/2006/relationships" xmlns:p="http://schemas.openxmlformats.org/presentationml/2006/main">
   <p:cSld>
     <p:spTree>
@@ -14753,7 +14620,7 @@
 </p:sld>
 </file>
 
-<file path=ppt/slides/slide36.xml><?xml version="1.0" encoding="utf-8"?>
+<file path=ppt/slides/slide35.xml><?xml version="1.0" encoding="utf-8"?>
 <p:sld xmlns:a="http://schemas.openxmlformats.org/drawingml/2006/main" xmlns:r="http://schemas.openxmlformats.org/officeDocument/2006/relationships" xmlns:p="http://schemas.openxmlformats.org/presentationml/2006/main">
   <p:cSld>
     <p:spTree>
@@ -14892,7 +14759,7 @@
 </p:sld>
 </file>
 
-<file path=ppt/slides/slide37.xml><?xml version="1.0" encoding="utf-8"?>
+<file path=ppt/slides/slide36.xml><?xml version="1.0" encoding="utf-8"?>
 <p:sld xmlns:a="http://schemas.openxmlformats.org/drawingml/2006/main" xmlns:r="http://schemas.openxmlformats.org/officeDocument/2006/relationships" xmlns:p="http://schemas.openxmlformats.org/presentationml/2006/main">
   <p:cSld>
     <p:spTree>
@@ -15015,6 +14882,139 @@
     <p:extLst>
       <p:ext uri="{BB962C8B-B14F-4D97-AF65-F5344CB8AC3E}">
         <p14:creationId xmlns:p14="http://schemas.microsoft.com/office/powerpoint/2010/main" val="3419249868"/>
+      </p:ext>
+    </p:extLst>
+  </p:cSld>
+  <p:clrMapOvr>
+    <a:masterClrMapping/>
+  </p:clrMapOvr>
+</p:sld>
+</file>
+
+<file path=ppt/slides/slide37.xml><?xml version="1.0" encoding="utf-8"?>
+<p:sld xmlns:a="http://schemas.openxmlformats.org/drawingml/2006/main" xmlns:r="http://schemas.openxmlformats.org/officeDocument/2006/relationships" xmlns:p="http://schemas.openxmlformats.org/presentationml/2006/main">
+  <p:cSld>
+    <p:spTree>
+      <p:nvGrpSpPr>
+        <p:cNvPr id="1" name=""/>
+        <p:cNvGrpSpPr/>
+        <p:nvPr/>
+      </p:nvGrpSpPr>
+      <p:grpSpPr>
+        <a:xfrm>
+          <a:off x="0" y="0"/>
+          <a:ext cx="0" cy="0"/>
+          <a:chOff x="0" y="0"/>
+          <a:chExt cx="0" cy="0"/>
+        </a:xfrm>
+      </p:grpSpPr>
+      <p:sp>
+        <p:nvSpPr>
+          <p:cNvPr id="2" name="Title 1">
+            <a:extLst>
+              <a:ext uri="{FF2B5EF4-FFF2-40B4-BE49-F238E27FC236}">
+                <a16:creationId xmlns:a16="http://schemas.microsoft.com/office/drawing/2014/main" id="{0BA33321-2B4F-43B9-B96D-1F28C3BB70D2}"/>
+              </a:ext>
+            </a:extLst>
+          </p:cNvPr>
+          <p:cNvSpPr>
+            <a:spLocks noGrp="1"/>
+          </p:cNvSpPr>
+          <p:nvPr>
+            <p:ph type="title"/>
+          </p:nvPr>
+        </p:nvSpPr>
+        <p:spPr/>
+        <p:txBody>
+          <a:bodyPr/>
+          <a:lstStyle/>
+          <a:p>
+            <a:r>
+              <a:rPr lang="en-US" dirty="0" err="1"/>
+              <a:t>Text.Select</a:t>
+            </a:r>
+            <a:endParaRPr lang="en-US" dirty="0"/>
+          </a:p>
+        </p:txBody>
+      </p:sp>
+      <p:sp>
+        <p:nvSpPr>
+          <p:cNvPr id="3" name="Content Placeholder 2">
+            <a:extLst>
+              <a:ext uri="{FF2B5EF4-FFF2-40B4-BE49-F238E27FC236}">
+                <a16:creationId xmlns:a16="http://schemas.microsoft.com/office/drawing/2014/main" id="{34FDD73B-6A9E-4711-9470-3E9BB55141BF}"/>
+              </a:ext>
+            </a:extLst>
+          </p:cNvPr>
+          <p:cNvSpPr>
+            <a:spLocks noGrp="1"/>
+          </p:cNvSpPr>
+          <p:nvPr>
+            <p:ph idx="1"/>
+          </p:nvPr>
+        </p:nvSpPr>
+        <p:spPr/>
+        <p:txBody>
+          <a:bodyPr/>
+          <a:lstStyle/>
+          <a:p>
+            <a:r>
+              <a:rPr lang="en-US" dirty="0" err="1"/>
+              <a:t>Text.Select</a:t>
+            </a:r>
+            <a:r>
+              <a:rPr lang="en-US" dirty="0"/>
+              <a:t> can be used to clean up text value</a:t>
+            </a:r>
+          </a:p>
+          <a:p>
+            <a:pPr lvl="1"/>
+            <a:r>
+              <a:rPr lang="en-US" dirty="0"/>
+              <a:t>You create a list of characters to include</a:t>
+            </a:r>
+          </a:p>
+        </p:txBody>
+      </p:sp>
+      <p:pic>
+        <p:nvPicPr>
+          <p:cNvPr id="4" name="Picture 3">
+            <a:extLst>
+              <a:ext uri="{FF2B5EF4-FFF2-40B4-BE49-F238E27FC236}">
+                <a16:creationId xmlns:a16="http://schemas.microsoft.com/office/drawing/2014/main" id="{16AC5334-560D-4104-B909-0EB5EFD1FC74}"/>
+              </a:ext>
+            </a:extLst>
+          </p:cNvPr>
+          <p:cNvPicPr>
+            <a:picLocks noChangeAspect="1"/>
+          </p:cNvPicPr>
+          <p:nvPr/>
+        </p:nvPicPr>
+        <p:blipFill>
+          <a:blip r:embed="rId2"/>
+          <a:stretch>
+            <a:fillRect/>
+          </a:stretch>
+        </p:blipFill>
+        <p:spPr>
+          <a:xfrm>
+            <a:off x="1219200" y="2514600"/>
+            <a:ext cx="6810375" cy="4057550"/>
+          </a:xfrm>
+          <a:prstGeom prst="rect">
+            <a:avLst/>
+          </a:prstGeom>
+          <a:ln>
+            <a:solidFill>
+              <a:schemeClr val="tx1"/>
+            </a:solidFill>
+          </a:ln>
+        </p:spPr>
+      </p:pic>
+    </p:spTree>
+    <p:extLst>
+      <p:ext uri="{BB962C8B-B14F-4D97-AF65-F5344CB8AC3E}">
+        <p14:creationId xmlns:p14="http://schemas.microsoft.com/office/powerpoint/2010/main" val="1543762129"/>
       </p:ext>
     </p:extLst>
   </p:cSld>
@@ -18323,6 +18323,43 @@
           </a:p>
         </p:txBody>
       </p:sp>
+      <p:pic>
+        <p:nvPicPr>
+          <p:cNvPr id="5" name="Picture 4">
+            <a:extLst>
+              <a:ext uri="{FF2B5EF4-FFF2-40B4-BE49-F238E27FC236}">
+                <a16:creationId xmlns:a16="http://schemas.microsoft.com/office/drawing/2014/main" id="{8CC5EEEE-715B-42B7-A194-1B8E23DA794B}"/>
+              </a:ext>
+            </a:extLst>
+          </p:cNvPr>
+          <p:cNvPicPr>
+            <a:picLocks noChangeAspect="1"/>
+          </p:cNvPicPr>
+          <p:nvPr/>
+        </p:nvPicPr>
+        <p:blipFill rotWithShape="1">
+          <a:blip r:embed="rId3"/>
+          <a:srcRect b="22750"/>
+          <a:stretch/>
+        </p:blipFill>
+        <p:spPr>
+          <a:xfrm>
+            <a:off x="356778" y="3648517"/>
+            <a:ext cx="7662642" cy="3016188"/>
+          </a:xfrm>
+          <a:prstGeom prst="rect">
+            <a:avLst/>
+          </a:prstGeom>
+          <a:ln>
+            <a:solidFill>
+              <a:schemeClr val="tx1">
+                <a:lumMod val="50000"/>
+                <a:lumOff val="50000"/>
+              </a:schemeClr>
+            </a:solidFill>
+          </a:ln>
+        </p:spPr>
+      </p:pic>
       <p:sp>
         <p:nvSpPr>
           <p:cNvPr id="2" name="Title 1"/>
@@ -18345,35 +18382,6 @@
           </a:p>
         </p:txBody>
       </p:sp>
-      <p:pic>
-        <p:nvPicPr>
-          <p:cNvPr id="4" name="Picture 3"/>
-          <p:cNvPicPr>
-            <a:picLocks noChangeAspect="1"/>
-          </p:cNvPicPr>
-          <p:nvPr/>
-        </p:nvPicPr>
-        <p:blipFill>
-          <a:blip r:embed="rId3"/>
-          <a:stretch>
-            <a:fillRect/>
-          </a:stretch>
-        </p:blipFill>
-        <p:spPr>
-          <a:xfrm>
-            <a:off x="457200" y="3581400"/>
-            <a:ext cx="6677295" cy="2827751"/>
-          </a:xfrm>
-          <a:prstGeom prst="rect">
-            <a:avLst/>
-          </a:prstGeom>
-          <a:ln>
-            <a:solidFill>
-              <a:schemeClr val="tx1"/>
-            </a:solidFill>
-          </a:ln>
-        </p:spPr>
-      </p:pic>
       <p:grpSp>
         <p:nvGrpSpPr>
           <p:cNvPr id="21" name="Group 20"/>
@@ -18382,10 +18390,10 @@
         </p:nvGrpSpPr>
         <p:grpSpPr>
           <a:xfrm>
-            <a:off x="1381925" y="3760537"/>
-            <a:ext cx="5519157" cy="714953"/>
-            <a:chOff x="1804291" y="3994638"/>
-            <a:chExt cx="5519157" cy="714953"/>
+            <a:off x="1552763" y="3733800"/>
+            <a:ext cx="5040968" cy="1068314"/>
+            <a:chOff x="1975129" y="3967901"/>
+            <a:chExt cx="5040968" cy="1068314"/>
           </a:xfrm>
         </p:grpSpPr>
         <p:sp>
@@ -18396,8 +18404,8 @@
           </p:nvSpPr>
           <p:spPr>
             <a:xfrm>
-              <a:off x="1804291" y="4572001"/>
-              <a:ext cx="3995842" cy="137590"/>
+              <a:off x="1975129" y="4809633"/>
+              <a:ext cx="4823813" cy="226582"/>
             </a:xfrm>
             <a:prstGeom prst="rect">
               <a:avLst/>
@@ -18438,13 +18446,15 @@
         <p:cxnSp>
           <p:nvCxnSpPr>
             <p:cNvPr id="12" name="Straight Arrow Connector 11"/>
-            <p:cNvCxnSpPr/>
+            <p:cNvCxnSpPr>
+              <a:cxnSpLocks/>
+            </p:cNvCxnSpPr>
             <p:nvPr/>
           </p:nvCxnSpPr>
           <p:spPr>
             <a:xfrm flipH="1">
-              <a:off x="5391228" y="4135315"/>
-              <a:ext cx="304800" cy="344571"/>
+              <a:off x="5680166" y="4272701"/>
+              <a:ext cx="457200" cy="457200"/>
             </a:xfrm>
             <a:prstGeom prst="straightConnector1">
               <a:avLst/>
@@ -18480,7 +18490,7 @@
           </p:nvSpPr>
           <p:spPr>
             <a:xfrm>
-              <a:off x="5606517" y="3994638"/>
+              <a:off x="5299166" y="3967901"/>
               <a:ext cx="1716931" cy="304800"/>
             </a:xfrm>
             <a:prstGeom prst="rect">
@@ -18539,10 +18549,10 @@
         </p:nvGrpSpPr>
         <p:grpSpPr>
           <a:xfrm>
-            <a:off x="5706901" y="5323054"/>
-            <a:ext cx="3159987" cy="1104901"/>
-            <a:chOff x="5857461" y="5417946"/>
-            <a:chExt cx="3159987" cy="1104901"/>
+            <a:off x="6461503" y="4191000"/>
+            <a:ext cx="2174945" cy="2458375"/>
+            <a:chOff x="6612063" y="4285892"/>
+            <a:chExt cx="2174945" cy="2458375"/>
           </a:xfrm>
         </p:grpSpPr>
         <p:sp>
@@ -18553,7 +18563,7 @@
           </p:nvSpPr>
           <p:spPr>
             <a:xfrm>
-              <a:off x="7543800" y="5486400"/>
+              <a:off x="7313360" y="4285892"/>
               <a:ext cx="1473648" cy="533400"/>
             </a:xfrm>
             <a:prstGeom prst="rect">
@@ -18611,8 +18621,8 @@
           </p:nvSpPr>
           <p:spPr>
             <a:xfrm>
-              <a:off x="5857461" y="5417946"/>
-              <a:ext cx="1303499" cy="1104901"/>
+              <a:off x="6612063" y="5462334"/>
+              <a:ext cx="1404113" cy="1281933"/>
             </a:xfrm>
             <a:prstGeom prst="rect">
               <a:avLst/>
@@ -18654,14 +18664,15 @@
           <p:nvCxnSpPr>
             <p:cNvPr id="14" name="Straight Arrow Connector 13"/>
             <p:cNvCxnSpPr>
-              <a:stCxn id="8" idx="1"/>
+              <a:cxnSpLocks/>
+              <a:endCxn id="10" idx="0"/>
             </p:cNvCxnSpPr>
             <p:nvPr/>
           </p:nvCxnSpPr>
           <p:spPr>
             <a:xfrm flipH="1">
-              <a:off x="7088718" y="5753100"/>
-              <a:ext cx="455082" cy="61129"/>
+              <a:off x="7314120" y="4819292"/>
+              <a:ext cx="761240" cy="643042"/>
             </a:xfrm>
             <a:prstGeom prst="straightConnector1">
               <a:avLst/>
@@ -18842,29 +18853,6 @@
       </p:grpSpPr>
       <p:sp>
         <p:nvSpPr>
-          <p:cNvPr id="2" name="Title 1"/>
-          <p:cNvSpPr>
-            <a:spLocks noGrp="1"/>
-          </p:cNvSpPr>
-          <p:nvPr>
-            <p:ph type="title"/>
-          </p:nvPr>
-        </p:nvSpPr>
-        <p:spPr/>
-        <p:txBody>
-          <a:bodyPr/>
-          <a:lstStyle/>
-          <a:p>
-            <a:r>
-              <a:rPr lang="en-US"/>
-              <a:t>Query Editor Window</a:t>
-            </a:r>
-            <a:endParaRPr lang="en-US" dirty="0"/>
-          </a:p>
-        </p:txBody>
-      </p:sp>
-      <p:sp>
-        <p:nvSpPr>
           <p:cNvPr id="3" name="Content Placeholder 2"/>
           <p:cNvSpPr>
             <a:spLocks noGrp="1"/>
@@ -18951,22 +18939,27 @@
       </p:sp>
       <p:pic>
         <p:nvPicPr>
-          <p:cNvPr id="4" name="Picture 3"/>
+          <p:cNvPr id="6" name="Picture 5">
+            <a:extLst>
+              <a:ext uri="{FF2B5EF4-FFF2-40B4-BE49-F238E27FC236}">
+                <a16:creationId xmlns:a16="http://schemas.microsoft.com/office/drawing/2014/main" id="{D367A723-4F2E-4110-B26B-751A3BFDF418}"/>
+              </a:ext>
+            </a:extLst>
+          </p:cNvPr>
           <p:cNvPicPr>
             <a:picLocks noChangeAspect="1"/>
           </p:cNvPicPr>
           <p:nvPr/>
         </p:nvPicPr>
-        <p:blipFill>
+        <p:blipFill rotWithShape="1">
           <a:blip r:embed="rId3"/>
-          <a:stretch>
-            <a:fillRect/>
-          </a:stretch>
+          <a:srcRect l="-10" t="-1495" r="31763" b="21061"/>
+          <a:stretch/>
         </p:blipFill>
         <p:spPr>
           <a:xfrm>
-            <a:off x="2579511" y="3505200"/>
-            <a:ext cx="5619405" cy="2629263"/>
+            <a:off x="2438400" y="3581400"/>
+            <a:ext cx="6300223" cy="2743200"/>
           </a:xfrm>
           <a:prstGeom prst="rect">
             <a:avLst/>
@@ -18981,6 +18974,29 @@
           </a:ln>
         </p:spPr>
       </p:pic>
+      <p:sp>
+        <p:nvSpPr>
+          <p:cNvPr id="2" name="Title 1"/>
+          <p:cNvSpPr>
+            <a:spLocks noGrp="1"/>
+          </p:cNvSpPr>
+          <p:nvPr>
+            <p:ph type="title"/>
+          </p:nvPr>
+        </p:nvSpPr>
+        <p:spPr/>
+        <p:txBody>
+          <a:bodyPr/>
+          <a:lstStyle/>
+          <a:p>
+            <a:r>
+              <a:rPr lang="en-US"/>
+              <a:t>Query Editor Window</a:t>
+            </a:r>
+            <a:endParaRPr lang="en-US" dirty="0"/>
+          </a:p>
+        </p:txBody>
+      </p:sp>
       <p:pic>
         <p:nvPicPr>
           <p:cNvPr id="7" name="Picture 6"/>
@@ -18991,20 +19007,23 @@
         </p:nvPicPr>
         <p:blipFill rotWithShape="1">
           <a:blip r:embed="rId4"/>
-          <a:srcRect l="3194" r="33448"/>
+          <a:srcRect l="3194" t="14543" r="33448"/>
           <a:stretch/>
         </p:blipFill>
         <p:spPr>
           <a:xfrm>
-            <a:off x="739422" y="3983016"/>
-            <a:ext cx="1457603" cy="1877025"/>
+            <a:off x="457200" y="5029200"/>
+            <a:ext cx="1457603" cy="1604037"/>
           </a:xfrm>
           <a:prstGeom prst="rect">
             <a:avLst/>
           </a:prstGeom>
-          <a:ln>
+          <a:ln w="38100">
             <a:solidFill>
-              <a:schemeClr val="tx1"/>
+              <a:schemeClr val="tx2">
+                <a:lumMod val="90000"/>
+                <a:lumOff val="10000"/>
+              </a:schemeClr>
             </a:solidFill>
           </a:ln>
         </p:spPr>
@@ -19012,13 +19031,16 @@
       <p:cxnSp>
         <p:nvCxnSpPr>
           <p:cNvPr id="9" name="Straight Arrow Connector 8"/>
-          <p:cNvCxnSpPr/>
+          <p:cNvCxnSpPr>
+            <a:cxnSpLocks/>
+            <a:stCxn id="11" idx="1"/>
+          </p:cNvCxnSpPr>
           <p:nvPr/>
         </p:nvCxnSpPr>
         <p:spPr>
           <a:xfrm flipH="1">
-            <a:off x="1207911" y="4009851"/>
-            <a:ext cx="1295401" cy="533400"/>
+            <a:off x="1905000" y="4457700"/>
+            <a:ext cx="533400" cy="495300"/>
           </a:xfrm>
           <a:prstGeom prst="straightConnector1">
             <a:avLst/>
@@ -19051,8 +19073,8 @@
         </p:nvSpPr>
         <p:spPr>
           <a:xfrm>
-            <a:off x="2592688" y="3794428"/>
-            <a:ext cx="281884" cy="470952"/>
+            <a:off x="2438400" y="4038600"/>
+            <a:ext cx="533400" cy="838200"/>
           </a:xfrm>
           <a:prstGeom prst="roundRect">
             <a:avLst>
@@ -19060,53 +19082,7 @@
             </a:avLst>
           </a:prstGeom>
           <a:noFill/>
-          <a:ln>
-            <a:prstDash val="sysDot"/>
-          </a:ln>
-        </p:spPr>
-        <p:style>
-          <a:lnRef idx="2">
-            <a:schemeClr val="accent1">
-              <a:shade val="50000"/>
-            </a:schemeClr>
-          </a:lnRef>
-          <a:fillRef idx="1">
-            <a:schemeClr val="accent1"/>
-          </a:fillRef>
-          <a:effectRef idx="0">
-            <a:schemeClr val="accent1"/>
-          </a:effectRef>
-          <a:fontRef idx="minor">
-            <a:schemeClr val="lt1"/>
-          </a:fontRef>
-        </p:style>
-        <p:txBody>
-          <a:bodyPr rtlCol="0" anchor="ctr"/>
-          <a:lstStyle/>
-          <a:p>
-            <a:pPr algn="ctr"/>
-            <a:endParaRPr lang="en-US"/>
-          </a:p>
-        </p:txBody>
-      </p:sp>
-      <p:sp>
-        <p:nvSpPr>
-          <p:cNvPr id="13" name="Rounded Rectangle 12"/>
-          <p:cNvSpPr/>
-          <p:nvPr/>
-        </p:nvSpPr>
-        <p:spPr>
-          <a:xfrm>
-            <a:off x="685800" y="4265380"/>
-            <a:ext cx="1348377" cy="1598480"/>
-          </a:xfrm>
-          <a:prstGeom prst="roundRect">
-            <a:avLst>
-              <a:gd name="adj" fmla="val 10626"/>
-            </a:avLst>
-          </a:prstGeom>
-          <a:noFill/>
-          <a:ln w="38100">
+          <a:ln w="57150">
             <a:prstDash val="sysDot"/>
           </a:ln>
         </p:spPr>
@@ -20487,135 +20463,6 @@
 </file>
 
 <file path=customXml/item1.xml><?xml version="1.0" encoding="utf-8"?>
-<ct:contentTypeSchema xmlns:ct="http://schemas.microsoft.com/office/2006/metadata/contentType" xmlns:ma="http://schemas.microsoft.com/office/2006/metadata/properties/metaAttributes" ct:_="" ma:_="" ma:contentTypeName="Document" ma:contentTypeID="0x01010043F7775CCE86F349BB7C51FB3CE6B150" ma:contentTypeVersion="0" ma:contentTypeDescription="Create a new document." ma:contentTypeScope="" ma:versionID="bb563817a2861b6b5994bd26a2ba9e40">
-  <xsd:schema xmlns:xsd="http://www.w3.org/2001/XMLSchema" xmlns:xs="http://www.w3.org/2001/XMLSchema" xmlns:p="http://schemas.microsoft.com/office/2006/metadata/properties" targetNamespace="http://schemas.microsoft.com/office/2006/metadata/properties" ma:root="true" ma:fieldsID="c64490b4aec6201516c3a874156f37b2">
-    <xsd:element name="properties">
-      <xsd:complexType>
-        <xsd:sequence>
-          <xsd:element name="documentManagement">
-            <xsd:complexType>
-              <xsd:all/>
-            </xsd:complexType>
-          </xsd:element>
-        </xsd:sequence>
-      </xsd:complexType>
-    </xsd:element>
-  </xsd:schema>
-  <xsd:schema xmlns="http://schemas.openxmlformats.org/package/2006/metadata/core-properties" xmlns:xsd="http://www.w3.org/2001/XMLSchema" xmlns:xsi="http://www.w3.org/2001/XMLSchema-instance" xmlns:dc="http://purl.org/dc/elements/1.1/" xmlns:dcterms="http://purl.org/dc/terms/" xmlns:odoc="http://schemas.microsoft.com/internal/obd" targetNamespace="http://schemas.openxmlformats.org/package/2006/metadata/core-properties" elementFormDefault="qualified" attributeFormDefault="unqualified" blockDefault="#all">
-    <xsd:import namespace="http://purl.org/dc/elements/1.1/" schemaLocation="http://dublincore.org/schemas/xmls/qdc/2003/04/02/dc.xsd"/>
-    <xsd:import namespace="http://purl.org/dc/terms/" schemaLocation="http://dublincore.org/schemas/xmls/qdc/2003/04/02/dcterms.xsd"/>
-    <xsd:element name="coreProperties" type="CT_coreProperties"/>
-    <xsd:complexType name="CT_coreProperties">
-      <xsd:all>
-        <xsd:element ref="dc:creator" minOccurs="0" maxOccurs="1"/>
-        <xsd:element ref="dcterms:created" minOccurs="0" maxOccurs="1"/>
-        <xsd:element ref="dc:identifier" minOccurs="0" maxOccurs="1"/>
-        <xsd:element name="contentType" minOccurs="0" maxOccurs="1" type="xsd:string" ma:index="0" ma:displayName="Content Type"/>
-        <xsd:element ref="dc:title" minOccurs="0" maxOccurs="1" ma:index="4" ma:displayName="Title"/>
-        <xsd:element ref="dc:subject" minOccurs="0" maxOccurs="1"/>
-        <xsd:element ref="dc:description" minOccurs="0" maxOccurs="1"/>
-        <xsd:element name="keywords" minOccurs="0" maxOccurs="1" type="xsd:string"/>
-        <xsd:element ref="dc:language" minOccurs="0" maxOccurs="1"/>
-        <xsd:element name="category" minOccurs="0" maxOccurs="1" type="xsd:string"/>
-        <xsd:element name="version" minOccurs="0" maxOccurs="1" type="xsd:string"/>
-        <xsd:element name="revision" minOccurs="0" maxOccurs="1" type="xsd:string">
-          <xsd:annotation>
-            <xsd:documentation>
-                        This value indicates the number of saves or revisions. The application is responsible for updating this value after each revision.
-                    </xsd:documentation>
-          </xsd:annotation>
-        </xsd:element>
-        <xsd:element name="lastModifiedBy" minOccurs="0" maxOccurs="1" type="xsd:string"/>
-        <xsd:element ref="dcterms:modified" minOccurs="0" maxOccurs="1"/>
-        <xsd:element name="contentStatus" minOccurs="0" maxOccurs="1" type="xsd:string"/>
-      </xsd:all>
-    </xsd:complexType>
-  </xsd:schema>
-  <xs:schema xmlns:pc="http://schemas.microsoft.com/office/infopath/2007/PartnerControls" xmlns:xs="http://www.w3.org/2001/XMLSchema" targetNamespace="http://schemas.microsoft.com/office/infopath/2007/PartnerControls" elementFormDefault="qualified" attributeFormDefault="unqualified">
-    <xs:element name="Person">
-      <xs:complexType>
-        <xs:sequence>
-          <xs:element ref="pc:DisplayName" minOccurs="0"/>
-          <xs:element ref="pc:AccountId" minOccurs="0"/>
-          <xs:element ref="pc:AccountType" minOccurs="0"/>
-        </xs:sequence>
-      </xs:complexType>
-    </xs:element>
-    <xs:element name="DisplayName" type="xs:string"/>
-    <xs:element name="AccountId" type="xs:string"/>
-    <xs:element name="AccountType" type="xs:string"/>
-    <xs:element name="BDCAssociatedEntity">
-      <xs:complexType>
-        <xs:sequence>
-          <xs:element ref="pc:BDCEntity" minOccurs="0" maxOccurs="unbounded"/>
-        </xs:sequence>
-        <xs:attribute ref="pc:EntityNamespace"/>
-        <xs:attribute ref="pc:EntityName"/>
-        <xs:attribute ref="pc:SystemInstanceName"/>
-        <xs:attribute ref="pc:AssociationName"/>
-      </xs:complexType>
-    </xs:element>
-    <xs:attribute name="EntityNamespace" type="xs:string"/>
-    <xs:attribute name="EntityName" type="xs:string"/>
-    <xs:attribute name="SystemInstanceName" type="xs:string"/>
-    <xs:attribute name="AssociationName" type="xs:string"/>
-    <xs:element name="BDCEntity">
-      <xs:complexType>
-        <xs:sequence>
-          <xs:element ref="pc:EntityDisplayName" minOccurs="0"/>
-          <xs:element ref="pc:EntityInstanceReference" minOccurs="0"/>
-          <xs:element ref="pc:EntityId1" minOccurs="0"/>
-          <xs:element ref="pc:EntityId2" minOccurs="0"/>
-          <xs:element ref="pc:EntityId3" minOccurs="0"/>
-          <xs:element ref="pc:EntityId4" minOccurs="0"/>
-          <xs:element ref="pc:EntityId5" minOccurs="0"/>
-        </xs:sequence>
-      </xs:complexType>
-    </xs:element>
-    <xs:element name="EntityDisplayName" type="xs:string"/>
-    <xs:element name="EntityInstanceReference" type="xs:string"/>
-    <xs:element name="EntityId1" type="xs:string"/>
-    <xs:element name="EntityId2" type="xs:string"/>
-    <xs:element name="EntityId3" type="xs:string"/>
-    <xs:element name="EntityId4" type="xs:string"/>
-    <xs:element name="EntityId5" type="xs:string"/>
-    <xs:element name="Terms">
-      <xs:complexType>
-        <xs:sequence>
-          <xs:element ref="pc:TermInfo" minOccurs="0" maxOccurs="unbounded"/>
-        </xs:sequence>
-      </xs:complexType>
-    </xs:element>
-    <xs:element name="TermInfo">
-      <xs:complexType>
-        <xs:sequence>
-          <xs:element ref="pc:TermName" minOccurs="0"/>
-          <xs:element ref="pc:TermId" minOccurs="0"/>
-        </xs:sequence>
-      </xs:complexType>
-    </xs:element>
-    <xs:element name="TermName" type="xs:string"/>
-    <xs:element name="TermId" type="xs:string"/>
-  </xs:schema>
-</ct:contentTypeSchema>
-</file>
-
-<file path=customXml/item2.xml><?xml version="1.0" encoding="utf-8"?>
-<?mso-contentType ?>
-<FormTemplates xmlns="http://schemas.microsoft.com/sharepoint/v3/contenttype/forms">
-  <Display>DocumentLibraryForm</Display>
-  <Edit>DocumentLibraryForm</Edit>
-  <New>DocumentLibraryForm</New>
-</FormTemplates>
-</file>
-
-<file path=customXml/item3.xml><?xml version="1.0" encoding="utf-8"?>
-<p:properties xmlns:p="http://schemas.microsoft.com/office/2006/metadata/properties" xmlns:xsi="http://www.w3.org/2001/XMLSchema-instance">
-  <documentManagement/>
-</p:properties>
-</file>
-
-<file path=customXml/item4.xml><?xml version="1.0" encoding="utf-8"?>
 <outs:outSpaceData xmlns:outs="http://schemas.microsoft.com/office/2009/outspace/metadata">
   <outs:relatedDates>
     <outs:relatedDate>
@@ -20765,7 +20612,144 @@
 </outs:outSpaceData>
 </file>
 
+<file path=customXml/item2.xml><?xml version="1.0" encoding="utf-8"?>
+<ct:contentTypeSchema xmlns:ct="http://schemas.microsoft.com/office/2006/metadata/contentType" xmlns:ma="http://schemas.microsoft.com/office/2006/metadata/properties/metaAttributes" ct:_="" ma:_="" ma:contentTypeName="Document" ma:contentTypeID="0x01010043F7775CCE86F349BB7C51FB3CE6B150" ma:contentTypeVersion="0" ma:contentTypeDescription="Create a new document." ma:contentTypeScope="" ma:versionID="bb563817a2861b6b5994bd26a2ba9e40">
+  <xsd:schema xmlns:xsd="http://www.w3.org/2001/XMLSchema" xmlns:xs="http://www.w3.org/2001/XMLSchema" xmlns:p="http://schemas.microsoft.com/office/2006/metadata/properties" targetNamespace="http://schemas.microsoft.com/office/2006/metadata/properties" ma:root="true" ma:fieldsID="c64490b4aec6201516c3a874156f37b2">
+    <xsd:element name="properties">
+      <xsd:complexType>
+        <xsd:sequence>
+          <xsd:element name="documentManagement">
+            <xsd:complexType>
+              <xsd:all/>
+            </xsd:complexType>
+          </xsd:element>
+        </xsd:sequence>
+      </xsd:complexType>
+    </xsd:element>
+  </xsd:schema>
+  <xsd:schema xmlns="http://schemas.openxmlformats.org/package/2006/metadata/core-properties" xmlns:xsd="http://www.w3.org/2001/XMLSchema" xmlns:xsi="http://www.w3.org/2001/XMLSchema-instance" xmlns:dc="http://purl.org/dc/elements/1.1/" xmlns:dcterms="http://purl.org/dc/terms/" xmlns:odoc="http://schemas.microsoft.com/internal/obd" targetNamespace="http://schemas.openxmlformats.org/package/2006/metadata/core-properties" elementFormDefault="qualified" attributeFormDefault="unqualified" blockDefault="#all">
+    <xsd:import namespace="http://purl.org/dc/elements/1.1/" schemaLocation="http://dublincore.org/schemas/xmls/qdc/2003/04/02/dc.xsd"/>
+    <xsd:import namespace="http://purl.org/dc/terms/" schemaLocation="http://dublincore.org/schemas/xmls/qdc/2003/04/02/dcterms.xsd"/>
+    <xsd:element name="coreProperties" type="CT_coreProperties"/>
+    <xsd:complexType name="CT_coreProperties">
+      <xsd:all>
+        <xsd:element ref="dc:creator" minOccurs="0" maxOccurs="1"/>
+        <xsd:element ref="dcterms:created" minOccurs="0" maxOccurs="1"/>
+        <xsd:element ref="dc:identifier" minOccurs="0" maxOccurs="1"/>
+        <xsd:element name="contentType" minOccurs="0" maxOccurs="1" type="xsd:string" ma:index="0" ma:displayName="Content Type"/>
+        <xsd:element ref="dc:title" minOccurs="0" maxOccurs="1" ma:index="4" ma:displayName="Title"/>
+        <xsd:element ref="dc:subject" minOccurs="0" maxOccurs="1"/>
+        <xsd:element ref="dc:description" minOccurs="0" maxOccurs="1"/>
+        <xsd:element name="keywords" minOccurs="0" maxOccurs="1" type="xsd:string"/>
+        <xsd:element ref="dc:language" minOccurs="0" maxOccurs="1"/>
+        <xsd:element name="category" minOccurs="0" maxOccurs="1" type="xsd:string"/>
+        <xsd:element name="version" minOccurs="0" maxOccurs="1" type="xsd:string"/>
+        <xsd:element name="revision" minOccurs="0" maxOccurs="1" type="xsd:string">
+          <xsd:annotation>
+            <xsd:documentation>
+                        This value indicates the number of saves or revisions. The application is responsible for updating this value after each revision.
+                    </xsd:documentation>
+          </xsd:annotation>
+        </xsd:element>
+        <xsd:element name="lastModifiedBy" minOccurs="0" maxOccurs="1" type="xsd:string"/>
+        <xsd:element ref="dcterms:modified" minOccurs="0" maxOccurs="1"/>
+        <xsd:element name="contentStatus" minOccurs="0" maxOccurs="1" type="xsd:string"/>
+      </xsd:all>
+    </xsd:complexType>
+  </xsd:schema>
+  <xs:schema xmlns:pc="http://schemas.microsoft.com/office/infopath/2007/PartnerControls" xmlns:xs="http://www.w3.org/2001/XMLSchema" targetNamespace="http://schemas.microsoft.com/office/infopath/2007/PartnerControls" elementFormDefault="qualified" attributeFormDefault="unqualified">
+    <xs:element name="Person">
+      <xs:complexType>
+        <xs:sequence>
+          <xs:element ref="pc:DisplayName" minOccurs="0"/>
+          <xs:element ref="pc:AccountId" minOccurs="0"/>
+          <xs:element ref="pc:AccountType" minOccurs="0"/>
+        </xs:sequence>
+      </xs:complexType>
+    </xs:element>
+    <xs:element name="DisplayName" type="xs:string"/>
+    <xs:element name="AccountId" type="xs:string"/>
+    <xs:element name="AccountType" type="xs:string"/>
+    <xs:element name="BDCAssociatedEntity">
+      <xs:complexType>
+        <xs:sequence>
+          <xs:element ref="pc:BDCEntity" minOccurs="0" maxOccurs="unbounded"/>
+        </xs:sequence>
+        <xs:attribute ref="pc:EntityNamespace"/>
+        <xs:attribute ref="pc:EntityName"/>
+        <xs:attribute ref="pc:SystemInstanceName"/>
+        <xs:attribute ref="pc:AssociationName"/>
+      </xs:complexType>
+    </xs:element>
+    <xs:attribute name="EntityNamespace" type="xs:string"/>
+    <xs:attribute name="EntityName" type="xs:string"/>
+    <xs:attribute name="SystemInstanceName" type="xs:string"/>
+    <xs:attribute name="AssociationName" type="xs:string"/>
+    <xs:element name="BDCEntity">
+      <xs:complexType>
+        <xs:sequence>
+          <xs:element ref="pc:EntityDisplayName" minOccurs="0"/>
+          <xs:element ref="pc:EntityInstanceReference" minOccurs="0"/>
+          <xs:element ref="pc:EntityId1" minOccurs="0"/>
+          <xs:element ref="pc:EntityId2" minOccurs="0"/>
+          <xs:element ref="pc:EntityId3" minOccurs="0"/>
+          <xs:element ref="pc:EntityId4" minOccurs="0"/>
+          <xs:element ref="pc:EntityId5" minOccurs="0"/>
+        </xs:sequence>
+      </xs:complexType>
+    </xs:element>
+    <xs:element name="EntityDisplayName" type="xs:string"/>
+    <xs:element name="EntityInstanceReference" type="xs:string"/>
+    <xs:element name="EntityId1" type="xs:string"/>
+    <xs:element name="EntityId2" type="xs:string"/>
+    <xs:element name="EntityId3" type="xs:string"/>
+    <xs:element name="EntityId4" type="xs:string"/>
+    <xs:element name="EntityId5" type="xs:string"/>
+    <xs:element name="Terms">
+      <xs:complexType>
+        <xs:sequence>
+          <xs:element ref="pc:TermInfo" minOccurs="0" maxOccurs="unbounded"/>
+        </xs:sequence>
+      </xs:complexType>
+    </xs:element>
+    <xs:element name="TermInfo">
+      <xs:complexType>
+        <xs:sequence>
+          <xs:element ref="pc:TermName" minOccurs="0"/>
+          <xs:element ref="pc:TermId" minOccurs="0"/>
+        </xs:sequence>
+      </xs:complexType>
+    </xs:element>
+    <xs:element name="TermName" type="xs:string"/>
+    <xs:element name="TermId" type="xs:string"/>
+  </xs:schema>
+</ct:contentTypeSchema>
+</file>
+
+<file path=customXml/item3.xml><?xml version="1.0" encoding="utf-8"?>
+<p:properties xmlns:p="http://schemas.microsoft.com/office/2006/metadata/properties" xmlns:xsi="http://www.w3.org/2001/XMLSchema-instance">
+  <documentManagement/>
+</p:properties>
+</file>
+
+<file path=customXml/item4.xml><?xml version="1.0" encoding="utf-8"?>
+<?mso-contentType ?>
+<FormTemplates xmlns="http://schemas.microsoft.com/sharepoint/v3/contenttype/forms">
+  <Display>DocumentLibraryForm</Display>
+  <Edit>DocumentLibraryForm</Edit>
+  <New>DocumentLibraryForm</New>
+</FormTemplates>
+</file>
+
 <file path=customXml/itemProps1.xml><?xml version="1.0" encoding="utf-8"?>
+<ds:datastoreItem xmlns:ds="http://schemas.openxmlformats.org/officeDocument/2006/customXml" ds:itemID="{8865FC99-B6BD-4E98-8312-F4F432C217EA}">
+  <ds:schemaRefs>
+    <ds:schemaRef ds:uri="http://schemas.microsoft.com/office/2009/outspace/metadata"/>
+  </ds:schemaRefs>
+</ds:datastoreItem>
+</file>
+
+<file path=customXml/itemProps2.xml><?xml version="1.0" encoding="utf-8"?>
 <ds:datastoreItem xmlns:ds="http://schemas.openxmlformats.org/officeDocument/2006/customXml" ds:itemID="{63F8C001-70B3-4AE4-BEC2-202AE4E30C7A}">
   <ds:schemaRefs>
     <ds:schemaRef ds:uri="http://schemas.microsoft.com/office/2006/metadata/contentType"/>
@@ -20777,14 +20761,6 @@
     <ds:schemaRef ds:uri="http://purl.org/dc/terms/"/>
     <ds:schemaRef ds:uri="http://schemas.microsoft.com/internal/obd"/>
     <ds:schemaRef ds:uri="http://schemas.microsoft.com/office/infopath/2007/PartnerControls"/>
-  </ds:schemaRefs>
-</ds:datastoreItem>
-</file>
-
-<file path=customXml/itemProps2.xml><?xml version="1.0" encoding="utf-8"?>
-<ds:datastoreItem xmlns:ds="http://schemas.openxmlformats.org/officeDocument/2006/customXml" ds:itemID="{6034B84F-8F8E-48B7-9EFF-C7DE1A66BD73}">
-  <ds:schemaRefs>
-    <ds:schemaRef ds:uri="http://schemas.microsoft.com/sharepoint/v3/contenttype/forms"/>
   </ds:schemaRefs>
 </ds:datastoreItem>
 </file>
@@ -20805,9 +20781,9 @@
 </file>
 
 <file path=customXml/itemProps4.xml><?xml version="1.0" encoding="utf-8"?>
-<ds:datastoreItem xmlns:ds="http://schemas.openxmlformats.org/officeDocument/2006/customXml" ds:itemID="{8865FC99-B6BD-4E98-8312-F4F432C217EA}">
+<ds:datastoreItem xmlns:ds="http://schemas.openxmlformats.org/officeDocument/2006/customXml" ds:itemID="{6034B84F-8F8E-48B7-9EFF-C7DE1A66BD73}">
   <ds:schemaRefs>
-    <ds:schemaRef ds:uri="http://schemas.microsoft.com/office/2009/outspace/metadata"/>
+    <ds:schemaRef ds:uri="http://schemas.microsoft.com/sharepoint/v3/contenttype/forms"/>
   </ds:schemaRefs>
 </ds:datastoreItem>
 </file>
--- a/Advanced Query Design.pptx
+++ b/Advanced Query Design.pptx
@@ -5,59 +5,61 @@
     <p:sldMasterId id="2147483648" r:id="rId5"/>
   </p:sldMasterIdLst>
   <p:notesMasterIdLst>
-    <p:notesMasterId r:id="rId53"/>
+    <p:notesMasterId r:id="rId55"/>
   </p:notesMasterIdLst>
   <p:handoutMasterIdLst>
-    <p:handoutMasterId r:id="rId54"/>
+    <p:handoutMasterId r:id="rId56"/>
   </p:handoutMasterIdLst>
   <p:sldIdLst>
     <p:sldId id="279" r:id="rId6"/>
     <p:sldId id="357" r:id="rId7"/>
     <p:sldId id="282" r:id="rId8"/>
-    <p:sldId id="295" r:id="rId9"/>
-    <p:sldId id="297" r:id="rId10"/>
-    <p:sldId id="296" r:id="rId11"/>
-    <p:sldId id="364" r:id="rId12"/>
-    <p:sldId id="365" r:id="rId13"/>
+    <p:sldId id="296" r:id="rId9"/>
+    <p:sldId id="364" r:id="rId10"/>
+    <p:sldId id="365" r:id="rId11"/>
+    <p:sldId id="373" r:id="rId12"/>
+    <p:sldId id="297" r:id="rId13"/>
     <p:sldId id="317" r:id="rId14"/>
     <p:sldId id="298" r:id="rId15"/>
-    <p:sldId id="366" r:id="rId16"/>
-    <p:sldId id="303" r:id="rId17"/>
-    <p:sldId id="315" r:id="rId18"/>
-    <p:sldId id="346" r:id="rId19"/>
-    <p:sldId id="308" r:id="rId20"/>
-    <p:sldId id="347" r:id="rId21"/>
-    <p:sldId id="325" r:id="rId22"/>
-    <p:sldId id="326" r:id="rId23"/>
-    <p:sldId id="349" r:id="rId24"/>
-    <p:sldId id="350" r:id="rId25"/>
-    <p:sldId id="356" r:id="rId26"/>
-    <p:sldId id="327" r:id="rId27"/>
-    <p:sldId id="309" r:id="rId28"/>
-    <p:sldId id="310" r:id="rId29"/>
-    <p:sldId id="340" r:id="rId30"/>
-    <p:sldId id="332" r:id="rId31"/>
-    <p:sldId id="311" r:id="rId32"/>
-    <p:sldId id="333" r:id="rId33"/>
-    <p:sldId id="328" r:id="rId34"/>
-    <p:sldId id="334" r:id="rId35"/>
-    <p:sldId id="319" r:id="rId36"/>
-    <p:sldId id="304" r:id="rId37"/>
-    <p:sldId id="324" r:id="rId38"/>
-    <p:sldId id="342" r:id="rId39"/>
-    <p:sldId id="345" r:id="rId40"/>
-    <p:sldId id="323" r:id="rId41"/>
-    <p:sldId id="353" r:id="rId42"/>
-    <p:sldId id="302" r:id="rId43"/>
-    <p:sldId id="351" r:id="rId44"/>
-    <p:sldId id="305" r:id="rId45"/>
-    <p:sldId id="299" r:id="rId46"/>
-    <p:sldId id="300" r:id="rId47"/>
-    <p:sldId id="301" r:id="rId48"/>
-    <p:sldId id="354" r:id="rId49"/>
-    <p:sldId id="355" r:id="rId50"/>
-    <p:sldId id="358" r:id="rId51"/>
-    <p:sldId id="307" r:id="rId52"/>
+    <p:sldId id="295" r:id="rId16"/>
+    <p:sldId id="366" r:id="rId17"/>
+    <p:sldId id="367" r:id="rId18"/>
+    <p:sldId id="315" r:id="rId19"/>
+    <p:sldId id="346" r:id="rId20"/>
+    <p:sldId id="308" r:id="rId21"/>
+    <p:sldId id="347" r:id="rId22"/>
+    <p:sldId id="325" r:id="rId23"/>
+    <p:sldId id="326" r:id="rId24"/>
+    <p:sldId id="349" r:id="rId25"/>
+    <p:sldId id="350" r:id="rId26"/>
+    <p:sldId id="356" r:id="rId27"/>
+    <p:sldId id="327" r:id="rId28"/>
+    <p:sldId id="309" r:id="rId29"/>
+    <p:sldId id="310" r:id="rId30"/>
+    <p:sldId id="340" r:id="rId31"/>
+    <p:sldId id="332" r:id="rId32"/>
+    <p:sldId id="311" r:id="rId33"/>
+    <p:sldId id="333" r:id="rId34"/>
+    <p:sldId id="328" r:id="rId35"/>
+    <p:sldId id="334" r:id="rId36"/>
+    <p:sldId id="319" r:id="rId37"/>
+    <p:sldId id="368" r:id="rId38"/>
+    <p:sldId id="324" r:id="rId39"/>
+    <p:sldId id="342" r:id="rId40"/>
+    <p:sldId id="345" r:id="rId41"/>
+    <p:sldId id="369" r:id="rId42"/>
+    <p:sldId id="353" r:id="rId43"/>
+    <p:sldId id="302" r:id="rId44"/>
+    <p:sldId id="351" r:id="rId45"/>
+    <p:sldId id="372" r:id="rId46"/>
+    <p:sldId id="370" r:id="rId47"/>
+    <p:sldId id="299" r:id="rId48"/>
+    <p:sldId id="300" r:id="rId49"/>
+    <p:sldId id="301" r:id="rId50"/>
+    <p:sldId id="354" r:id="rId51"/>
+    <p:sldId id="355" r:id="rId52"/>
+    <p:sldId id="358" r:id="rId53"/>
+    <p:sldId id="371" r:id="rId54"/>
   </p:sldIdLst>
   <p:sldSz cx="9144000" cy="6858000" type="screen4x3"/>
   <p:notesSz cx="7315200" cy="9601200"/>
@@ -687,17 +689,19 @@
         </p:nvSpPr>
         <p:spPr/>
         <p:txBody>
-          <a:bodyPr/>
+          <a:bodyPr>
+            <a:normAutofit fontScale="70000" lnSpcReduction="20000"/>
+          </a:bodyPr>
           <a:lstStyle/>
           <a:p>
-            <a:endParaRPr lang="en-US" dirty="0"/>
+            <a:endParaRPr lang="en-US" sz="2000" dirty="0"/>
           </a:p>
         </p:txBody>
       </p:sp>
     </p:spTree>
     <p:extLst>
       <p:ext uri="{BB962C8B-B14F-4D97-AF65-F5344CB8AC3E}">
-        <p14:creationId xmlns:p14="http://schemas.microsoft.com/office/powerpoint/2010/main" val="2030409934"/>
+        <p14:creationId xmlns:p14="http://schemas.microsoft.com/office/powerpoint/2010/main" val="3968726744"/>
       </p:ext>
     </p:extLst>
   </p:cSld>
@@ -829,18 +833,18 @@
         <p:spPr/>
         <p:txBody>
           <a:bodyPr>
-            <a:normAutofit fontScale="70000" lnSpcReduction="20000"/>
+            <a:normAutofit fontScale="55000" lnSpcReduction="20000"/>
           </a:bodyPr>
           <a:lstStyle/>
           <a:p>
-            <a:endParaRPr lang="en-US" sz="2000" dirty="0"/>
+            <a:endParaRPr lang="en-US" dirty="0"/>
           </a:p>
         </p:txBody>
       </p:sp>
     </p:spTree>
     <p:extLst>
       <p:ext uri="{BB962C8B-B14F-4D97-AF65-F5344CB8AC3E}">
-        <p14:creationId xmlns:p14="http://schemas.microsoft.com/office/powerpoint/2010/main" val="3968726744"/>
+        <p14:creationId xmlns:p14="http://schemas.microsoft.com/office/powerpoint/2010/main" val="800876743"/>
       </p:ext>
     </p:extLst>
   </p:cSld>
@@ -891,9 +895,7 @@
         </p:nvSpPr>
         <p:spPr/>
         <p:txBody>
-          <a:bodyPr>
-            <a:normAutofit fontScale="55000" lnSpcReduction="20000"/>
-          </a:bodyPr>
+          <a:bodyPr/>
           <a:lstStyle/>
           <a:p>
             <a:endParaRPr lang="en-US" dirty="0"/>
@@ -903,7 +905,7 @@
     </p:spTree>
     <p:extLst>
       <p:ext uri="{BB962C8B-B14F-4D97-AF65-F5344CB8AC3E}">
-        <p14:creationId xmlns:p14="http://schemas.microsoft.com/office/powerpoint/2010/main" val="800876743"/>
+        <p14:creationId xmlns:p14="http://schemas.microsoft.com/office/powerpoint/2010/main" val="2030409934"/>
       </p:ext>
     </p:extLst>
   </p:cSld>
@@ -4349,6 +4351,791 @@
 </file>
 
 <file path=ppt/slides/slide11.xml><?xml version="1.0" encoding="utf-8"?>
+<p:sld xmlns:a="http://schemas.openxmlformats.org/drawingml/2006/main" xmlns:r="http://schemas.openxmlformats.org/officeDocument/2006/relationships" xmlns:p="http://schemas.openxmlformats.org/presentationml/2006/main">
+  <p:cSld>
+    <p:spTree>
+      <p:nvGrpSpPr>
+        <p:cNvPr id="1" name=""/>
+        <p:cNvGrpSpPr/>
+        <p:nvPr/>
+      </p:nvGrpSpPr>
+      <p:grpSpPr>
+        <a:xfrm>
+          <a:off x="0" y="0"/>
+          <a:ext cx="0" cy="0"/>
+          <a:chOff x="0" y="0"/>
+          <a:chExt cx="0" cy="0"/>
+        </a:xfrm>
+      </p:grpSpPr>
+      <p:sp>
+        <p:nvSpPr>
+          <p:cNvPr id="2" name="Title 1"/>
+          <p:cNvSpPr>
+            <a:spLocks noGrp="1"/>
+          </p:cNvSpPr>
+          <p:nvPr>
+            <p:ph type="title"/>
+          </p:nvPr>
+        </p:nvSpPr>
+        <p:spPr/>
+        <p:txBody>
+          <a:bodyPr/>
+          <a:lstStyle/>
+          <a:p>
+            <a:r>
+              <a:rPr lang="en-US" dirty="0"/>
+              <a:t>Power BI Desktop is an ETL Tool</a:t>
+            </a:r>
+          </a:p>
+        </p:txBody>
+      </p:sp>
+      <p:sp>
+        <p:nvSpPr>
+          <p:cNvPr id="3" name="Content Placeholder 2"/>
+          <p:cNvSpPr>
+            <a:spLocks noGrp="1"/>
+          </p:cNvSpPr>
+          <p:nvPr>
+            <p:ph idx="1"/>
+          </p:nvPr>
+        </p:nvSpPr>
+        <p:spPr/>
+        <p:txBody>
+          <a:bodyPr/>
+          <a:lstStyle/>
+          <a:p>
+            <a:r>
+              <a:rPr lang="en-US" dirty="0"/>
+              <a:t>ETL process is essential part of any BI Project</a:t>
+            </a:r>
+          </a:p>
+          <a:p>
+            <a:pPr lvl="1"/>
+            <a:r>
+              <a:rPr lang="en-US" b="1" dirty="0">
+                <a:solidFill>
+                  <a:schemeClr val="tx2">
+                    <a:lumMod val="90000"/>
+                    <a:lumOff val="10000"/>
+                  </a:schemeClr>
+                </a:solidFill>
+              </a:rPr>
+              <a:t>Extract</a:t>
+            </a:r>
+            <a:r>
+              <a:rPr lang="en-US" dirty="0">
+                <a:solidFill>
+                  <a:schemeClr val="tx2">
+                    <a:lumMod val="90000"/>
+                    <a:lumOff val="10000"/>
+                  </a:schemeClr>
+                </a:solidFill>
+              </a:rPr>
+              <a:t> </a:t>
+            </a:r>
+            <a:r>
+              <a:rPr lang="en-US" dirty="0"/>
+              <a:t>the data from wherever it lives</a:t>
+            </a:r>
+          </a:p>
+          <a:p>
+            <a:pPr lvl="1"/>
+            <a:r>
+              <a:rPr lang="en-US" b="1" dirty="0">
+                <a:solidFill>
+                  <a:schemeClr val="tx2">
+                    <a:lumMod val="90000"/>
+                    <a:lumOff val="10000"/>
+                  </a:schemeClr>
+                </a:solidFill>
+              </a:rPr>
+              <a:t>Transform</a:t>
+            </a:r>
+            <a:r>
+              <a:rPr lang="en-US" dirty="0"/>
+              <a:t> the shape of the data for better analysis</a:t>
+            </a:r>
+          </a:p>
+          <a:p>
+            <a:pPr lvl="1"/>
+            <a:r>
+              <a:rPr lang="en-US" b="1" dirty="0">
+                <a:solidFill>
+                  <a:schemeClr val="tx2">
+                    <a:lumMod val="90000"/>
+                    <a:lumOff val="10000"/>
+                  </a:schemeClr>
+                </a:solidFill>
+              </a:rPr>
+              <a:t>Load</a:t>
+            </a:r>
+            <a:r>
+              <a:rPr lang="en-US" dirty="0">
+                <a:solidFill>
+                  <a:schemeClr val="tx2">
+                    <a:lumMod val="90000"/>
+                    <a:lumOff val="10000"/>
+                  </a:schemeClr>
+                </a:solidFill>
+              </a:rPr>
+              <a:t> </a:t>
+            </a:r>
+            <a:r>
+              <a:rPr lang="en-US" dirty="0"/>
+              <a:t>the data into dataset for analysis and reporting</a:t>
+            </a:r>
+          </a:p>
+        </p:txBody>
+      </p:sp>
+      <p:sp>
+        <p:nvSpPr>
+          <p:cNvPr id="7" name="Rectangle 6"/>
+          <p:cNvSpPr/>
+          <p:nvPr/>
+        </p:nvSpPr>
+        <p:spPr>
+          <a:xfrm>
+            <a:off x="5033475" y="3763536"/>
+            <a:ext cx="3348525" cy="1973624"/>
+          </a:xfrm>
+          <a:prstGeom prst="rect">
+            <a:avLst/>
+          </a:prstGeom>
+          <a:solidFill>
+            <a:schemeClr val="accent5">
+              <a:lumMod val="20000"/>
+              <a:lumOff val="80000"/>
+            </a:schemeClr>
+          </a:solidFill>
+          <a:ln w="3175">
+            <a:solidFill>
+              <a:schemeClr val="tx1">
+                <a:lumMod val="65000"/>
+                <a:lumOff val="35000"/>
+              </a:schemeClr>
+            </a:solidFill>
+          </a:ln>
+        </p:spPr>
+        <p:style>
+          <a:lnRef idx="2">
+            <a:schemeClr val="accent1">
+              <a:shade val="50000"/>
+            </a:schemeClr>
+          </a:lnRef>
+          <a:fillRef idx="1">
+            <a:schemeClr val="accent1"/>
+          </a:fillRef>
+          <a:effectRef idx="0">
+            <a:schemeClr val="accent1"/>
+          </a:effectRef>
+          <a:fontRef idx="minor">
+            <a:schemeClr val="lt1"/>
+          </a:fontRef>
+        </p:style>
+        <p:txBody>
+          <a:bodyPr tIns="91440" rtlCol="0" anchor="t" anchorCtr="0"/>
+          <a:lstStyle/>
+          <a:p>
+            <a:pPr algn="ctr"/>
+            <a:r>
+              <a:rPr lang="en-US" sz="1600" b="1" dirty="0">
+                <a:solidFill>
+                  <a:schemeClr val="tx1"/>
+                </a:solidFill>
+              </a:rPr>
+              <a:t>Power BI Desktop Project (PBIX)</a:t>
+            </a:r>
+          </a:p>
+        </p:txBody>
+      </p:sp>
+      <p:sp>
+        <p:nvSpPr>
+          <p:cNvPr id="8" name="Rounded Rectangle 7"/>
+          <p:cNvSpPr/>
+          <p:nvPr/>
+        </p:nvSpPr>
+        <p:spPr>
+          <a:xfrm>
+            <a:off x="5156063" y="4246966"/>
+            <a:ext cx="3077114" cy="1274890"/>
+          </a:xfrm>
+          <a:prstGeom prst="roundRect">
+            <a:avLst/>
+          </a:prstGeom>
+          <a:solidFill>
+            <a:schemeClr val="accent4">
+              <a:lumMod val="20000"/>
+              <a:lumOff val="80000"/>
+            </a:schemeClr>
+          </a:solidFill>
+          <a:ln w="28575">
+            <a:solidFill>
+              <a:schemeClr val="tx1"/>
+            </a:solidFill>
+          </a:ln>
+        </p:spPr>
+        <p:style>
+          <a:lnRef idx="2">
+            <a:schemeClr val="accent1">
+              <a:shade val="50000"/>
+            </a:schemeClr>
+          </a:lnRef>
+          <a:fillRef idx="1">
+            <a:schemeClr val="accent1"/>
+          </a:fillRef>
+          <a:effectRef idx="0">
+            <a:schemeClr val="accent1"/>
+          </a:effectRef>
+          <a:fontRef idx="minor">
+            <a:schemeClr val="lt1"/>
+          </a:fontRef>
+        </p:style>
+        <p:txBody>
+          <a:bodyPr rtlCol="0" anchor="ctr"/>
+          <a:lstStyle/>
+          <a:p>
+            <a:pPr algn="ctr"/>
+            <a:r>
+              <a:rPr lang="en-US" sz="2000" dirty="0">
+                <a:solidFill>
+                  <a:schemeClr val="accent1"/>
+                </a:solidFill>
+              </a:rPr>
+              <a:t>Dataset</a:t>
+            </a:r>
+          </a:p>
+        </p:txBody>
+      </p:sp>
+      <p:cxnSp>
+        <p:nvCxnSpPr>
+          <p:cNvPr id="13" name="Straight Arrow Connector 12"/>
+          <p:cNvCxnSpPr/>
+          <p:nvPr/>
+        </p:nvCxnSpPr>
+        <p:spPr>
+          <a:xfrm>
+            <a:off x="1924754" y="3935456"/>
+            <a:ext cx="789441" cy="0"/>
+          </a:xfrm>
+          <a:prstGeom prst="straightConnector1">
+            <a:avLst/>
+          </a:prstGeom>
+          <a:ln w="57150">
+            <a:tailEnd type="triangle"/>
+          </a:ln>
+        </p:spPr>
+        <p:style>
+          <a:lnRef idx="1">
+            <a:schemeClr val="accent1"/>
+          </a:lnRef>
+          <a:fillRef idx="0">
+            <a:schemeClr val="accent1"/>
+          </a:fillRef>
+          <a:effectRef idx="0">
+            <a:schemeClr val="accent1"/>
+          </a:effectRef>
+          <a:fontRef idx="minor">
+            <a:schemeClr val="tx1"/>
+          </a:fontRef>
+        </p:style>
+      </p:cxnSp>
+      <p:cxnSp>
+        <p:nvCxnSpPr>
+          <p:cNvPr id="16" name="Straight Arrow Connector 15"/>
+          <p:cNvCxnSpPr/>
+          <p:nvPr/>
+        </p:nvCxnSpPr>
+        <p:spPr>
+          <a:xfrm>
+            <a:off x="1924754" y="4784459"/>
+            <a:ext cx="789441" cy="0"/>
+          </a:xfrm>
+          <a:prstGeom prst="straightConnector1">
+            <a:avLst/>
+          </a:prstGeom>
+          <a:ln w="57150">
+            <a:tailEnd type="triangle"/>
+          </a:ln>
+        </p:spPr>
+        <p:style>
+          <a:lnRef idx="1">
+            <a:schemeClr val="accent1"/>
+          </a:lnRef>
+          <a:fillRef idx="0">
+            <a:schemeClr val="accent1"/>
+          </a:fillRef>
+          <a:effectRef idx="0">
+            <a:schemeClr val="accent1"/>
+          </a:effectRef>
+          <a:fontRef idx="minor">
+            <a:schemeClr val="tx1"/>
+          </a:fontRef>
+        </p:style>
+      </p:cxnSp>
+      <p:cxnSp>
+        <p:nvCxnSpPr>
+          <p:cNvPr id="17" name="Straight Arrow Connector 16"/>
+          <p:cNvCxnSpPr/>
+          <p:nvPr/>
+        </p:nvCxnSpPr>
+        <p:spPr>
+          <a:xfrm>
+            <a:off x="1895667" y="5797784"/>
+            <a:ext cx="789441" cy="0"/>
+          </a:xfrm>
+          <a:prstGeom prst="straightConnector1">
+            <a:avLst/>
+          </a:prstGeom>
+          <a:ln w="57150">
+            <a:tailEnd type="triangle"/>
+          </a:ln>
+        </p:spPr>
+        <p:style>
+          <a:lnRef idx="1">
+            <a:schemeClr val="accent1"/>
+          </a:lnRef>
+          <a:fillRef idx="0">
+            <a:schemeClr val="accent1"/>
+          </a:fillRef>
+          <a:effectRef idx="0">
+            <a:schemeClr val="accent1"/>
+          </a:effectRef>
+          <a:fontRef idx="minor">
+            <a:schemeClr val="tx1"/>
+          </a:fontRef>
+        </p:style>
+      </p:cxnSp>
+      <p:cxnSp>
+        <p:nvCxnSpPr>
+          <p:cNvPr id="18" name="Straight Arrow Connector 17"/>
+          <p:cNvCxnSpPr/>
+          <p:nvPr/>
+        </p:nvCxnSpPr>
+        <p:spPr>
+          <a:xfrm>
+            <a:off x="4810240" y="4549977"/>
+            <a:ext cx="789441" cy="0"/>
+          </a:xfrm>
+          <a:prstGeom prst="straightConnector1">
+            <a:avLst/>
+          </a:prstGeom>
+          <a:ln w="57150">
+            <a:tailEnd type="triangle"/>
+          </a:ln>
+        </p:spPr>
+        <p:style>
+          <a:lnRef idx="1">
+            <a:schemeClr val="accent1"/>
+          </a:lnRef>
+          <a:fillRef idx="0">
+            <a:schemeClr val="accent1"/>
+          </a:fillRef>
+          <a:effectRef idx="0">
+            <a:schemeClr val="accent1"/>
+          </a:effectRef>
+          <a:fontRef idx="minor">
+            <a:schemeClr val="tx1"/>
+          </a:fontRef>
+        </p:style>
+      </p:cxnSp>
+      <p:cxnSp>
+        <p:nvCxnSpPr>
+          <p:cNvPr id="19" name="Straight Arrow Connector 18"/>
+          <p:cNvCxnSpPr/>
+          <p:nvPr/>
+        </p:nvCxnSpPr>
+        <p:spPr>
+          <a:xfrm>
+            <a:off x="4810240" y="4804174"/>
+            <a:ext cx="789441" cy="0"/>
+          </a:xfrm>
+          <a:prstGeom prst="straightConnector1">
+            <a:avLst/>
+          </a:prstGeom>
+          <a:ln w="57150">
+            <a:tailEnd type="triangle"/>
+          </a:ln>
+        </p:spPr>
+        <p:style>
+          <a:lnRef idx="1">
+            <a:schemeClr val="accent1"/>
+          </a:lnRef>
+          <a:fillRef idx="0">
+            <a:schemeClr val="accent1"/>
+          </a:fillRef>
+          <a:effectRef idx="0">
+            <a:schemeClr val="accent1"/>
+          </a:effectRef>
+          <a:fontRef idx="minor">
+            <a:schemeClr val="tx1"/>
+          </a:fontRef>
+        </p:style>
+      </p:cxnSp>
+      <p:cxnSp>
+        <p:nvCxnSpPr>
+          <p:cNvPr id="20" name="Straight Arrow Connector 19"/>
+          <p:cNvCxnSpPr/>
+          <p:nvPr/>
+        </p:nvCxnSpPr>
+        <p:spPr>
+          <a:xfrm>
+            <a:off x="4810240" y="5019479"/>
+            <a:ext cx="789441" cy="0"/>
+          </a:xfrm>
+          <a:prstGeom prst="straightConnector1">
+            <a:avLst/>
+          </a:prstGeom>
+          <a:ln w="57150">
+            <a:tailEnd type="triangle"/>
+          </a:ln>
+        </p:spPr>
+        <p:style>
+          <a:lnRef idx="1">
+            <a:schemeClr val="accent1"/>
+          </a:lnRef>
+          <a:fillRef idx="0">
+            <a:schemeClr val="accent1"/>
+          </a:fillRef>
+          <a:effectRef idx="0">
+            <a:schemeClr val="accent1"/>
+          </a:effectRef>
+          <a:fontRef idx="minor">
+            <a:schemeClr val="tx1"/>
+          </a:fontRef>
+        </p:style>
+      </p:cxnSp>
+      <p:cxnSp>
+        <p:nvCxnSpPr>
+          <p:cNvPr id="21" name="Straight Arrow Connector 20"/>
+          <p:cNvCxnSpPr/>
+          <p:nvPr/>
+        </p:nvCxnSpPr>
+        <p:spPr>
+          <a:xfrm>
+            <a:off x="4810240" y="5234783"/>
+            <a:ext cx="789441" cy="0"/>
+          </a:xfrm>
+          <a:prstGeom prst="straightConnector1">
+            <a:avLst/>
+          </a:prstGeom>
+          <a:ln w="57150">
+            <a:tailEnd type="triangle"/>
+          </a:ln>
+        </p:spPr>
+        <p:style>
+          <a:lnRef idx="1">
+            <a:schemeClr val="accent1"/>
+          </a:lnRef>
+          <a:fillRef idx="0">
+            <a:schemeClr val="accent1"/>
+          </a:fillRef>
+          <a:effectRef idx="0">
+            <a:schemeClr val="accent1"/>
+          </a:effectRef>
+          <a:fontRef idx="minor">
+            <a:schemeClr val="tx1"/>
+          </a:fontRef>
+        </p:style>
+      </p:cxnSp>
+      <p:sp>
+        <p:nvSpPr>
+          <p:cNvPr id="11" name="Rectangle 10"/>
+          <p:cNvSpPr/>
+          <p:nvPr/>
+        </p:nvSpPr>
+        <p:spPr>
+          <a:xfrm>
+            <a:off x="2785030" y="3520483"/>
+            <a:ext cx="2017714" cy="2575517"/>
+          </a:xfrm>
+          <a:prstGeom prst="rect">
+            <a:avLst/>
+          </a:prstGeom>
+          <a:solidFill>
+            <a:schemeClr val="accent4">
+              <a:lumMod val="20000"/>
+              <a:lumOff val="80000"/>
+            </a:schemeClr>
+          </a:solidFill>
+          <a:ln w="28575">
+            <a:solidFill>
+              <a:schemeClr val="tx1"/>
+            </a:solidFill>
+          </a:ln>
+        </p:spPr>
+        <p:style>
+          <a:lnRef idx="2">
+            <a:schemeClr val="accent1">
+              <a:shade val="50000"/>
+            </a:schemeClr>
+          </a:lnRef>
+          <a:fillRef idx="1">
+            <a:schemeClr val="accent1"/>
+          </a:fillRef>
+          <a:effectRef idx="0">
+            <a:schemeClr val="accent1"/>
+          </a:effectRef>
+          <a:fontRef idx="minor">
+            <a:schemeClr val="lt1"/>
+          </a:fontRef>
+        </p:style>
+        <p:txBody>
+          <a:bodyPr rtlCol="0" anchor="ctr"/>
+          <a:lstStyle/>
+          <a:p>
+            <a:pPr algn="ctr"/>
+            <a:r>
+              <a:rPr lang="en-US" b="1" dirty="0">
+                <a:solidFill>
+                  <a:schemeClr val="accent1"/>
+                </a:solidFill>
+              </a:rPr>
+              <a:t>Power Query </a:t>
+            </a:r>
+          </a:p>
+          <a:p>
+            <a:pPr algn="ctr"/>
+            <a:r>
+              <a:rPr lang="en-US" b="1" dirty="0">
+                <a:solidFill>
+                  <a:schemeClr val="accent1"/>
+                </a:solidFill>
+              </a:rPr>
+              <a:t>Mashup Engine</a:t>
+            </a:r>
+          </a:p>
+        </p:txBody>
+      </p:sp>
+      <p:sp>
+        <p:nvSpPr>
+          <p:cNvPr id="4" name="Rounded Rectangle 3"/>
+          <p:cNvSpPr/>
+          <p:nvPr/>
+        </p:nvSpPr>
+        <p:spPr>
+          <a:xfrm>
+            <a:off x="457200" y="5347166"/>
+            <a:ext cx="1494135" cy="901234"/>
+          </a:xfrm>
+          <a:prstGeom prst="roundRect">
+            <a:avLst/>
+          </a:prstGeom>
+          <a:solidFill>
+            <a:schemeClr val="accent5">
+              <a:lumMod val="20000"/>
+              <a:lumOff val="80000"/>
+            </a:schemeClr>
+          </a:solidFill>
+          <a:ln w="12700">
+            <a:solidFill>
+              <a:schemeClr val="tx1">
+                <a:lumMod val="65000"/>
+                <a:lumOff val="35000"/>
+              </a:schemeClr>
+            </a:solidFill>
+          </a:ln>
+        </p:spPr>
+        <p:style>
+          <a:lnRef idx="2">
+            <a:schemeClr val="accent1">
+              <a:shade val="50000"/>
+            </a:schemeClr>
+          </a:lnRef>
+          <a:fillRef idx="1">
+            <a:schemeClr val="accent1"/>
+          </a:fillRef>
+          <a:effectRef idx="0">
+            <a:schemeClr val="accent1"/>
+          </a:effectRef>
+          <a:fontRef idx="minor">
+            <a:schemeClr val="lt1"/>
+          </a:fontRef>
+        </p:style>
+        <p:txBody>
+          <a:bodyPr rtlCol="0" anchor="ctr"/>
+          <a:lstStyle/>
+          <a:p>
+            <a:pPr algn="ctr"/>
+            <a:r>
+              <a:rPr lang="en-US" sz="1600" b="1" dirty="0">
+                <a:solidFill>
+                  <a:schemeClr val="tx1"/>
+                </a:solidFill>
+              </a:rPr>
+              <a:t>OLTP</a:t>
+            </a:r>
+          </a:p>
+          <a:p>
+            <a:pPr algn="ctr"/>
+            <a:r>
+              <a:rPr lang="en-US" sz="1600" b="1" dirty="0">
+                <a:solidFill>
+                  <a:schemeClr val="tx1"/>
+                </a:solidFill>
+              </a:rPr>
+              <a:t>Database</a:t>
+            </a:r>
+          </a:p>
+        </p:txBody>
+      </p:sp>
+      <p:sp>
+        <p:nvSpPr>
+          <p:cNvPr id="5" name="Rounded Rectangle 4"/>
+          <p:cNvSpPr/>
+          <p:nvPr/>
+        </p:nvSpPr>
+        <p:spPr>
+          <a:xfrm>
+            <a:off x="475944" y="4458494"/>
+            <a:ext cx="1494135" cy="708113"/>
+          </a:xfrm>
+          <a:prstGeom prst="roundRect">
+            <a:avLst/>
+          </a:prstGeom>
+          <a:solidFill>
+            <a:schemeClr val="accent3">
+              <a:lumMod val="20000"/>
+              <a:lumOff val="80000"/>
+            </a:schemeClr>
+          </a:solidFill>
+          <a:ln w="12700">
+            <a:solidFill>
+              <a:schemeClr val="tx1">
+                <a:lumMod val="65000"/>
+                <a:lumOff val="35000"/>
+              </a:schemeClr>
+            </a:solidFill>
+          </a:ln>
+        </p:spPr>
+        <p:style>
+          <a:lnRef idx="2">
+            <a:schemeClr val="accent1">
+              <a:shade val="50000"/>
+            </a:schemeClr>
+          </a:lnRef>
+          <a:fillRef idx="1">
+            <a:schemeClr val="accent1"/>
+          </a:fillRef>
+          <a:effectRef idx="0">
+            <a:schemeClr val="accent1"/>
+          </a:effectRef>
+          <a:fontRef idx="minor">
+            <a:schemeClr val="lt1"/>
+          </a:fontRef>
+        </p:style>
+        <p:txBody>
+          <a:bodyPr rtlCol="0" anchor="ctr"/>
+          <a:lstStyle/>
+          <a:p>
+            <a:pPr algn="ctr"/>
+            <a:r>
+              <a:rPr lang="en-US" sz="1600" b="1" dirty="0">
+                <a:solidFill>
+                  <a:schemeClr val="tx1"/>
+                </a:solidFill>
+              </a:rPr>
+              <a:t>Excel</a:t>
+            </a:r>
+          </a:p>
+          <a:p>
+            <a:pPr algn="ctr"/>
+            <a:r>
+              <a:rPr lang="en-US" sz="1600" b="1" dirty="0">
+                <a:solidFill>
+                  <a:schemeClr val="tx1"/>
+                </a:solidFill>
+              </a:rPr>
+              <a:t>Workbook</a:t>
+            </a:r>
+          </a:p>
+        </p:txBody>
+      </p:sp>
+      <p:sp>
+        <p:nvSpPr>
+          <p:cNvPr id="9" name="Rounded Rectangle 8"/>
+          <p:cNvSpPr/>
+          <p:nvPr/>
+        </p:nvSpPr>
+        <p:spPr>
+          <a:xfrm>
+            <a:off x="475944" y="3581400"/>
+            <a:ext cx="1494135" cy="708113"/>
+          </a:xfrm>
+          <a:prstGeom prst="roundRect">
+            <a:avLst/>
+          </a:prstGeom>
+          <a:solidFill>
+            <a:schemeClr val="accent4">
+              <a:lumMod val="40000"/>
+              <a:lumOff val="60000"/>
+            </a:schemeClr>
+          </a:solidFill>
+          <a:ln w="12700">
+            <a:solidFill>
+              <a:schemeClr val="tx1">
+                <a:lumMod val="65000"/>
+                <a:lumOff val="35000"/>
+              </a:schemeClr>
+            </a:solidFill>
+          </a:ln>
+        </p:spPr>
+        <p:style>
+          <a:lnRef idx="2">
+            <a:schemeClr val="accent1">
+              <a:shade val="50000"/>
+            </a:schemeClr>
+          </a:lnRef>
+          <a:fillRef idx="1">
+            <a:schemeClr val="accent1"/>
+          </a:fillRef>
+          <a:effectRef idx="0">
+            <a:schemeClr val="accent1"/>
+          </a:effectRef>
+          <a:fontRef idx="minor">
+            <a:schemeClr val="lt1"/>
+          </a:fontRef>
+        </p:style>
+        <p:txBody>
+          <a:bodyPr rtlCol="0" anchor="ctr"/>
+          <a:lstStyle/>
+          <a:p>
+            <a:pPr algn="ctr"/>
+            <a:r>
+              <a:rPr lang="en-US" sz="1600" b="1" dirty="0">
+                <a:solidFill>
+                  <a:schemeClr val="tx1"/>
+                </a:solidFill>
+              </a:rPr>
+              <a:t>CSV</a:t>
+            </a:r>
+          </a:p>
+          <a:p>
+            <a:pPr algn="ctr"/>
+            <a:r>
+              <a:rPr lang="en-US" sz="1600" b="1" dirty="0">
+                <a:solidFill>
+                  <a:schemeClr val="tx1"/>
+                </a:solidFill>
+              </a:rPr>
+              <a:t>File</a:t>
+            </a:r>
+          </a:p>
+        </p:txBody>
+      </p:sp>
+    </p:spTree>
+    <p:extLst>
+      <p:ext uri="{BB962C8B-B14F-4D97-AF65-F5344CB8AC3E}">
+        <p14:creationId xmlns:p14="http://schemas.microsoft.com/office/powerpoint/2010/main" val="2062563613"/>
+      </p:ext>
+    </p:extLst>
+  </p:cSld>
+  <p:clrMapOvr>
+    <a:masterClrMapping/>
+  </p:clrMapOvr>
+</p:sld>
+</file>
+
+<file path=ppt/slides/slide12.xml><?xml version="1.0" encoding="utf-8"?>
 <p:sld xmlns:a="http://schemas.openxmlformats.org/drawingml/2006/main" xmlns:r="http://schemas.openxmlformats.org/officeDocument/2006/relationships" xmlns:p="http://schemas.openxmlformats.org/presentationml/2006/main">
   <p:cSld>
     <p:spTree>
@@ -5586,7 +6373,7 @@
 </p:sld>
 </file>
 
-<file path=ppt/slides/slide12.xml><?xml version="1.0" encoding="utf-8"?>
+<file path=ppt/slides/slide13.xml><?xml version="1.0" encoding="utf-8"?>
 <p:sld xmlns:a="http://schemas.openxmlformats.org/drawingml/2006/main" xmlns:r="http://schemas.openxmlformats.org/officeDocument/2006/relationships" xmlns:p="http://schemas.openxmlformats.org/presentationml/2006/main">
   <p:cSld>
     <p:spTree>
@@ -5658,6 +6445,16 @@
             </a:pPr>
             <a:r>
               <a:rPr lang="en-US" dirty="0"/>
+              <a:t>Power Query Party Tricks</a:t>
+            </a:r>
+          </a:p>
+          <a:p>
+            <a:pPr>
+              <a:buFont typeface="Wingdings" panose="05000000000000000000" pitchFamily="2" charset="2"/>
+              <a:buChar char="ü"/>
+            </a:pPr>
+            <a:r>
+              <a:rPr lang="en-US" dirty="0"/>
               <a:t>Power Query Mashup Engine</a:t>
             </a:r>
           </a:p>
@@ -5674,7 +6471,7 @@
           <a:p>
             <a:r>
               <a:rPr lang="en-US" dirty="0"/>
-              <a:t>M Function Library</a:t>
+              <a:t>OData Connector vs Web Connector</a:t>
             </a:r>
           </a:p>
           <a:p>
@@ -5694,7 +6491,7 @@
     </p:spTree>
     <p:extLst>
       <p:ext uri="{BB962C8B-B14F-4D97-AF65-F5344CB8AC3E}">
-        <p14:creationId xmlns:p14="http://schemas.microsoft.com/office/powerpoint/2010/main" val="264644443"/>
+        <p14:creationId xmlns:p14="http://schemas.microsoft.com/office/powerpoint/2010/main" val="3067948529"/>
       </p:ext>
     </p:extLst>
   </p:cSld>
@@ -5704,7 +6501,7 @@
 </p:sld>
 </file>
 
-<file path=ppt/slides/slide13.xml><?xml version="1.0" encoding="utf-8"?>
+<file path=ppt/slides/slide14.xml><?xml version="1.0" encoding="utf-8"?>
 <p:sld xmlns:a="http://schemas.openxmlformats.org/drawingml/2006/main" xmlns:r="http://schemas.openxmlformats.org/officeDocument/2006/relationships" xmlns:p="http://schemas.openxmlformats.org/presentationml/2006/main">
   <p:cSld>
     <p:spTree>
@@ -5876,7 +6673,7 @@
 </p:sld>
 </file>
 
-<file path=ppt/slides/slide14.xml><?xml version="1.0" encoding="utf-8"?>
+<file path=ppt/slides/slide15.xml><?xml version="1.0" encoding="utf-8"?>
 <p:sld xmlns:a="http://schemas.openxmlformats.org/drawingml/2006/main" xmlns:r="http://schemas.openxmlformats.org/officeDocument/2006/relationships" xmlns:p="http://schemas.openxmlformats.org/presentationml/2006/main">
   <p:cSld>
     <p:spTree>
@@ -6007,7 +6804,7 @@
 </p:sld>
 </file>
 
-<file path=ppt/slides/slide15.xml><?xml version="1.0" encoding="utf-8"?>
+<file path=ppt/slides/slide16.xml><?xml version="1.0" encoding="utf-8"?>
 <p:sld xmlns:a="http://schemas.openxmlformats.org/drawingml/2006/main" xmlns:r="http://schemas.openxmlformats.org/officeDocument/2006/relationships" xmlns:p="http://schemas.openxmlformats.org/presentationml/2006/main">
   <p:cSld>
     <p:spTree>
@@ -6783,7 +7580,7 @@
 </p:sld>
 </file>
 
-<file path=ppt/slides/slide16.xml><?xml version="1.0" encoding="utf-8"?>
+<file path=ppt/slides/slide17.xml><?xml version="1.0" encoding="utf-8"?>
 <p:sld xmlns:a="http://schemas.openxmlformats.org/drawingml/2006/main" xmlns:r="http://schemas.openxmlformats.org/officeDocument/2006/relationships" xmlns:p="http://schemas.openxmlformats.org/presentationml/2006/main">
   <p:cSld>
     <p:spTree>
@@ -7022,10 +7819,10 @@
       </p:pic>
       <p:pic>
         <p:nvPicPr>
-          <p:cNvPr id="6" name="Picture 5">
+          <p:cNvPr id="7" name="Picture 6">
             <a:extLst>
               <a:ext uri="{FF2B5EF4-FFF2-40B4-BE49-F238E27FC236}">
-                <a16:creationId xmlns:a16="http://schemas.microsoft.com/office/drawing/2014/main" id="{FB52C686-ED90-44C5-AD43-2AD2D1880E13}"/>
+                <a16:creationId xmlns:a16="http://schemas.microsoft.com/office/drawing/2014/main" id="{EC8C4D97-1CB7-4AC5-89AD-8D905BB42123}"/>
               </a:ext>
             </a:extLst>
           </p:cNvPr>
@@ -7043,11 +7840,19 @@
         <p:spPr>
           <a:xfrm>
             <a:off x="5791199" y="4800600"/>
-            <a:ext cx="2692399" cy="1755397"/>
+            <a:ext cx="2965061" cy="1676400"/>
           </a:xfrm>
           <a:prstGeom prst="rect">
             <a:avLst/>
           </a:prstGeom>
+          <a:ln>
+            <a:solidFill>
+              <a:schemeClr val="tx1">
+                <a:lumMod val="50000"/>
+                <a:lumOff val="50000"/>
+              </a:schemeClr>
+            </a:solidFill>
+          </a:ln>
         </p:spPr>
       </p:pic>
     </p:spTree>
@@ -7187,33 +7992,6 @@
                                   </p:childTnLst>
                                 </p:cTn>
                               </p:par>
-                              <p:par>
-                                <p:cTn id="13" presetID="1" presetClass="entr" presetSubtype="0" fill="hold" nodeType="withEffect">
-                                  <p:stCondLst>
-                                    <p:cond delay="0"/>
-                                  </p:stCondLst>
-                                  <p:childTnLst>
-                                    <p:set>
-                                      <p:cBhvr>
-                                        <p:cTn id="14" dur="1" fill="hold">
-                                          <p:stCondLst>
-                                            <p:cond delay="0"/>
-                                          </p:stCondLst>
-                                        </p:cTn>
-                                        <p:tgtEl>
-                                          <p:spTgt spid="6"/>
-                                        </p:tgtEl>
-                                        <p:attrNameLst>
-                                          <p:attrName>style.visibility</p:attrName>
-                                        </p:attrNameLst>
-                                      </p:cBhvr>
-                                      <p:to>
-                                        <p:strVal val="visible"/>
-                                      </p:to>
-                                    </p:set>
-                                  </p:childTnLst>
-                                </p:cTn>
-                              </p:par>
                             </p:childTnLst>
                           </p:cTn>
                         </p:par>
@@ -7245,7 +8023,7 @@
 </p:sld>
 </file>
 
-<file path=ppt/slides/slide17.xml><?xml version="1.0" encoding="utf-8"?>
+<file path=ppt/slides/slide18.xml><?xml version="1.0" encoding="utf-8"?>
 <p:sld xmlns:a="http://schemas.openxmlformats.org/drawingml/2006/main" xmlns:r="http://schemas.openxmlformats.org/officeDocument/2006/relationships" xmlns:p="http://schemas.openxmlformats.org/presentationml/2006/main">
   <p:cSld>
     <p:spTree>
@@ -8442,7 +9220,7 @@
 </p:sld>
 </file>
 
-<file path=ppt/slides/slide18.xml><?xml version="1.0" encoding="utf-8"?>
+<file path=ppt/slides/slide19.xml><?xml version="1.0" encoding="utf-8"?>
 <p:sld xmlns:a="http://schemas.openxmlformats.org/drawingml/2006/main" xmlns:r="http://schemas.openxmlformats.org/officeDocument/2006/relationships" xmlns:p="http://schemas.openxmlformats.org/presentationml/2006/main">
   <p:cSld>
     <p:spTree>
@@ -8583,10 +9361,10 @@
       </p:pic>
       <p:pic>
         <p:nvPicPr>
-          <p:cNvPr id="7" name="Picture 6">
+          <p:cNvPr id="5" name="Picture 4">
             <a:extLst>
               <a:ext uri="{FF2B5EF4-FFF2-40B4-BE49-F238E27FC236}">
-                <a16:creationId xmlns:a16="http://schemas.microsoft.com/office/drawing/2014/main" id="{7D522783-45DC-4C58-8815-1F3424D15DB7}"/>
+                <a16:creationId xmlns:a16="http://schemas.microsoft.com/office/drawing/2014/main" id="{2DA7AFB7-3AE3-4C8F-94C5-5C9BE472A2EF}"/>
               </a:ext>
             </a:extLst>
           </p:cNvPr>
@@ -8603,12 +9381,20 @@
         </p:blipFill>
         <p:spPr>
           <a:xfrm>
-            <a:off x="4876801" y="3200401"/>
-            <a:ext cx="2743200" cy="2706986"/>
+            <a:off x="4724400" y="3200400"/>
+            <a:ext cx="2884714" cy="2743200"/>
           </a:xfrm>
           <a:prstGeom prst="rect">
             <a:avLst/>
           </a:prstGeom>
+          <a:ln>
+            <a:solidFill>
+              <a:schemeClr val="tx1">
+                <a:lumMod val="50000"/>
+                <a:lumOff val="50000"/>
+              </a:schemeClr>
+            </a:solidFill>
+          </a:ln>
         </p:spPr>
       </p:pic>
     </p:spTree>
@@ -8755,42 +9541,6 @@
                             </p:childTnLst>
                           </p:cTn>
                         </p:par>
-                        <p:par>
-                          <p:cTn id="13" fill="hold">
-                            <p:stCondLst>
-                              <p:cond delay="0"/>
-                            </p:stCondLst>
-                            <p:childTnLst>
-                              <p:par>
-                                <p:cTn id="14" presetID="1" presetClass="entr" presetSubtype="0" fill="hold" nodeType="afterEffect">
-                                  <p:stCondLst>
-                                    <p:cond delay="0"/>
-                                  </p:stCondLst>
-                                  <p:childTnLst>
-                                    <p:set>
-                                      <p:cBhvr>
-                                        <p:cTn id="15" dur="1" fill="hold">
-                                          <p:stCondLst>
-                                            <p:cond delay="0"/>
-                                          </p:stCondLst>
-                                        </p:cTn>
-                                        <p:tgtEl>
-                                          <p:spTgt spid="7"/>
-                                        </p:tgtEl>
-                                        <p:attrNameLst>
-                                          <p:attrName>style.visibility</p:attrName>
-                                        </p:attrNameLst>
-                                      </p:cBhvr>
-                                      <p:to>
-                                        <p:strVal val="visible"/>
-                                      </p:to>
-                                    </p:set>
-                                  </p:childTnLst>
-                                </p:cTn>
-                              </p:par>
-                            </p:childTnLst>
-                          </p:cTn>
-                        </p:par>
                       </p:childTnLst>
                     </p:cTn>
                   </p:par>
@@ -8819,7 +9569,134 @@
 </p:sld>
 </file>
 
-<file path=ppt/slides/slide19.xml><?xml version="1.0" encoding="utf-8"?>
+<file path=ppt/slides/slide2.xml><?xml version="1.0" encoding="utf-8"?>
+<p:sld xmlns:a="http://schemas.openxmlformats.org/drawingml/2006/main" xmlns:r="http://schemas.openxmlformats.org/officeDocument/2006/relationships" xmlns:p="http://schemas.openxmlformats.org/presentationml/2006/main">
+  <p:cSld>
+    <p:spTree>
+      <p:nvGrpSpPr>
+        <p:cNvPr id="1" name=""/>
+        <p:cNvGrpSpPr/>
+        <p:nvPr/>
+      </p:nvGrpSpPr>
+      <p:grpSpPr>
+        <a:xfrm>
+          <a:off x="0" y="0"/>
+          <a:ext cx="0" cy="0"/>
+          <a:chOff x="0" y="0"/>
+          <a:chExt cx="0" cy="0"/>
+        </a:xfrm>
+      </p:grpSpPr>
+      <p:sp>
+        <p:nvSpPr>
+          <p:cNvPr id="2" name="Title 1">
+            <a:extLst>
+              <a:ext uri="{FF2B5EF4-FFF2-40B4-BE49-F238E27FC236}">
+                <a16:creationId xmlns:a16="http://schemas.microsoft.com/office/drawing/2014/main" id="{4C859EA7-EE8C-41CC-8413-E1BB82A0F1C1}"/>
+              </a:ext>
+            </a:extLst>
+          </p:cNvPr>
+          <p:cNvSpPr>
+            <a:spLocks noGrp="1"/>
+          </p:cNvSpPr>
+          <p:nvPr>
+            <p:ph type="title"/>
+          </p:nvPr>
+        </p:nvSpPr>
+        <p:spPr/>
+        <p:txBody>
+          <a:bodyPr/>
+          <a:lstStyle/>
+          <a:p>
+            <a:r>
+              <a:rPr lang="en-US" dirty="0"/>
+              <a:t>Download the Code and Slides</a:t>
+            </a:r>
+          </a:p>
+        </p:txBody>
+      </p:sp>
+      <p:sp>
+        <p:nvSpPr>
+          <p:cNvPr id="3" name="Content Placeholder 2">
+            <a:extLst>
+              <a:ext uri="{FF2B5EF4-FFF2-40B4-BE49-F238E27FC236}">
+                <a16:creationId xmlns:a16="http://schemas.microsoft.com/office/drawing/2014/main" id="{31173C47-7AB0-4CA2-9FFE-1A9E568803EE}"/>
+              </a:ext>
+            </a:extLst>
+          </p:cNvPr>
+          <p:cNvSpPr>
+            <a:spLocks noGrp="1"/>
+          </p:cNvSpPr>
+          <p:nvPr>
+            <p:ph idx="1"/>
+          </p:nvPr>
+        </p:nvSpPr>
+        <p:spPr/>
+        <p:txBody>
+          <a:bodyPr/>
+          <a:lstStyle/>
+          <a:p>
+            <a:r>
+              <a:rPr lang="en-US" dirty="0">
+                <a:hlinkClick r:id="rId2"/>
+              </a:rPr>
+              <a:t>https://github.com/CriticalPathTraining/Intro2M</a:t>
+            </a:r>
+            <a:r>
+              <a:rPr lang="en-US" dirty="0"/>
+              <a:t> </a:t>
+            </a:r>
+          </a:p>
+        </p:txBody>
+      </p:sp>
+      <p:pic>
+        <p:nvPicPr>
+          <p:cNvPr id="4" name="Picture 3">
+            <a:extLst>
+              <a:ext uri="{FF2B5EF4-FFF2-40B4-BE49-F238E27FC236}">
+                <a16:creationId xmlns:a16="http://schemas.microsoft.com/office/drawing/2014/main" id="{8D134534-0CB6-44DE-9B38-9B19F03CEF8B}"/>
+              </a:ext>
+            </a:extLst>
+          </p:cNvPr>
+          <p:cNvPicPr>
+            <a:picLocks noChangeAspect="1"/>
+          </p:cNvPicPr>
+          <p:nvPr/>
+        </p:nvPicPr>
+        <p:blipFill>
+          <a:blip r:embed="rId3"/>
+          <a:stretch>
+            <a:fillRect/>
+          </a:stretch>
+        </p:blipFill>
+        <p:spPr>
+          <a:xfrm>
+            <a:off x="838200" y="2209800"/>
+            <a:ext cx="7467600" cy="3819598"/>
+          </a:xfrm>
+          <a:prstGeom prst="rect">
+            <a:avLst/>
+          </a:prstGeom>
+          <a:ln>
+            <a:solidFill>
+              <a:schemeClr val="tx1"/>
+            </a:solidFill>
+          </a:ln>
+        </p:spPr>
+      </p:pic>
+    </p:spTree>
+    <p:extLst>
+      <p:ext uri="{BB962C8B-B14F-4D97-AF65-F5344CB8AC3E}">
+        <p14:creationId xmlns:p14="http://schemas.microsoft.com/office/powerpoint/2010/main" val="3136126304"/>
+      </p:ext>
+    </p:extLst>
+  </p:cSld>
+  <p:clrMapOvr>
+    <a:masterClrMapping/>
+  </p:clrMapOvr>
+</p:sld>
+</file>
+
+<file path=ppt/slides/slide20.xml><?xml version="1.0" encoding="utf-8"?>
 <p:sld xmlns:a="http://schemas.openxmlformats.org/drawingml/2006/main" xmlns:r="http://schemas.openxmlformats.org/officeDocument/2006/relationships" xmlns:p="http://schemas.openxmlformats.org/presentationml/2006/main">
   <p:cSld>
     <p:spTree>
@@ -9407,134 +10284,7 @@
 </p:sld>
 </file>
 
-<file path=ppt/slides/slide2.xml><?xml version="1.0" encoding="utf-8"?>
-<p:sld xmlns:a="http://schemas.openxmlformats.org/drawingml/2006/main" xmlns:r="http://schemas.openxmlformats.org/officeDocument/2006/relationships" xmlns:p="http://schemas.openxmlformats.org/presentationml/2006/main">
-  <p:cSld>
-    <p:spTree>
-      <p:nvGrpSpPr>
-        <p:cNvPr id="1" name=""/>
-        <p:cNvGrpSpPr/>
-        <p:nvPr/>
-      </p:nvGrpSpPr>
-      <p:grpSpPr>
-        <a:xfrm>
-          <a:off x="0" y="0"/>
-          <a:ext cx="0" cy="0"/>
-          <a:chOff x="0" y="0"/>
-          <a:chExt cx="0" cy="0"/>
-        </a:xfrm>
-      </p:grpSpPr>
-      <p:sp>
-        <p:nvSpPr>
-          <p:cNvPr id="2" name="Title 1">
-            <a:extLst>
-              <a:ext uri="{FF2B5EF4-FFF2-40B4-BE49-F238E27FC236}">
-                <a16:creationId xmlns:a16="http://schemas.microsoft.com/office/drawing/2014/main" id="{4C859EA7-EE8C-41CC-8413-E1BB82A0F1C1}"/>
-              </a:ext>
-            </a:extLst>
-          </p:cNvPr>
-          <p:cNvSpPr>
-            <a:spLocks noGrp="1"/>
-          </p:cNvSpPr>
-          <p:nvPr>
-            <p:ph type="title"/>
-          </p:nvPr>
-        </p:nvSpPr>
-        <p:spPr/>
-        <p:txBody>
-          <a:bodyPr/>
-          <a:lstStyle/>
-          <a:p>
-            <a:r>
-              <a:rPr lang="en-US" dirty="0"/>
-              <a:t>Download the Code and Slides</a:t>
-            </a:r>
-          </a:p>
-        </p:txBody>
-      </p:sp>
-      <p:sp>
-        <p:nvSpPr>
-          <p:cNvPr id="3" name="Content Placeholder 2">
-            <a:extLst>
-              <a:ext uri="{FF2B5EF4-FFF2-40B4-BE49-F238E27FC236}">
-                <a16:creationId xmlns:a16="http://schemas.microsoft.com/office/drawing/2014/main" id="{31173C47-7AB0-4CA2-9FFE-1A9E568803EE}"/>
-              </a:ext>
-            </a:extLst>
-          </p:cNvPr>
-          <p:cNvSpPr>
-            <a:spLocks noGrp="1"/>
-          </p:cNvSpPr>
-          <p:nvPr>
-            <p:ph idx="1"/>
-          </p:nvPr>
-        </p:nvSpPr>
-        <p:spPr/>
-        <p:txBody>
-          <a:bodyPr/>
-          <a:lstStyle/>
-          <a:p>
-            <a:r>
-              <a:rPr lang="en-US" dirty="0">
-                <a:hlinkClick r:id="rId2"/>
-              </a:rPr>
-              <a:t>https://github.com/CriticalPathTraining/Intro2M</a:t>
-            </a:r>
-            <a:r>
-              <a:rPr lang="en-US" dirty="0"/>
-              <a:t> </a:t>
-            </a:r>
-          </a:p>
-        </p:txBody>
-      </p:sp>
-      <p:pic>
-        <p:nvPicPr>
-          <p:cNvPr id="4" name="Picture 3">
-            <a:extLst>
-              <a:ext uri="{FF2B5EF4-FFF2-40B4-BE49-F238E27FC236}">
-                <a16:creationId xmlns:a16="http://schemas.microsoft.com/office/drawing/2014/main" id="{8D134534-0CB6-44DE-9B38-9B19F03CEF8B}"/>
-              </a:ext>
-            </a:extLst>
-          </p:cNvPr>
-          <p:cNvPicPr>
-            <a:picLocks noChangeAspect="1"/>
-          </p:cNvPicPr>
-          <p:nvPr/>
-        </p:nvPicPr>
-        <p:blipFill>
-          <a:blip r:embed="rId3"/>
-          <a:stretch>
-            <a:fillRect/>
-          </a:stretch>
-        </p:blipFill>
-        <p:spPr>
-          <a:xfrm>
-            <a:off x="838200" y="2209800"/>
-            <a:ext cx="7467600" cy="3819598"/>
-          </a:xfrm>
-          <a:prstGeom prst="rect">
-            <a:avLst/>
-          </a:prstGeom>
-          <a:ln>
-            <a:solidFill>
-              <a:schemeClr val="tx1"/>
-            </a:solidFill>
-          </a:ln>
-        </p:spPr>
-      </p:pic>
-    </p:spTree>
-    <p:extLst>
-      <p:ext uri="{BB962C8B-B14F-4D97-AF65-F5344CB8AC3E}">
-        <p14:creationId xmlns:p14="http://schemas.microsoft.com/office/powerpoint/2010/main" val="3136126304"/>
-      </p:ext>
-    </p:extLst>
-  </p:cSld>
-  <p:clrMapOvr>
-    <a:masterClrMapping/>
-  </p:clrMapOvr>
-</p:sld>
-</file>
-
-<file path=ppt/slides/slide20.xml><?xml version="1.0" encoding="utf-8"?>
+<file path=ppt/slides/slide21.xml><?xml version="1.0" encoding="utf-8"?>
 <p:sld xmlns:a="http://schemas.openxmlformats.org/drawingml/2006/main" xmlns:r="http://schemas.openxmlformats.org/officeDocument/2006/relationships" xmlns:p="http://schemas.openxmlformats.org/presentationml/2006/main">
   <p:cSld>
     <p:spTree>
@@ -9837,7 +10587,7 @@
 </p:sld>
 </file>
 
-<file path=ppt/slides/slide21.xml><?xml version="1.0" encoding="utf-8"?>
+<file path=ppt/slides/slide22.xml><?xml version="1.0" encoding="utf-8"?>
 <p:sld xmlns:a="http://schemas.openxmlformats.org/drawingml/2006/main" xmlns:r="http://schemas.openxmlformats.org/officeDocument/2006/relationships" xmlns:p="http://schemas.openxmlformats.org/presentationml/2006/main">
   <p:cSld>
     <p:spTree>
@@ -9963,7 +10713,7 @@
 </p:sld>
 </file>
 
-<file path=ppt/slides/slide22.xml><?xml version="1.0" encoding="utf-8"?>
+<file path=ppt/slides/slide23.xml><?xml version="1.0" encoding="utf-8"?>
 <p:sld xmlns:a="http://schemas.openxmlformats.org/drawingml/2006/main" xmlns:r="http://schemas.openxmlformats.org/officeDocument/2006/relationships" xmlns:p="http://schemas.openxmlformats.org/presentationml/2006/main">
   <p:cSld>
     <p:spTree>
@@ -10501,7 +11251,7 @@
 </p:sld>
 </file>
 
-<file path=ppt/slides/slide23.xml><?xml version="1.0" encoding="utf-8"?>
+<file path=ppt/slides/slide24.xml><?xml version="1.0" encoding="utf-8"?>
 <p:sld xmlns:a="http://schemas.openxmlformats.org/drawingml/2006/main" xmlns:r="http://schemas.openxmlformats.org/officeDocument/2006/relationships" xmlns:p="http://schemas.openxmlformats.org/presentationml/2006/main">
   <p:cSld>
     <p:spTree>
@@ -10597,7 +11347,7 @@
 </p:sld>
 </file>
 
-<file path=ppt/slides/slide24.xml><?xml version="1.0" encoding="utf-8"?>
+<file path=ppt/slides/slide25.xml><?xml version="1.0" encoding="utf-8"?>
 <p:sld xmlns:a="http://schemas.openxmlformats.org/drawingml/2006/main" xmlns:r="http://schemas.openxmlformats.org/officeDocument/2006/relationships" xmlns:p="http://schemas.openxmlformats.org/presentationml/2006/main">
   <p:cSld>
     <p:spTree>
@@ -10693,7 +11443,7 @@
 </p:sld>
 </file>
 
-<file path=ppt/slides/slide25.xml><?xml version="1.0" encoding="utf-8"?>
+<file path=ppt/slides/slide26.xml><?xml version="1.0" encoding="utf-8"?>
 <p:sld xmlns:a="http://schemas.openxmlformats.org/drawingml/2006/main" xmlns:r="http://schemas.openxmlformats.org/officeDocument/2006/relationships" xmlns:p="http://schemas.openxmlformats.org/presentationml/2006/main">
   <p:cSld>
     <p:spTree>
@@ -11059,7 +11809,7 @@
 </p:sld>
 </file>
 
-<file path=ppt/slides/slide26.xml><?xml version="1.0" encoding="utf-8"?>
+<file path=ppt/slides/slide27.xml><?xml version="1.0" encoding="utf-8"?>
 <p:sld xmlns:a="http://schemas.openxmlformats.org/drawingml/2006/main" xmlns:r="http://schemas.openxmlformats.org/officeDocument/2006/relationships" xmlns:p="http://schemas.openxmlformats.org/presentationml/2006/main">
   <p:cSld>
     <p:spTree>
@@ -11200,10 +11950,10 @@
       </p:pic>
       <p:pic>
         <p:nvPicPr>
-          <p:cNvPr id="6" name="Picture 5">
+          <p:cNvPr id="4" name="Picture 3">
             <a:extLst>
               <a:ext uri="{FF2B5EF4-FFF2-40B4-BE49-F238E27FC236}">
-                <a16:creationId xmlns:a16="http://schemas.microsoft.com/office/drawing/2014/main" id="{24042F4A-B924-482E-8245-3DE301EB4D7B}"/>
+                <a16:creationId xmlns:a16="http://schemas.microsoft.com/office/drawing/2014/main" id="{692FFB8D-C00B-4FEE-8924-886A60BABC0C}"/>
               </a:ext>
             </a:extLst>
           </p:cNvPr>
@@ -11220,8 +11970,8 @@
         </p:blipFill>
         <p:spPr>
           <a:xfrm>
-            <a:off x="870284" y="4692316"/>
-            <a:ext cx="6553200" cy="1876926"/>
+            <a:off x="914400" y="4724400"/>
+            <a:ext cx="7410616" cy="1219200"/>
           </a:xfrm>
           <a:prstGeom prst="rect">
             <a:avLst/>
@@ -11303,51 +12053,6 @@
                       </p:childTnLst>
                     </p:cTn>
                   </p:par>
-                  <p:par>
-                    <p:cTn id="7" fill="hold">
-                      <p:stCondLst>
-                        <p:cond delay="indefinite"/>
-                      </p:stCondLst>
-                      <p:childTnLst>
-                        <p:par>
-                          <p:cTn id="8" fill="hold">
-                            <p:stCondLst>
-                              <p:cond delay="0"/>
-                            </p:stCondLst>
-                            <p:childTnLst>
-                              <p:par>
-                                <p:cTn id="9" presetID="1" presetClass="entr" presetSubtype="0" fill="hold" nodeType="clickEffect">
-                                  <p:stCondLst>
-                                    <p:cond delay="0"/>
-                                  </p:stCondLst>
-                                  <p:childTnLst>
-                                    <p:set>
-                                      <p:cBhvr>
-                                        <p:cTn id="10" dur="1" fill="hold">
-                                          <p:stCondLst>
-                                            <p:cond delay="0"/>
-                                          </p:stCondLst>
-                                        </p:cTn>
-                                        <p:tgtEl>
-                                          <p:spTgt spid="6"/>
-                                        </p:tgtEl>
-                                        <p:attrNameLst>
-                                          <p:attrName>style.visibility</p:attrName>
-                                        </p:attrNameLst>
-                                      </p:cBhvr>
-                                      <p:to>
-                                        <p:strVal val="visible"/>
-                                      </p:to>
-                                    </p:set>
-                                  </p:childTnLst>
-                                </p:cTn>
-                              </p:par>
-                            </p:childTnLst>
-                          </p:cTn>
-                        </p:par>
-                      </p:childTnLst>
-                    </p:cTn>
-                  </p:par>
                 </p:childTnLst>
               </p:cTn>
               <p:prevCondLst>
@@ -11373,7 +12078,7 @@
 </p:sld>
 </file>
 
-<file path=ppt/slides/slide27.xml><?xml version="1.0" encoding="utf-8"?>
+<file path=ppt/slides/slide28.xml><?xml version="1.0" encoding="utf-8"?>
 <p:sld xmlns:a="http://schemas.openxmlformats.org/drawingml/2006/main" xmlns:r="http://schemas.openxmlformats.org/officeDocument/2006/relationships" xmlns:p="http://schemas.openxmlformats.org/presentationml/2006/main">
   <p:cSld>
     <p:spTree>
@@ -11497,7 +12202,7 @@
 </p:sld>
 </file>
 
-<file path=ppt/slides/slide28.xml><?xml version="1.0" encoding="utf-8"?>
+<file path=ppt/slides/slide29.xml><?xml version="1.0" encoding="utf-8"?>
 <p:sld xmlns:a="http://schemas.openxmlformats.org/drawingml/2006/main" xmlns:r="http://schemas.openxmlformats.org/officeDocument/2006/relationships" xmlns:p="http://schemas.openxmlformats.org/presentationml/2006/main">
   <p:cSld>
     <p:spTree>
@@ -11514,35 +12219,6 @@
           <a:chExt cx="0" cy="0"/>
         </a:xfrm>
       </p:grpSpPr>
-      <p:sp>
-        <p:nvSpPr>
-          <p:cNvPr id="2" name="Title 1">
-            <a:extLst>
-              <a:ext uri="{FF2B5EF4-FFF2-40B4-BE49-F238E27FC236}">
-                <a16:creationId xmlns:a16="http://schemas.microsoft.com/office/drawing/2014/main" id="{79407789-327D-49AD-8348-12AF53C342CA}"/>
-              </a:ext>
-            </a:extLst>
-          </p:cNvPr>
-          <p:cNvSpPr>
-            <a:spLocks noGrp="1"/>
-          </p:cNvSpPr>
-          <p:nvPr>
-            <p:ph type="title"/>
-          </p:nvPr>
-        </p:nvSpPr>
-        <p:spPr/>
-        <p:txBody>
-          <a:bodyPr/>
-          <a:lstStyle/>
-          <a:p>
-            <a:r>
-              <a:rPr lang="en-US" dirty="0" err="1"/>
-              <a:t>Table.FromRecords</a:t>
-            </a:r>
-            <a:endParaRPr lang="en-US" dirty="0"/>
-          </a:p>
-        </p:txBody>
-      </p:sp>
       <p:sp>
         <p:nvSpPr>
           <p:cNvPr id="3" name="Content Placeholder 2">
@@ -11586,6 +12262,73 @@
       </p:sp>
       <p:pic>
         <p:nvPicPr>
+          <p:cNvPr id="4" name="Picture 3">
+            <a:extLst>
+              <a:ext uri="{FF2B5EF4-FFF2-40B4-BE49-F238E27FC236}">
+                <a16:creationId xmlns:a16="http://schemas.microsoft.com/office/drawing/2014/main" id="{7F3D2E49-E71D-44B8-BD41-3B4A6BBF0477}"/>
+              </a:ext>
+            </a:extLst>
+          </p:cNvPr>
+          <p:cNvPicPr>
+            <a:picLocks noChangeAspect="1"/>
+          </p:cNvPicPr>
+          <p:nvPr/>
+        </p:nvPicPr>
+        <p:blipFill>
+          <a:blip r:embed="rId2"/>
+          <a:stretch>
+            <a:fillRect/>
+          </a:stretch>
+        </p:blipFill>
+        <p:spPr>
+          <a:xfrm>
+            <a:off x="1219200" y="4572000"/>
+            <a:ext cx="4238625" cy="1419225"/>
+          </a:xfrm>
+          <a:prstGeom prst="rect">
+            <a:avLst/>
+          </a:prstGeom>
+          <a:ln>
+            <a:solidFill>
+              <a:schemeClr val="tx1">
+                <a:lumMod val="50000"/>
+                <a:lumOff val="50000"/>
+              </a:schemeClr>
+            </a:solidFill>
+          </a:ln>
+        </p:spPr>
+      </p:pic>
+      <p:sp>
+        <p:nvSpPr>
+          <p:cNvPr id="2" name="Title 1">
+            <a:extLst>
+              <a:ext uri="{FF2B5EF4-FFF2-40B4-BE49-F238E27FC236}">
+                <a16:creationId xmlns:a16="http://schemas.microsoft.com/office/drawing/2014/main" id="{79407789-327D-49AD-8348-12AF53C342CA}"/>
+              </a:ext>
+            </a:extLst>
+          </p:cNvPr>
+          <p:cNvSpPr>
+            <a:spLocks noGrp="1"/>
+          </p:cNvSpPr>
+          <p:nvPr>
+            <p:ph type="title"/>
+          </p:nvPr>
+        </p:nvSpPr>
+        <p:spPr/>
+        <p:txBody>
+          <a:bodyPr/>
+          <a:lstStyle/>
+          <a:p>
+            <a:r>
+              <a:rPr lang="en-US" dirty="0" err="1"/>
+              <a:t>Table.FromRecords</a:t>
+            </a:r>
+            <a:endParaRPr lang="en-US" dirty="0"/>
+          </a:p>
+        </p:txBody>
+      </p:sp>
+      <p:pic>
+        <p:nvPicPr>
           <p:cNvPr id="5" name="Picture 4">
             <a:extLst>
               <a:ext uri="{FF2B5EF4-FFF2-40B4-BE49-F238E27FC236}">
@@ -11599,7 +12342,7 @@
           <p:nvPr/>
         </p:nvPicPr>
         <p:blipFill>
-          <a:blip r:embed="rId2"/>
+          <a:blip r:embed="rId3"/>
           <a:stretch>
             <a:fillRect/>
           </a:stretch>
@@ -11622,36 +12365,6 @@
           </a:ln>
         </p:spPr>
       </p:pic>
-      <p:pic>
-        <p:nvPicPr>
-          <p:cNvPr id="6" name="Picture 5">
-            <a:extLst>
-              <a:ext uri="{FF2B5EF4-FFF2-40B4-BE49-F238E27FC236}">
-                <a16:creationId xmlns:a16="http://schemas.microsoft.com/office/drawing/2014/main" id="{DFC7EE1D-073D-4BED-A205-6FCCED6A637D}"/>
-              </a:ext>
-            </a:extLst>
-          </p:cNvPr>
-          <p:cNvPicPr>
-            <a:picLocks noChangeAspect="1"/>
-          </p:cNvPicPr>
-          <p:nvPr/>
-        </p:nvPicPr>
-        <p:blipFill>
-          <a:blip r:embed="rId3"/>
-          <a:stretch>
-            <a:fillRect/>
-          </a:stretch>
-        </p:blipFill>
-        <p:spPr>
-          <a:xfrm>
-            <a:off x="1276350" y="4541723"/>
-            <a:ext cx="3295650" cy="1419225"/>
-          </a:xfrm>
-          <a:prstGeom prst="rect">
-            <a:avLst/>
-          </a:prstGeom>
-        </p:spPr>
-      </p:pic>
       <p:grpSp>
         <p:nvGrpSpPr>
           <p:cNvPr id="11" name="Group 10">
@@ -11666,7 +12379,7 @@
         </p:nvGrpSpPr>
         <p:grpSpPr>
           <a:xfrm>
-            <a:off x="3446585" y="4914900"/>
+            <a:off x="3733800" y="4800600"/>
             <a:ext cx="4517670" cy="763984"/>
             <a:chOff x="3446585" y="4914900"/>
             <a:chExt cx="4517670" cy="763984"/>
@@ -11687,7 +12400,7 @@
             <p:nvPr/>
           </p:nvPicPr>
           <p:blipFill rotWithShape="1">
-            <a:blip r:embed="rId3"/>
+            <a:blip r:embed="rId4"/>
             <a:srcRect l="55491" t="3750" r="35611" b="76949"/>
             <a:stretch/>
           </p:blipFill>
@@ -11924,7 +12637,123 @@
 </p:sld>
 </file>
 
-<file path=ppt/slides/slide29.xml><?xml version="1.0" encoding="utf-8"?>
+<file path=ppt/slides/slide3.xml><?xml version="1.0" encoding="utf-8"?>
+<p:sld xmlns:a="http://schemas.openxmlformats.org/drawingml/2006/main" xmlns:r="http://schemas.openxmlformats.org/officeDocument/2006/relationships" xmlns:p="http://schemas.openxmlformats.org/presentationml/2006/main">
+  <p:cSld>
+    <p:spTree>
+      <p:nvGrpSpPr>
+        <p:cNvPr id="1" name=""/>
+        <p:cNvGrpSpPr/>
+        <p:nvPr/>
+      </p:nvGrpSpPr>
+      <p:grpSpPr>
+        <a:xfrm>
+          <a:off x="0" y="0"/>
+          <a:ext cx="0" cy="0"/>
+          <a:chOff x="0" y="0"/>
+          <a:chExt cx="0" cy="0"/>
+        </a:xfrm>
+      </p:grpSpPr>
+      <p:sp>
+        <p:nvSpPr>
+          <p:cNvPr id="2" name="Title 1">
+            <a:extLst>
+              <a:ext uri="{FF2B5EF4-FFF2-40B4-BE49-F238E27FC236}">
+                <a16:creationId xmlns:a16="http://schemas.microsoft.com/office/drawing/2014/main" id="{8704F4CD-9880-45D9-99BA-0D792C88B9A2}"/>
+              </a:ext>
+            </a:extLst>
+          </p:cNvPr>
+          <p:cNvSpPr>
+            <a:spLocks noGrp="1"/>
+          </p:cNvSpPr>
+          <p:nvPr>
+            <p:ph type="title"/>
+          </p:nvPr>
+        </p:nvSpPr>
+        <p:spPr/>
+        <p:txBody>
+          <a:bodyPr/>
+          <a:lstStyle/>
+          <a:p>
+            <a:r>
+              <a:rPr lang="en-US" dirty="0"/>
+              <a:t>Agenda</a:t>
+            </a:r>
+          </a:p>
+        </p:txBody>
+      </p:sp>
+      <p:sp>
+        <p:nvSpPr>
+          <p:cNvPr id="3" name="Content Placeholder 2">
+            <a:extLst>
+              <a:ext uri="{FF2B5EF4-FFF2-40B4-BE49-F238E27FC236}">
+                <a16:creationId xmlns:a16="http://schemas.microsoft.com/office/drawing/2014/main" id="{F8FD7ADC-9293-4196-9E30-994BBD372879}"/>
+              </a:ext>
+            </a:extLst>
+          </p:cNvPr>
+          <p:cNvSpPr>
+            <a:spLocks noGrp="1"/>
+          </p:cNvSpPr>
+          <p:nvPr>
+            <p:ph idx="1"/>
+          </p:nvPr>
+        </p:nvSpPr>
+        <p:spPr/>
+        <p:txBody>
+          <a:bodyPr/>
+          <a:lstStyle/>
+          <a:p>
+            <a:r>
+              <a:rPr lang="en-US" dirty="0"/>
+              <a:t>Power Query Party Tricks</a:t>
+            </a:r>
+          </a:p>
+          <a:p>
+            <a:r>
+              <a:rPr lang="en-US" dirty="0"/>
+              <a:t>Power Query Mashup Engine</a:t>
+            </a:r>
+          </a:p>
+          <a:p>
+            <a:r>
+              <a:rPr lang="en-US" dirty="0"/>
+              <a:t>M Programming Fundamentals</a:t>
+            </a:r>
+          </a:p>
+          <a:p>
+            <a:r>
+              <a:rPr lang="en-US" dirty="0"/>
+              <a:t>OData Connector vs Web Connector</a:t>
+            </a:r>
+          </a:p>
+          <a:p>
+            <a:r>
+              <a:rPr lang="en-US" dirty="0"/>
+              <a:t>Query Functions</a:t>
+            </a:r>
+          </a:p>
+          <a:p>
+            <a:r>
+              <a:rPr lang="en-US" dirty="0"/>
+              <a:t>Query Parameters</a:t>
+            </a:r>
+          </a:p>
+        </p:txBody>
+      </p:sp>
+    </p:spTree>
+    <p:extLst>
+      <p:ext uri="{BB962C8B-B14F-4D97-AF65-F5344CB8AC3E}">
+        <p14:creationId xmlns:p14="http://schemas.microsoft.com/office/powerpoint/2010/main" val="398477970"/>
+      </p:ext>
+    </p:extLst>
+  </p:cSld>
+  <p:clrMapOvr>
+    <a:masterClrMapping/>
+  </p:clrMapOvr>
+</p:sld>
+</file>
+
+<file path=ppt/slides/slide30.xml><?xml version="1.0" encoding="utf-8"?>
 <p:sld xmlns:a="http://schemas.openxmlformats.org/drawingml/2006/main" xmlns:r="http://schemas.openxmlformats.org/officeDocument/2006/relationships" xmlns:p="http://schemas.openxmlformats.org/presentationml/2006/main">
   <p:cSld>
     <p:spTree>
@@ -12021,95 +12850,44 @@
           </a:p>
         </p:txBody>
       </p:sp>
-      <p:grpSp>
-        <p:nvGrpSpPr>
-          <p:cNvPr id="9" name="Group 8">
+      <p:pic>
+        <p:nvPicPr>
+          <p:cNvPr id="3" name="Picture 2">
             <a:extLst>
               <a:ext uri="{FF2B5EF4-FFF2-40B4-BE49-F238E27FC236}">
-                <a16:creationId xmlns:a16="http://schemas.microsoft.com/office/drawing/2014/main" id="{B65F24D1-9ED0-4A49-A5C8-FA9CC62E4AFE}"/>
+                <a16:creationId xmlns:a16="http://schemas.microsoft.com/office/drawing/2014/main" id="{93C150B6-DFB2-4BBE-8BDB-BD8D0274CACC}"/>
               </a:ext>
             </a:extLst>
           </p:cNvPr>
-          <p:cNvGrpSpPr/>
+          <p:cNvPicPr>
+            <a:picLocks noChangeAspect="1"/>
+          </p:cNvPicPr>
           <p:nvPr/>
-        </p:nvGrpSpPr>
-        <p:grpSpPr>
+        </p:nvPicPr>
+        <p:blipFill>
+          <a:blip r:embed="rId2"/>
+          <a:stretch>
+            <a:fillRect/>
+          </a:stretch>
+        </p:blipFill>
+        <p:spPr>
           <a:xfrm>
             <a:off x="1163350" y="3375975"/>
-            <a:ext cx="6613433" cy="2567625"/>
-            <a:chOff x="1163350" y="3261675"/>
-            <a:chExt cx="6613433" cy="2567625"/>
+            <a:ext cx="5140957" cy="2377125"/>
           </a:xfrm>
-        </p:grpSpPr>
-        <p:pic>
-          <p:nvPicPr>
-            <p:cNvPr id="3" name="Picture 2">
-              <a:extLst>
-                <a:ext uri="{FF2B5EF4-FFF2-40B4-BE49-F238E27FC236}">
-                  <a16:creationId xmlns:a16="http://schemas.microsoft.com/office/drawing/2014/main" id="{93C150B6-DFB2-4BBE-8BDB-BD8D0274CACC}"/>
-                </a:ext>
-              </a:extLst>
-            </p:cNvPr>
-            <p:cNvPicPr>
-              <a:picLocks noChangeAspect="1"/>
-            </p:cNvPicPr>
-            <p:nvPr/>
-          </p:nvPicPr>
-          <p:blipFill>
-            <a:blip r:embed="rId2"/>
-            <a:stretch>
-              <a:fillRect/>
-            </a:stretch>
-          </p:blipFill>
-          <p:spPr>
-            <a:xfrm>
-              <a:off x="1163350" y="3261675"/>
-              <a:ext cx="5140957" cy="2377125"/>
-            </a:xfrm>
-            <a:prstGeom prst="rect">
-              <a:avLst/>
-            </a:prstGeom>
-            <a:ln>
-              <a:solidFill>
-                <a:schemeClr val="tx1">
-                  <a:lumMod val="50000"/>
-                  <a:lumOff val="50000"/>
-                </a:schemeClr>
-              </a:solidFill>
-            </a:ln>
-          </p:spPr>
-        </p:pic>
-        <p:pic>
-          <p:nvPicPr>
-            <p:cNvPr id="6" name="Picture 5">
-              <a:extLst>
-                <a:ext uri="{FF2B5EF4-FFF2-40B4-BE49-F238E27FC236}">
-                  <a16:creationId xmlns:a16="http://schemas.microsoft.com/office/drawing/2014/main" id="{C79DC00A-F19A-45E9-82ED-E44D8D23400C}"/>
-                </a:ext>
-              </a:extLst>
-            </p:cNvPr>
-            <p:cNvPicPr>
-              <a:picLocks noChangeAspect="1"/>
-            </p:cNvPicPr>
-            <p:nvPr/>
-          </p:nvPicPr>
-          <p:blipFill>
-            <a:blip r:embed="rId3"/>
-            <a:stretch>
-              <a:fillRect/>
-            </a:stretch>
-          </p:blipFill>
-          <p:spPr>
-            <a:xfrm>
-              <a:off x="4576383" y="4495800"/>
-              <a:ext cx="3200400" cy="1333500"/>
-            </a:xfrm>
-            <a:prstGeom prst="rect">
-              <a:avLst/>
-            </a:prstGeom>
-          </p:spPr>
-        </p:pic>
-      </p:grpSp>
+          <a:prstGeom prst="rect">
+            <a:avLst/>
+          </a:prstGeom>
+          <a:ln>
+            <a:solidFill>
+              <a:schemeClr val="tx1">
+                <a:lumMod val="50000"/>
+                <a:lumOff val="50000"/>
+              </a:schemeClr>
+            </a:solidFill>
+          </a:ln>
+        </p:spPr>
+      </p:pic>
       <p:pic>
         <p:nvPicPr>
           <p:cNvPr id="7" name="Picture 6">
@@ -12133,6 +12911,44 @@
           <a:xfrm>
             <a:off x="1163351" y="2230156"/>
             <a:ext cx="5013232" cy="590731"/>
+          </a:xfrm>
+          <a:prstGeom prst="rect">
+            <a:avLst/>
+          </a:prstGeom>
+          <a:ln>
+            <a:solidFill>
+              <a:schemeClr val="tx1">
+                <a:lumMod val="50000"/>
+                <a:lumOff val="50000"/>
+              </a:schemeClr>
+            </a:solidFill>
+          </a:ln>
+        </p:spPr>
+      </p:pic>
+      <p:pic>
+        <p:nvPicPr>
+          <p:cNvPr id="4" name="Picture 3">
+            <a:extLst>
+              <a:ext uri="{FF2B5EF4-FFF2-40B4-BE49-F238E27FC236}">
+                <a16:creationId xmlns:a16="http://schemas.microsoft.com/office/drawing/2014/main" id="{5FF61D13-EB73-4074-8C16-BEB0A126E988}"/>
+              </a:ext>
+            </a:extLst>
+          </p:cNvPr>
+          <p:cNvPicPr>
+            <a:picLocks noChangeAspect="1"/>
+          </p:cNvPicPr>
+          <p:nvPr/>
+        </p:nvPicPr>
+        <p:blipFill>
+          <a:blip r:embed="rId3"/>
+          <a:stretch>
+            <a:fillRect/>
+          </a:stretch>
+        </p:blipFill>
+        <p:spPr>
+          <a:xfrm>
+            <a:off x="4419600" y="4648200"/>
+            <a:ext cx="4295775" cy="1428750"/>
           </a:xfrm>
           <a:prstGeom prst="rect">
             <a:avLst/>
@@ -12284,33 +13100,6 @@
                                   </p:childTnLst>
                                 </p:cTn>
                               </p:par>
-                              <p:par>
-                                <p:cTn id="13" presetID="1" presetClass="entr" presetSubtype="0" fill="hold" nodeType="withEffect">
-                                  <p:stCondLst>
-                                    <p:cond delay="0"/>
-                                  </p:stCondLst>
-                                  <p:childTnLst>
-                                    <p:set>
-                                      <p:cBhvr>
-                                        <p:cTn id="14" dur="1" fill="hold">
-                                          <p:stCondLst>
-                                            <p:cond delay="0"/>
-                                          </p:stCondLst>
-                                        </p:cTn>
-                                        <p:tgtEl>
-                                          <p:spTgt spid="9"/>
-                                        </p:tgtEl>
-                                        <p:attrNameLst>
-                                          <p:attrName>style.visibility</p:attrName>
-                                        </p:attrNameLst>
-                                      </p:cBhvr>
-                                      <p:to>
-                                        <p:strVal val="visible"/>
-                                      </p:to>
-                                    </p:set>
-                                  </p:childTnLst>
-                                </p:cTn>
-                              </p:par>
                             </p:childTnLst>
                           </p:cTn>
                         </p:par>
@@ -12342,123 +13131,7 @@
 </p:sld>
 </file>
 
-<file path=ppt/slides/slide3.xml><?xml version="1.0" encoding="utf-8"?>
-<p:sld xmlns:a="http://schemas.openxmlformats.org/drawingml/2006/main" xmlns:r="http://schemas.openxmlformats.org/officeDocument/2006/relationships" xmlns:p="http://schemas.openxmlformats.org/presentationml/2006/main">
-  <p:cSld>
-    <p:spTree>
-      <p:nvGrpSpPr>
-        <p:cNvPr id="1" name=""/>
-        <p:cNvGrpSpPr/>
-        <p:nvPr/>
-      </p:nvGrpSpPr>
-      <p:grpSpPr>
-        <a:xfrm>
-          <a:off x="0" y="0"/>
-          <a:ext cx="0" cy="0"/>
-          <a:chOff x="0" y="0"/>
-          <a:chExt cx="0" cy="0"/>
-        </a:xfrm>
-      </p:grpSpPr>
-      <p:sp>
-        <p:nvSpPr>
-          <p:cNvPr id="2" name="Title 1">
-            <a:extLst>
-              <a:ext uri="{FF2B5EF4-FFF2-40B4-BE49-F238E27FC236}">
-                <a16:creationId xmlns:a16="http://schemas.microsoft.com/office/drawing/2014/main" id="{8704F4CD-9880-45D9-99BA-0D792C88B9A2}"/>
-              </a:ext>
-            </a:extLst>
-          </p:cNvPr>
-          <p:cNvSpPr>
-            <a:spLocks noGrp="1"/>
-          </p:cNvSpPr>
-          <p:nvPr>
-            <p:ph type="title"/>
-          </p:nvPr>
-        </p:nvSpPr>
-        <p:spPr/>
-        <p:txBody>
-          <a:bodyPr/>
-          <a:lstStyle/>
-          <a:p>
-            <a:r>
-              <a:rPr lang="en-US" dirty="0"/>
-              <a:t>Agenda</a:t>
-            </a:r>
-          </a:p>
-        </p:txBody>
-      </p:sp>
-      <p:sp>
-        <p:nvSpPr>
-          <p:cNvPr id="3" name="Content Placeholder 2">
-            <a:extLst>
-              <a:ext uri="{FF2B5EF4-FFF2-40B4-BE49-F238E27FC236}">
-                <a16:creationId xmlns:a16="http://schemas.microsoft.com/office/drawing/2014/main" id="{F8FD7ADC-9293-4196-9E30-994BBD372879}"/>
-              </a:ext>
-            </a:extLst>
-          </p:cNvPr>
-          <p:cNvSpPr>
-            <a:spLocks noGrp="1"/>
-          </p:cNvSpPr>
-          <p:nvPr>
-            <p:ph idx="1"/>
-          </p:nvPr>
-        </p:nvSpPr>
-        <p:spPr/>
-        <p:txBody>
-          <a:bodyPr/>
-          <a:lstStyle/>
-          <a:p>
-            <a:r>
-              <a:rPr lang="en-US" dirty="0"/>
-              <a:t>Advanced Power Query Techniques</a:t>
-            </a:r>
-          </a:p>
-          <a:p>
-            <a:r>
-              <a:rPr lang="en-US" dirty="0"/>
-              <a:t>Power Query Mashup Engine</a:t>
-            </a:r>
-          </a:p>
-          <a:p>
-            <a:r>
-              <a:rPr lang="en-US" dirty="0"/>
-              <a:t>M Programming Fundamentals</a:t>
-            </a:r>
-          </a:p>
-          <a:p>
-            <a:r>
-              <a:rPr lang="en-US" dirty="0"/>
-              <a:t>M Function Library</a:t>
-            </a:r>
-          </a:p>
-          <a:p>
-            <a:r>
-              <a:rPr lang="en-US" dirty="0"/>
-              <a:t>Query Functions</a:t>
-            </a:r>
-          </a:p>
-          <a:p>
-            <a:r>
-              <a:rPr lang="en-US" dirty="0"/>
-              <a:t>Query Parameters</a:t>
-            </a:r>
-          </a:p>
-        </p:txBody>
-      </p:sp>
-    </p:spTree>
-    <p:extLst>
-      <p:ext uri="{BB962C8B-B14F-4D97-AF65-F5344CB8AC3E}">
-        <p14:creationId xmlns:p14="http://schemas.microsoft.com/office/powerpoint/2010/main" val="398477970"/>
-      </p:ext>
-    </p:extLst>
-  </p:cSld>
-  <p:clrMapOvr>
-    <a:masterClrMapping/>
-  </p:clrMapOvr>
-</p:sld>
-</file>
-
-<file path=ppt/slides/slide30.xml><?xml version="1.0" encoding="utf-8"?>
+<file path=ppt/slides/slide31.xml><?xml version="1.0" encoding="utf-8"?>
 <p:sld xmlns:a="http://schemas.openxmlformats.org/drawingml/2006/main" xmlns:r="http://schemas.openxmlformats.org/officeDocument/2006/relationships" xmlns:p="http://schemas.openxmlformats.org/presentationml/2006/main">
   <p:cSld>
     <p:spTree>
@@ -13391,7 +14064,7 @@
 </p:sld>
 </file>
 
-<file path=ppt/slides/slide31.xml><?xml version="1.0" encoding="utf-8"?>
+<file path=ppt/slides/slide32.xml><?xml version="1.0" encoding="utf-8"?>
 <p:sld xmlns:a="http://schemas.openxmlformats.org/drawingml/2006/main" xmlns:r="http://schemas.openxmlformats.org/officeDocument/2006/relationships" xmlns:p="http://schemas.openxmlformats.org/presentationml/2006/main">
   <p:cSld>
     <p:spTree>
@@ -14063,7 +14736,7 @@
 </p:sld>
 </file>
 
-<file path=ppt/slides/slide32.xml><?xml version="1.0" encoding="utf-8"?>
+<file path=ppt/slides/slide33.xml><?xml version="1.0" encoding="utf-8"?>
 <p:sld xmlns:a="http://schemas.openxmlformats.org/drawingml/2006/main" xmlns:r="http://schemas.openxmlformats.org/officeDocument/2006/relationships" xmlns:p="http://schemas.openxmlformats.org/presentationml/2006/main">
   <p:cSld>
     <p:spTree>
@@ -14135,7 +14808,7 @@
             </a:pPr>
             <a:r>
               <a:rPr lang="en-US" dirty="0"/>
-              <a:t>Power Query Mashup Engine</a:t>
+              <a:t>Power Query Party Tricks</a:t>
             </a:r>
           </a:p>
           <a:p>
@@ -14145,6 +14818,16 @@
             </a:pPr>
             <a:r>
               <a:rPr lang="en-US" dirty="0"/>
+              <a:t>Power Query Mashup Engine</a:t>
+            </a:r>
+          </a:p>
+          <a:p>
+            <a:pPr>
+              <a:buFont typeface="Wingdings" panose="05000000000000000000" pitchFamily="2" charset="2"/>
+              <a:buChar char="ü"/>
+            </a:pPr>
+            <a:r>
+              <a:rPr lang="en-US" dirty="0"/>
               <a:t>M Programming Fundamentals</a:t>
             </a:r>
           </a:p>
@@ -14155,7 +14838,7 @@
             </a:pPr>
             <a:r>
               <a:rPr lang="en-US" dirty="0"/>
-              <a:t>M Function Library</a:t>
+              <a:t>OData Connector vs Web Connector</a:t>
             </a:r>
           </a:p>
           <a:p>
@@ -14175,7 +14858,7 @@
     </p:spTree>
     <p:extLst>
       <p:ext uri="{BB962C8B-B14F-4D97-AF65-F5344CB8AC3E}">
-        <p14:creationId xmlns:p14="http://schemas.microsoft.com/office/powerpoint/2010/main" val="4285909626"/>
+        <p14:creationId xmlns:p14="http://schemas.microsoft.com/office/powerpoint/2010/main" val="1935885645"/>
       </p:ext>
     </p:extLst>
   </p:cSld>
@@ -14185,7 +14868,7 @@
 </p:sld>
 </file>
 
-<file path=ppt/slides/slide33.xml><?xml version="1.0" encoding="utf-8"?>
+<file path=ppt/slides/slide34.xml><?xml version="1.0" encoding="utf-8"?>
 <p:sld xmlns:a="http://schemas.openxmlformats.org/drawingml/2006/main" xmlns:r="http://schemas.openxmlformats.org/officeDocument/2006/relationships" xmlns:p="http://schemas.openxmlformats.org/presentationml/2006/main">
   <p:cSld>
     <p:spTree>
@@ -14322,7 +15005,7 @@
 </p:sld>
 </file>
 
-<file path=ppt/slides/slide34.xml><?xml version="1.0" encoding="utf-8"?>
+<file path=ppt/slides/slide35.xml><?xml version="1.0" encoding="utf-8"?>
 <p:sld xmlns:a="http://schemas.openxmlformats.org/drawingml/2006/main" xmlns:r="http://schemas.openxmlformats.org/officeDocument/2006/relationships" xmlns:p="http://schemas.openxmlformats.org/presentationml/2006/main">
   <p:cSld>
     <p:spTree>
@@ -14620,7 +15303,7 @@
 </p:sld>
 </file>
 
-<file path=ppt/slides/slide35.xml><?xml version="1.0" encoding="utf-8"?>
+<file path=ppt/slides/slide36.xml><?xml version="1.0" encoding="utf-8"?>
 <p:sld xmlns:a="http://schemas.openxmlformats.org/drawingml/2006/main" xmlns:r="http://schemas.openxmlformats.org/officeDocument/2006/relationships" xmlns:p="http://schemas.openxmlformats.org/presentationml/2006/main">
   <p:cSld>
     <p:spTree>
@@ -14759,7 +15442,7 @@
 </p:sld>
 </file>
 
-<file path=ppt/slides/slide36.xml><?xml version="1.0" encoding="utf-8"?>
+<file path=ppt/slides/slide37.xml><?xml version="1.0" encoding="utf-8"?>
 <p:sld xmlns:a="http://schemas.openxmlformats.org/drawingml/2006/main" xmlns:r="http://schemas.openxmlformats.org/officeDocument/2006/relationships" xmlns:p="http://schemas.openxmlformats.org/presentationml/2006/main">
   <p:cSld>
     <p:spTree>
@@ -14831,7 +15514,7 @@
             </a:pPr>
             <a:r>
               <a:rPr lang="en-US" dirty="0"/>
-              <a:t>Power Query Mashup Engine</a:t>
+              <a:t>Power Query Party Tricks</a:t>
             </a:r>
           </a:p>
           <a:p>
@@ -14841,7 +15524,7 @@
             </a:pPr>
             <a:r>
               <a:rPr lang="en-US" dirty="0"/>
-              <a:t>M Programming Fundamentals</a:t>
+              <a:t>Power Query Mashup Engine</a:t>
             </a:r>
           </a:p>
           <a:p>
@@ -14851,7 +15534,17 @@
             </a:pPr>
             <a:r>
               <a:rPr lang="en-US" dirty="0"/>
-              <a:t>M Function Library</a:t>
+              <a:t>M Programming Fundamentals</a:t>
+            </a:r>
+          </a:p>
+          <a:p>
+            <a:pPr>
+              <a:buFont typeface="Wingdings" panose="05000000000000000000" pitchFamily="2" charset="2"/>
+              <a:buChar char="ü"/>
+            </a:pPr>
+            <a:r>
+              <a:rPr lang="en-US" dirty="0"/>
+              <a:t>OData Connector vs Web Connector</a:t>
             </a:r>
           </a:p>
           <a:p>
@@ -14868,12 +15561,6 @@
             <a:r>
               <a:rPr lang="en-US" dirty="0"/>
               <a:t>Query Parameters</a:t>
-            </a:r>
-          </a:p>
-          <a:p>
-            <a:r>
-              <a:rPr lang="en-US" dirty="0"/>
-              <a:t>Custom Data Connectors</a:t>
             </a:r>
           </a:p>
         </p:txBody>
@@ -14881,7 +15568,7 @@
     </p:spTree>
     <p:extLst>
       <p:ext uri="{BB962C8B-B14F-4D97-AF65-F5344CB8AC3E}">
-        <p14:creationId xmlns:p14="http://schemas.microsoft.com/office/powerpoint/2010/main" val="3419249868"/>
+        <p14:creationId xmlns:p14="http://schemas.microsoft.com/office/powerpoint/2010/main" val="192689368"/>
       </p:ext>
     </p:extLst>
   </p:cSld>
@@ -14891,7 +15578,7 @@
 </p:sld>
 </file>
 
-<file path=ppt/slides/slide37.xml><?xml version="1.0" encoding="utf-8"?>
+<file path=ppt/slides/slide38.xml><?xml version="1.0" encoding="utf-8"?>
 <p:sld xmlns:a="http://schemas.openxmlformats.org/drawingml/2006/main" xmlns:r="http://schemas.openxmlformats.org/officeDocument/2006/relationships" xmlns:p="http://schemas.openxmlformats.org/presentationml/2006/main">
   <p:cSld>
     <p:spTree>
@@ -15024,7 +15711,7 @@
 </p:sld>
 </file>
 
-<file path=ppt/slides/slide38.xml><?xml version="1.0" encoding="utf-8"?>
+<file path=ppt/slides/slide39.xml><?xml version="1.0" encoding="utf-8"?>
 <p:sld xmlns:a="http://schemas.openxmlformats.org/drawingml/2006/main" xmlns:r="http://schemas.openxmlformats.org/officeDocument/2006/relationships" xmlns:p="http://schemas.openxmlformats.org/presentationml/2006/main">
   <p:cSld>
     <p:spTree>
@@ -15124,6 +15811,10 @@
             <a:endParaRPr lang="en-US" sz="2000" dirty="0"/>
           </a:p>
           <a:p>
+            <a:pPr lvl="1"/>
+            <a:endParaRPr lang="en-US" sz="2000" dirty="0"/>
+          </a:p>
+          <a:p>
             <a:endParaRPr lang="en-US" sz="2400" dirty="0"/>
           </a:p>
           <a:p>
@@ -15154,40 +15845,36 @@
       </p:sp>
       <p:pic>
         <p:nvPicPr>
-          <p:cNvPr id="4" name="Picture 3">
+          <p:cNvPr id="5" name="Picture 4">
             <a:extLst>
               <a:ext uri="{FF2B5EF4-FFF2-40B4-BE49-F238E27FC236}">
-                <a16:creationId xmlns:a16="http://schemas.microsoft.com/office/drawing/2014/main" id="{B508A397-67F4-4E13-B99B-A4EB1E2877E4}"/>
+                <a16:creationId xmlns:a16="http://schemas.microsoft.com/office/drawing/2014/main" id="{D80F6E33-2B60-4CD1-9D68-E0D4EE0D126E}"/>
               </a:ext>
             </a:extLst>
           </p:cNvPr>
-          <p:cNvPicPr/>
+          <p:cNvPicPr>
+            <a:picLocks noChangeAspect="1"/>
+          </p:cNvPicPr>
           <p:nvPr/>
         </p:nvPicPr>
         <p:blipFill rotWithShape="1">
-          <a:blip r:embed="rId2">
-            <a:extLst>
-              <a:ext uri="{28A0092B-C50C-407E-A947-70E740481C1C}">
-                <a14:useLocalDpi xmlns:a14="http://schemas.microsoft.com/office/drawing/2010/main" val="0"/>
-              </a:ext>
-            </a:extLst>
-          </a:blip>
-          <a:srcRect r="18654"/>
+          <a:blip r:embed="rId2"/>
+          <a:srcRect l="4396" t="14429" b="1505"/>
           <a:stretch/>
         </p:blipFill>
-        <p:spPr bwMode="auto">
+        <p:spPr>
           <a:xfrm>
             <a:off x="1143000" y="2743200"/>
-            <a:ext cx="3877055" cy="1828800"/>
+            <a:ext cx="4254346" cy="2200182"/>
           </a:xfrm>
           <a:prstGeom prst="rect">
             <a:avLst/>
           </a:prstGeom>
-          <a:noFill/>
           <a:ln>
             <a:solidFill>
-              <a:schemeClr val="bg1">
+              <a:schemeClr val="tx1">
                 <a:lumMod val="50000"/>
+                <a:lumOff val="50000"/>
               </a:schemeClr>
             </a:solidFill>
           </a:ln>
@@ -15206,7 +15893,297 @@
 </p:sld>
 </file>
 
-<file path=ppt/slides/slide39.xml><?xml version="1.0" encoding="utf-8"?>
+<file path=ppt/slides/slide4.xml><?xml version="1.0" encoding="utf-8"?>
+<p:sld xmlns:a="http://schemas.openxmlformats.org/drawingml/2006/main" xmlns:r="http://schemas.openxmlformats.org/officeDocument/2006/relationships" xmlns:p="http://schemas.openxmlformats.org/presentationml/2006/main">
+  <p:cSld>
+    <p:spTree>
+      <p:nvGrpSpPr>
+        <p:cNvPr id="1" name=""/>
+        <p:cNvGrpSpPr/>
+        <p:nvPr/>
+      </p:nvGrpSpPr>
+      <p:grpSpPr>
+        <a:xfrm>
+          <a:off x="0" y="0"/>
+          <a:ext cx="0" cy="0"/>
+          <a:chOff x="0" y="0"/>
+          <a:chExt cx="0" cy="0"/>
+        </a:xfrm>
+      </p:grpSpPr>
+      <p:sp>
+        <p:nvSpPr>
+          <p:cNvPr id="3" name="Content Placeholder 2"/>
+          <p:cNvSpPr>
+            <a:spLocks noGrp="1"/>
+          </p:cNvSpPr>
+          <p:nvPr>
+            <p:ph idx="1"/>
+          </p:nvPr>
+        </p:nvSpPr>
+        <p:spPr>
+          <a:xfrm>
+            <a:off x="228600" y="1371600"/>
+            <a:ext cx="8763000" cy="5181600"/>
+          </a:xfrm>
+        </p:spPr>
+        <p:txBody>
+          <a:bodyPr>
+            <a:normAutofit/>
+          </a:bodyPr>
+          <a:lstStyle/>
+          <a:p>
+            <a:r>
+              <a:rPr lang="en-US" sz="2400" dirty="0"/>
+              <a:t>Power BI Desktop provides separate Query Editor window</a:t>
+            </a:r>
+          </a:p>
+          <a:p>
+            <a:pPr lvl="1"/>
+            <a:r>
+              <a:rPr lang="en-US" sz="2000" dirty="0"/>
+              <a:t>Provides easy-to-use UI experience for designing queries</a:t>
+            </a:r>
+          </a:p>
+          <a:p>
+            <a:pPr lvl="1"/>
+            <a:r>
+              <a:rPr lang="en-US" sz="2000" dirty="0"/>
+              <a:t>Queries created by creating </a:t>
+            </a:r>
+            <a:r>
+              <a:rPr lang="en-US" sz="2000" b="1" dirty="0"/>
+              <a:t>Applied Steps</a:t>
+            </a:r>
+            <a:endParaRPr lang="en-US" sz="2000" dirty="0"/>
+          </a:p>
+          <a:p>
+            <a:pPr lvl="1"/>
+            <a:r>
+              <a:rPr lang="en-US" sz="2000" dirty="0"/>
+              <a:t>Preview of table generated by query output shown in the middle</a:t>
+            </a:r>
+          </a:p>
+          <a:p>
+            <a:pPr lvl="1"/>
+            <a:r>
+              <a:rPr lang="en-US" sz="2000" dirty="0"/>
+              <a:t>Query can be executed using </a:t>
+            </a:r>
+            <a:r>
+              <a:rPr lang="en-US" sz="1600" b="1" dirty="0">
+                <a:solidFill>
+                  <a:srgbClr val="002060"/>
+                </a:solidFill>
+              </a:rPr>
+              <a:t>Apply</a:t>
+            </a:r>
+            <a:r>
+              <a:rPr lang="en-US" sz="2000" dirty="0"/>
+              <a:t> or </a:t>
+            </a:r>
+            <a:r>
+              <a:rPr lang="en-US" sz="1600" b="1" dirty="0">
+                <a:solidFill>
+                  <a:srgbClr val="002060"/>
+                </a:solidFill>
+              </a:rPr>
+              <a:t>Close &amp; Apply</a:t>
+            </a:r>
+            <a:r>
+              <a:rPr lang="en-US" sz="2000" dirty="0"/>
+              <a:t> command</a:t>
+            </a:r>
+          </a:p>
+        </p:txBody>
+      </p:sp>
+      <p:pic>
+        <p:nvPicPr>
+          <p:cNvPr id="6" name="Picture 5">
+            <a:extLst>
+              <a:ext uri="{FF2B5EF4-FFF2-40B4-BE49-F238E27FC236}">
+                <a16:creationId xmlns:a16="http://schemas.microsoft.com/office/drawing/2014/main" id="{D367A723-4F2E-4110-B26B-751A3BFDF418}"/>
+              </a:ext>
+            </a:extLst>
+          </p:cNvPr>
+          <p:cNvPicPr>
+            <a:picLocks noChangeAspect="1"/>
+          </p:cNvPicPr>
+          <p:nvPr/>
+        </p:nvPicPr>
+        <p:blipFill rotWithShape="1">
+          <a:blip r:embed="rId3"/>
+          <a:srcRect l="-10" t="-1495" r="31763" b="21061"/>
+          <a:stretch/>
+        </p:blipFill>
+        <p:spPr>
+          <a:xfrm>
+            <a:off x="2438400" y="3581400"/>
+            <a:ext cx="6300223" cy="2743200"/>
+          </a:xfrm>
+          <a:prstGeom prst="rect">
+            <a:avLst/>
+          </a:prstGeom>
+          <a:ln>
+            <a:solidFill>
+              <a:schemeClr val="tx1">
+                <a:lumMod val="50000"/>
+                <a:lumOff val="50000"/>
+              </a:schemeClr>
+            </a:solidFill>
+          </a:ln>
+        </p:spPr>
+      </p:pic>
+      <p:sp>
+        <p:nvSpPr>
+          <p:cNvPr id="2" name="Title 1"/>
+          <p:cNvSpPr>
+            <a:spLocks noGrp="1"/>
+          </p:cNvSpPr>
+          <p:nvPr>
+            <p:ph type="title"/>
+          </p:nvPr>
+        </p:nvSpPr>
+        <p:spPr/>
+        <p:txBody>
+          <a:bodyPr/>
+          <a:lstStyle/>
+          <a:p>
+            <a:r>
+              <a:rPr lang="en-US"/>
+              <a:t>Query Editor Window</a:t>
+            </a:r>
+            <a:endParaRPr lang="en-US" dirty="0"/>
+          </a:p>
+        </p:txBody>
+      </p:sp>
+      <p:pic>
+        <p:nvPicPr>
+          <p:cNvPr id="7" name="Picture 6"/>
+          <p:cNvPicPr>
+            <a:picLocks noChangeAspect="1"/>
+          </p:cNvPicPr>
+          <p:nvPr/>
+        </p:nvPicPr>
+        <p:blipFill rotWithShape="1">
+          <a:blip r:embed="rId4"/>
+          <a:srcRect l="3194" t="14543" r="33448"/>
+          <a:stretch/>
+        </p:blipFill>
+        <p:spPr>
+          <a:xfrm>
+            <a:off x="457200" y="5029200"/>
+            <a:ext cx="1457603" cy="1604037"/>
+          </a:xfrm>
+          <a:prstGeom prst="rect">
+            <a:avLst/>
+          </a:prstGeom>
+          <a:ln w="38100">
+            <a:solidFill>
+              <a:schemeClr val="tx2">
+                <a:lumMod val="90000"/>
+                <a:lumOff val="10000"/>
+              </a:schemeClr>
+            </a:solidFill>
+          </a:ln>
+        </p:spPr>
+      </p:pic>
+      <p:cxnSp>
+        <p:nvCxnSpPr>
+          <p:cNvPr id="9" name="Straight Arrow Connector 8"/>
+          <p:cNvCxnSpPr>
+            <a:cxnSpLocks/>
+            <a:stCxn id="11" idx="1"/>
+          </p:cNvCxnSpPr>
+          <p:nvPr/>
+        </p:nvCxnSpPr>
+        <p:spPr>
+          <a:xfrm flipH="1">
+            <a:off x="1905000" y="4457700"/>
+            <a:ext cx="533400" cy="495300"/>
+          </a:xfrm>
+          <a:prstGeom prst="straightConnector1">
+            <a:avLst/>
+          </a:prstGeom>
+          <a:ln w="76200">
+            <a:headEnd type="none" w="med" len="med"/>
+            <a:tailEnd type="triangle" w="med" len="med"/>
+          </a:ln>
+        </p:spPr>
+        <p:style>
+          <a:lnRef idx="1">
+            <a:schemeClr val="accent1"/>
+          </a:lnRef>
+          <a:fillRef idx="0">
+            <a:schemeClr val="accent1"/>
+          </a:fillRef>
+          <a:effectRef idx="0">
+            <a:schemeClr val="accent1"/>
+          </a:effectRef>
+          <a:fontRef idx="minor">
+            <a:schemeClr val="tx1"/>
+          </a:fontRef>
+        </p:style>
+      </p:cxnSp>
+      <p:sp>
+        <p:nvSpPr>
+          <p:cNvPr id="11" name="Rounded Rectangle 10"/>
+          <p:cNvSpPr/>
+          <p:nvPr/>
+        </p:nvSpPr>
+        <p:spPr>
+          <a:xfrm>
+            <a:off x="2438400" y="4038600"/>
+            <a:ext cx="533400" cy="838200"/>
+          </a:xfrm>
+          <a:prstGeom prst="roundRect">
+            <a:avLst>
+              <a:gd name="adj" fmla="val 10626"/>
+            </a:avLst>
+          </a:prstGeom>
+          <a:noFill/>
+          <a:ln w="57150">
+            <a:prstDash val="sysDot"/>
+          </a:ln>
+        </p:spPr>
+        <p:style>
+          <a:lnRef idx="2">
+            <a:schemeClr val="accent1">
+              <a:shade val="50000"/>
+            </a:schemeClr>
+          </a:lnRef>
+          <a:fillRef idx="1">
+            <a:schemeClr val="accent1"/>
+          </a:fillRef>
+          <a:effectRef idx="0">
+            <a:schemeClr val="accent1"/>
+          </a:effectRef>
+          <a:fontRef idx="minor">
+            <a:schemeClr val="lt1"/>
+          </a:fontRef>
+        </p:style>
+        <p:txBody>
+          <a:bodyPr rtlCol="0" anchor="ctr"/>
+          <a:lstStyle/>
+          <a:p>
+            <a:pPr algn="ctr"/>
+            <a:endParaRPr lang="en-US"/>
+          </a:p>
+        </p:txBody>
+      </p:sp>
+    </p:spTree>
+    <p:extLst>
+      <p:ext uri="{BB962C8B-B14F-4D97-AF65-F5344CB8AC3E}">
+        <p14:creationId xmlns:p14="http://schemas.microsoft.com/office/powerpoint/2010/main" val="4003612692"/>
+      </p:ext>
+    </p:extLst>
+  </p:cSld>
+  <p:clrMapOvr>
+    <a:masterClrMapping/>
+  </p:clrMapOvr>
+</p:sld>
+</file>
+
+<file path=ppt/slides/slide40.xml><?xml version="1.0" encoding="utf-8"?>
 <p:sld xmlns:a="http://schemas.openxmlformats.org/drawingml/2006/main" xmlns:r="http://schemas.openxmlformats.org/officeDocument/2006/relationships" xmlns:p="http://schemas.openxmlformats.org/presentationml/2006/main">
   <p:cSld>
     <p:spTree>
@@ -15795,7 +16772,7 @@
 </p:sld>
 </file>
 
-<file path=ppt/slides/slide4.xml><?xml version="1.0" encoding="utf-8"?>
+<file path=ppt/slides/slide41.xml><?xml version="1.0" encoding="utf-8"?>
 <p:sld xmlns:a="http://schemas.openxmlformats.org/drawingml/2006/main" xmlns:r="http://schemas.openxmlformats.org/officeDocument/2006/relationships" xmlns:p="http://schemas.openxmlformats.org/presentationml/2006/main">
   <p:cSld>
     <p:spTree>
@@ -15814,7 +16791,13 @@
       </p:grpSpPr>
       <p:sp>
         <p:nvSpPr>
-          <p:cNvPr id="2" name="Title 1"/>
+          <p:cNvPr id="2" name="Title 1">
+            <a:extLst>
+              <a:ext uri="{FF2B5EF4-FFF2-40B4-BE49-F238E27FC236}">
+                <a16:creationId xmlns:a16="http://schemas.microsoft.com/office/drawing/2014/main" id="{8EED3D6A-BC5D-43D1-A9B6-90AAA95D9769}"/>
+              </a:ext>
+            </a:extLst>
+          </p:cNvPr>
           <p:cNvSpPr>
             <a:spLocks noGrp="1"/>
           </p:cNvSpPr>
@@ -15829,14 +16812,20 @@
           <a:p>
             <a:r>
               <a:rPr lang="en-US" dirty="0"/>
-              <a:t>Power BI Desktop is an ETL Tool</a:t>
+              <a:t>Dynamic Data Sources</a:t>
             </a:r>
           </a:p>
         </p:txBody>
       </p:sp>
       <p:sp>
         <p:nvSpPr>
-          <p:cNvPr id="3" name="Content Placeholder 2"/>
+          <p:cNvPr id="3" name="Content Placeholder 2">
+            <a:extLst>
+              <a:ext uri="{FF2B5EF4-FFF2-40B4-BE49-F238E27FC236}">
+                <a16:creationId xmlns:a16="http://schemas.microsoft.com/office/drawing/2014/main" id="{4AC360F8-E2AD-439B-9B04-9E22786884CD}"/>
+              </a:ext>
+            </a:extLst>
+          </p:cNvPr>
           <p:cNvSpPr>
             <a:spLocks noGrp="1"/>
           </p:cNvSpPr>
@@ -15846,741 +16835,518 @@
         </p:nvSpPr>
         <p:spPr/>
         <p:txBody>
-          <a:bodyPr/>
+          <a:bodyPr>
+            <a:normAutofit/>
+          </a:bodyPr>
           <a:lstStyle/>
           <a:p>
             <a:r>
-              <a:rPr lang="en-US" dirty="0"/>
-              <a:t>ETL process is essential part of any BI Project</a:t>
+              <a:rPr lang="en-US" sz="2400" dirty="0"/>
+              <a:t>Discover data source path(s) from query results</a:t>
             </a:r>
           </a:p>
           <a:p>
             <a:pPr lvl="1"/>
             <a:r>
-              <a:rPr lang="en-US" b="1" dirty="0">
-                <a:solidFill>
-                  <a:schemeClr val="tx2">
-                    <a:lumMod val="90000"/>
-                    <a:lumOff val="10000"/>
-                  </a:schemeClr>
-                </a:solidFill>
-              </a:rPr>
-              <a:t>Extract</a:t>
-            </a:r>
-            <a:r>
-              <a:rPr lang="en-US" dirty="0">
-                <a:solidFill>
-                  <a:schemeClr val="tx2">
-                    <a:lumMod val="90000"/>
-                    <a:lumOff val="10000"/>
-                  </a:schemeClr>
-                </a:solidFill>
-              </a:rPr>
-              <a:t> </a:t>
-            </a:r>
-            <a:r>
-              <a:rPr lang="en-US" dirty="0"/>
-              <a:t>the data from wherever it lives</a:t>
+              <a:rPr lang="en-US" sz="2000" dirty="0"/>
+              <a:t>Allows to create union queries on identical sources</a:t>
             </a:r>
           </a:p>
           <a:p>
             <a:pPr lvl="1"/>
             <a:r>
-              <a:rPr lang="en-US" b="1" dirty="0">
-                <a:solidFill>
-                  <a:schemeClr val="tx2">
-                    <a:lumMod val="90000"/>
-                    <a:lumOff val="10000"/>
-                  </a:schemeClr>
-                </a:solidFill>
-              </a:rPr>
-              <a:t>Transform</a:t>
-            </a:r>
-            <a:r>
-              <a:rPr lang="en-US" dirty="0"/>
-              <a:t> the shape of the data for better analysis</a:t>
-            </a:r>
-          </a:p>
-          <a:p>
-            <a:pPr lvl="1"/>
-            <a:r>
-              <a:rPr lang="en-US" b="1" dirty="0">
-                <a:solidFill>
-                  <a:schemeClr val="tx2">
-                    <a:lumMod val="90000"/>
-                    <a:lumOff val="10000"/>
-                  </a:schemeClr>
-                </a:solidFill>
-              </a:rPr>
-              <a:t>Load</a:t>
-            </a:r>
-            <a:r>
-              <a:rPr lang="en-US" dirty="0">
-                <a:solidFill>
-                  <a:schemeClr val="tx2">
-                    <a:lumMod val="90000"/>
-                    <a:lumOff val="10000"/>
-                  </a:schemeClr>
-                </a:solidFill>
-              </a:rPr>
-              <a:t> </a:t>
-            </a:r>
-            <a:r>
-              <a:rPr lang="en-US" dirty="0"/>
-              <a:t>the data into dataset for analysis and reporting</a:t>
+              <a:rPr lang="en-US" sz="2000" dirty="0"/>
+              <a:t>CAVEAT: Refresh currently not support in Power BI Service</a:t>
             </a:r>
           </a:p>
         </p:txBody>
       </p:sp>
-      <p:sp>
-        <p:nvSpPr>
-          <p:cNvPr id="7" name="Rectangle 6"/>
-          <p:cNvSpPr/>
+      <p:pic>
+        <p:nvPicPr>
+          <p:cNvPr id="5" name="Picture 4">
+            <a:extLst>
+              <a:ext uri="{FF2B5EF4-FFF2-40B4-BE49-F238E27FC236}">
+                <a16:creationId xmlns:a16="http://schemas.microsoft.com/office/drawing/2014/main" id="{3891B364-91F1-425F-B543-25C08447CD5C}"/>
+              </a:ext>
+            </a:extLst>
+          </p:cNvPr>
+          <p:cNvPicPr>
+            <a:picLocks noChangeAspect="1"/>
+          </p:cNvPicPr>
           <p:nvPr/>
-        </p:nvSpPr>
+        </p:nvPicPr>
+        <p:blipFill>
+          <a:blip r:embed="rId2"/>
+          <a:stretch>
+            <a:fillRect/>
+          </a:stretch>
+        </p:blipFill>
         <p:spPr>
           <a:xfrm>
-            <a:off x="5033475" y="3763536"/>
-            <a:ext cx="3348525" cy="1973624"/>
+            <a:off x="304800" y="2743200"/>
+            <a:ext cx="3276600" cy="3874795"/>
           </a:xfrm>
           <a:prstGeom prst="rect">
             <a:avLst/>
           </a:prstGeom>
-          <a:solidFill>
-            <a:schemeClr val="accent5">
-              <a:lumMod val="20000"/>
-              <a:lumOff val="80000"/>
-            </a:schemeClr>
-          </a:solidFill>
-          <a:ln w="3175">
+          <a:ln>
             <a:solidFill>
               <a:schemeClr val="tx1">
-                <a:lumMod val="65000"/>
-                <a:lumOff val="35000"/>
+                <a:lumMod val="50000"/>
+                <a:lumOff val="50000"/>
               </a:schemeClr>
             </a:solidFill>
           </a:ln>
         </p:spPr>
-        <p:style>
-          <a:lnRef idx="2">
-            <a:schemeClr val="accent1">
-              <a:shade val="50000"/>
-            </a:schemeClr>
-          </a:lnRef>
-          <a:fillRef idx="1">
-            <a:schemeClr val="accent1"/>
-          </a:fillRef>
-          <a:effectRef idx="0">
-            <a:schemeClr val="accent1"/>
-          </a:effectRef>
-          <a:fontRef idx="minor">
-            <a:schemeClr val="lt1"/>
-          </a:fontRef>
-        </p:style>
-        <p:txBody>
-          <a:bodyPr tIns="91440" rtlCol="0" anchor="t" anchorCtr="0"/>
-          <a:lstStyle/>
-          <a:p>
-            <a:pPr algn="ctr"/>
-            <a:r>
-              <a:rPr lang="en-US" sz="1600" b="1" dirty="0">
-                <a:solidFill>
-                  <a:schemeClr val="tx1"/>
-                </a:solidFill>
-              </a:rPr>
-              <a:t>Power BI Desktop Project (PBIX)</a:t>
-            </a:r>
-          </a:p>
-        </p:txBody>
-      </p:sp>
-      <p:sp>
-        <p:nvSpPr>
-          <p:cNvPr id="8" name="Rounded Rectangle 7"/>
-          <p:cNvSpPr/>
+      </p:pic>
+      <p:grpSp>
+        <p:nvGrpSpPr>
+          <p:cNvPr id="7" name="Group 6">
+            <a:extLst>
+              <a:ext uri="{FF2B5EF4-FFF2-40B4-BE49-F238E27FC236}">
+                <a16:creationId xmlns:a16="http://schemas.microsoft.com/office/drawing/2014/main" id="{D324E9DD-8FBC-4E2D-965F-554EC77FB452}"/>
+              </a:ext>
+            </a:extLst>
+          </p:cNvPr>
+          <p:cNvGrpSpPr/>
           <p:nvPr/>
-        </p:nvSpPr>
-        <p:spPr>
+        </p:nvGrpSpPr>
+        <p:grpSpPr>
           <a:xfrm>
-            <a:off x="5156063" y="4246966"/>
-            <a:ext cx="3077114" cy="1274890"/>
+            <a:off x="3733800" y="2743200"/>
+            <a:ext cx="4953000" cy="2201494"/>
+            <a:chOff x="3733800" y="2743200"/>
+            <a:chExt cx="4953000" cy="2201494"/>
           </a:xfrm>
-          <a:prstGeom prst="roundRect">
-            <a:avLst/>
-          </a:prstGeom>
-          <a:solidFill>
-            <a:schemeClr val="accent4">
-              <a:lumMod val="20000"/>
-              <a:lumOff val="80000"/>
-            </a:schemeClr>
-          </a:solidFill>
-          <a:ln w="28575">
+        </p:grpSpPr>
+        <p:pic>
+          <p:nvPicPr>
+            <p:cNvPr id="4" name="Picture 3">
+              <a:extLst>
+                <a:ext uri="{FF2B5EF4-FFF2-40B4-BE49-F238E27FC236}">
+                  <a16:creationId xmlns:a16="http://schemas.microsoft.com/office/drawing/2014/main" id="{D1B8BB1A-C7CA-485F-BF59-DB3B78CF0244}"/>
+                </a:ext>
+              </a:extLst>
+            </p:cNvPr>
+            <p:cNvPicPr>
+              <a:picLocks noChangeAspect="1"/>
+            </p:cNvPicPr>
+            <p:nvPr/>
+          </p:nvPicPr>
+          <p:blipFill>
+            <a:blip r:embed="rId3"/>
+            <a:stretch>
+              <a:fillRect/>
+            </a:stretch>
+          </p:blipFill>
+          <p:spPr>
+            <a:xfrm>
+              <a:off x="4114800" y="2743200"/>
+              <a:ext cx="4572000" cy="2201494"/>
+            </a:xfrm>
+            <a:prstGeom prst="rect">
+              <a:avLst/>
+            </a:prstGeom>
+            <a:ln>
+              <a:solidFill>
+                <a:schemeClr val="tx1">
+                  <a:lumMod val="50000"/>
+                  <a:lumOff val="50000"/>
+                </a:schemeClr>
+              </a:solidFill>
+            </a:ln>
+          </p:spPr>
+        </p:pic>
+        <p:sp>
+          <p:nvSpPr>
+            <p:cNvPr id="6" name="Arrow: Right 5">
+              <a:extLst>
+                <a:ext uri="{FF2B5EF4-FFF2-40B4-BE49-F238E27FC236}">
+                  <a16:creationId xmlns:a16="http://schemas.microsoft.com/office/drawing/2014/main" id="{80D4F377-3015-4E7F-A167-F063D6432155}"/>
+                </a:ext>
+              </a:extLst>
+            </p:cNvPr>
+            <p:cNvSpPr/>
+            <p:nvPr/>
+          </p:nvSpPr>
+          <p:spPr>
+            <a:xfrm>
+              <a:off x="3733800" y="2971800"/>
+              <a:ext cx="457200" cy="228600"/>
+            </a:xfrm>
+            <a:prstGeom prst="rightArrow">
+              <a:avLst/>
+            </a:prstGeom>
+          </p:spPr>
+          <p:style>
+            <a:lnRef idx="2">
+              <a:schemeClr val="accent1">
+                <a:shade val="50000"/>
+              </a:schemeClr>
+            </a:lnRef>
+            <a:fillRef idx="1">
+              <a:schemeClr val="accent1"/>
+            </a:fillRef>
+            <a:effectRef idx="0">
+              <a:schemeClr val="accent1"/>
+            </a:effectRef>
+            <a:fontRef idx="minor">
+              <a:schemeClr val="lt1"/>
+            </a:fontRef>
+          </p:style>
+          <p:txBody>
+            <a:bodyPr rtlCol="0" anchor="ctr"/>
+            <a:lstStyle/>
+            <a:p>
+              <a:pPr algn="ctr"/>
+              <a:endParaRPr lang="en-US"/>
+            </a:p>
+          </p:txBody>
+        </p:sp>
+      </p:grpSp>
+      <p:grpSp>
+        <p:nvGrpSpPr>
+          <p:cNvPr id="12" name="Group 11">
+            <a:extLst>
+              <a:ext uri="{FF2B5EF4-FFF2-40B4-BE49-F238E27FC236}">
+                <a16:creationId xmlns:a16="http://schemas.microsoft.com/office/drawing/2014/main" id="{8BA97CED-9A6A-450D-93CC-EC0E197C4C43}"/>
+              </a:ext>
+            </a:extLst>
+          </p:cNvPr>
+          <p:cNvGrpSpPr/>
+          <p:nvPr/>
+        </p:nvGrpSpPr>
+        <p:grpSpPr>
+          <a:xfrm>
+            <a:off x="5257800" y="4828175"/>
+            <a:ext cx="2438400" cy="1905000"/>
+            <a:chOff x="5257800" y="4828175"/>
+            <a:chExt cx="2438400" cy="1905000"/>
+          </a:xfrm>
+        </p:grpSpPr>
+        <p:sp>
+          <p:nvSpPr>
+            <p:cNvPr id="8" name="Rectangle 7">
+              <a:extLst>
+                <a:ext uri="{FF2B5EF4-FFF2-40B4-BE49-F238E27FC236}">
+                  <a16:creationId xmlns:a16="http://schemas.microsoft.com/office/drawing/2014/main" id="{E0270C78-3494-40F1-BC5C-B1191C0D4371}"/>
+                </a:ext>
+              </a:extLst>
+            </p:cNvPr>
+            <p:cNvSpPr/>
+            <p:nvPr/>
+          </p:nvSpPr>
+          <p:spPr>
+            <a:xfrm>
+              <a:off x="5257800" y="5209175"/>
+              <a:ext cx="2438400" cy="1524000"/>
+            </a:xfrm>
+            <a:prstGeom prst="rect">
+              <a:avLst/>
+            </a:prstGeom>
             <a:solidFill>
-              <a:schemeClr val="tx1"/>
-            </a:solidFill>
-          </a:ln>
-        </p:spPr>
-        <p:style>
-          <a:lnRef idx="2">
-            <a:schemeClr val="accent1">
-              <a:shade val="50000"/>
-            </a:schemeClr>
-          </a:lnRef>
-          <a:fillRef idx="1">
-            <a:schemeClr val="accent1"/>
-          </a:fillRef>
-          <a:effectRef idx="0">
-            <a:schemeClr val="accent1"/>
-          </a:effectRef>
-          <a:fontRef idx="minor">
-            <a:schemeClr val="lt1"/>
-          </a:fontRef>
-        </p:style>
-        <p:txBody>
-          <a:bodyPr rtlCol="0" anchor="ctr"/>
-          <a:lstStyle/>
-          <a:p>
-            <a:pPr algn="ctr"/>
-            <a:r>
-              <a:rPr lang="en-US" sz="2000" dirty="0">
-                <a:solidFill>
-                  <a:schemeClr val="accent1"/>
-                </a:solidFill>
-              </a:rPr>
-              <a:t>Dataset</a:t>
-            </a:r>
-          </a:p>
-        </p:txBody>
-      </p:sp>
-      <p:cxnSp>
-        <p:nvCxnSpPr>
-          <p:cNvPr id="13" name="Straight Arrow Connector 12"/>
-          <p:cNvCxnSpPr/>
-          <p:nvPr/>
-        </p:nvCxnSpPr>
-        <p:spPr>
-          <a:xfrm>
-            <a:off x="1924754" y="3935456"/>
-            <a:ext cx="789441" cy="0"/>
-          </a:xfrm>
-          <a:prstGeom prst="straightConnector1">
-            <a:avLst/>
-          </a:prstGeom>
-          <a:ln w="57150">
-            <a:tailEnd type="triangle"/>
-          </a:ln>
-        </p:spPr>
-        <p:style>
-          <a:lnRef idx="1">
-            <a:schemeClr val="accent1"/>
-          </a:lnRef>
-          <a:fillRef idx="0">
-            <a:schemeClr val="accent1"/>
-          </a:fillRef>
-          <a:effectRef idx="0">
-            <a:schemeClr val="accent1"/>
-          </a:effectRef>
-          <a:fontRef idx="minor">
-            <a:schemeClr val="tx1"/>
-          </a:fontRef>
-        </p:style>
-      </p:cxnSp>
-      <p:cxnSp>
-        <p:nvCxnSpPr>
-          <p:cNvPr id="16" name="Straight Arrow Connector 15"/>
-          <p:cNvCxnSpPr/>
-          <p:nvPr/>
-        </p:nvCxnSpPr>
-        <p:spPr>
-          <a:xfrm>
-            <a:off x="1924754" y="4784459"/>
-            <a:ext cx="789441" cy="0"/>
-          </a:xfrm>
-          <a:prstGeom prst="straightConnector1">
-            <a:avLst/>
-          </a:prstGeom>
-          <a:ln w="57150">
-            <a:tailEnd type="triangle"/>
-          </a:ln>
-        </p:spPr>
-        <p:style>
-          <a:lnRef idx="1">
-            <a:schemeClr val="accent1"/>
-          </a:lnRef>
-          <a:fillRef idx="0">
-            <a:schemeClr val="accent1"/>
-          </a:fillRef>
-          <a:effectRef idx="0">
-            <a:schemeClr val="accent1"/>
-          </a:effectRef>
-          <a:fontRef idx="minor">
-            <a:schemeClr val="tx1"/>
-          </a:fontRef>
-        </p:style>
-      </p:cxnSp>
-      <p:cxnSp>
-        <p:nvCxnSpPr>
-          <p:cNvPr id="17" name="Straight Arrow Connector 16"/>
-          <p:cNvCxnSpPr/>
-          <p:nvPr/>
-        </p:nvCxnSpPr>
-        <p:spPr>
-          <a:xfrm>
-            <a:off x="1895667" y="5797784"/>
-            <a:ext cx="789441" cy="0"/>
-          </a:xfrm>
-          <a:prstGeom prst="straightConnector1">
-            <a:avLst/>
-          </a:prstGeom>
-          <a:ln w="57150">
-            <a:tailEnd type="triangle"/>
-          </a:ln>
-        </p:spPr>
-        <p:style>
-          <a:lnRef idx="1">
-            <a:schemeClr val="accent1"/>
-          </a:lnRef>
-          <a:fillRef idx="0">
-            <a:schemeClr val="accent1"/>
-          </a:fillRef>
-          <a:effectRef idx="0">
-            <a:schemeClr val="accent1"/>
-          </a:effectRef>
-          <a:fontRef idx="minor">
-            <a:schemeClr val="tx1"/>
-          </a:fontRef>
-        </p:style>
-      </p:cxnSp>
-      <p:cxnSp>
-        <p:nvCxnSpPr>
-          <p:cNvPr id="18" name="Straight Arrow Connector 17"/>
-          <p:cNvCxnSpPr/>
-          <p:nvPr/>
-        </p:nvCxnSpPr>
-        <p:spPr>
-          <a:xfrm>
-            <a:off x="4810240" y="4549977"/>
-            <a:ext cx="789441" cy="0"/>
-          </a:xfrm>
-          <a:prstGeom prst="straightConnector1">
-            <a:avLst/>
-          </a:prstGeom>
-          <a:ln w="57150">
-            <a:tailEnd type="triangle"/>
-          </a:ln>
-        </p:spPr>
-        <p:style>
-          <a:lnRef idx="1">
-            <a:schemeClr val="accent1"/>
-          </a:lnRef>
-          <a:fillRef idx="0">
-            <a:schemeClr val="accent1"/>
-          </a:fillRef>
-          <a:effectRef idx="0">
-            <a:schemeClr val="accent1"/>
-          </a:effectRef>
-          <a:fontRef idx="minor">
-            <a:schemeClr val="tx1"/>
-          </a:fontRef>
-        </p:style>
-      </p:cxnSp>
-      <p:cxnSp>
-        <p:nvCxnSpPr>
-          <p:cNvPr id="19" name="Straight Arrow Connector 18"/>
-          <p:cNvCxnSpPr/>
-          <p:nvPr/>
-        </p:nvCxnSpPr>
-        <p:spPr>
-          <a:xfrm>
-            <a:off x="4810240" y="4804174"/>
-            <a:ext cx="789441" cy="0"/>
-          </a:xfrm>
-          <a:prstGeom prst="straightConnector1">
-            <a:avLst/>
-          </a:prstGeom>
-          <a:ln w="57150">
-            <a:tailEnd type="triangle"/>
-          </a:ln>
-        </p:spPr>
-        <p:style>
-          <a:lnRef idx="1">
-            <a:schemeClr val="accent1"/>
-          </a:lnRef>
-          <a:fillRef idx="0">
-            <a:schemeClr val="accent1"/>
-          </a:fillRef>
-          <a:effectRef idx="0">
-            <a:schemeClr val="accent1"/>
-          </a:effectRef>
-          <a:fontRef idx="minor">
-            <a:schemeClr val="tx1"/>
-          </a:fontRef>
-        </p:style>
-      </p:cxnSp>
-      <p:cxnSp>
-        <p:nvCxnSpPr>
-          <p:cNvPr id="20" name="Straight Arrow Connector 19"/>
-          <p:cNvCxnSpPr/>
-          <p:nvPr/>
-        </p:nvCxnSpPr>
-        <p:spPr>
-          <a:xfrm>
-            <a:off x="4810240" y="5019479"/>
-            <a:ext cx="789441" cy="0"/>
-          </a:xfrm>
-          <a:prstGeom prst="straightConnector1">
-            <a:avLst/>
-          </a:prstGeom>
-          <a:ln w="57150">
-            <a:tailEnd type="triangle"/>
-          </a:ln>
-        </p:spPr>
-        <p:style>
-          <a:lnRef idx="1">
-            <a:schemeClr val="accent1"/>
-          </a:lnRef>
-          <a:fillRef idx="0">
-            <a:schemeClr val="accent1"/>
-          </a:fillRef>
-          <a:effectRef idx="0">
-            <a:schemeClr val="accent1"/>
-          </a:effectRef>
-          <a:fontRef idx="minor">
-            <a:schemeClr val="tx1"/>
-          </a:fontRef>
-        </p:style>
-      </p:cxnSp>
-      <p:cxnSp>
-        <p:nvCxnSpPr>
-          <p:cNvPr id="21" name="Straight Arrow Connector 20"/>
-          <p:cNvCxnSpPr/>
-          <p:nvPr/>
-        </p:nvCxnSpPr>
-        <p:spPr>
-          <a:xfrm>
-            <a:off x="4810240" y="5234783"/>
-            <a:ext cx="789441" cy="0"/>
-          </a:xfrm>
-          <a:prstGeom prst="straightConnector1">
-            <a:avLst/>
-          </a:prstGeom>
-          <a:ln w="57150">
-            <a:tailEnd type="triangle"/>
-          </a:ln>
-        </p:spPr>
-        <p:style>
-          <a:lnRef idx="1">
-            <a:schemeClr val="accent1"/>
-          </a:lnRef>
-          <a:fillRef idx="0">
-            <a:schemeClr val="accent1"/>
-          </a:fillRef>
-          <a:effectRef idx="0">
-            <a:schemeClr val="accent1"/>
-          </a:effectRef>
-          <a:fontRef idx="minor">
-            <a:schemeClr val="tx1"/>
-          </a:fontRef>
-        </p:style>
-      </p:cxnSp>
-      <p:sp>
-        <p:nvSpPr>
-          <p:cNvPr id="11" name="Rectangle 10"/>
-          <p:cNvSpPr/>
-          <p:nvPr/>
-        </p:nvSpPr>
-        <p:spPr>
-          <a:xfrm>
-            <a:off x="2785030" y="3520483"/>
-            <a:ext cx="2017714" cy="2575517"/>
-          </a:xfrm>
-          <a:prstGeom prst="rect">
-            <a:avLst/>
-          </a:prstGeom>
-          <a:solidFill>
-            <a:schemeClr val="accent4">
-              <a:lumMod val="20000"/>
-              <a:lumOff val="80000"/>
-            </a:schemeClr>
-          </a:solidFill>
-          <a:ln w="28575">
-            <a:solidFill>
-              <a:schemeClr val="tx1"/>
-            </a:solidFill>
-          </a:ln>
-        </p:spPr>
-        <p:style>
-          <a:lnRef idx="2">
-            <a:schemeClr val="accent1">
-              <a:shade val="50000"/>
-            </a:schemeClr>
-          </a:lnRef>
-          <a:fillRef idx="1">
-            <a:schemeClr val="accent1"/>
-          </a:fillRef>
-          <a:effectRef idx="0">
-            <a:schemeClr val="accent1"/>
-          </a:effectRef>
-          <a:fontRef idx="minor">
-            <a:schemeClr val="lt1"/>
-          </a:fontRef>
-        </p:style>
-        <p:txBody>
-          <a:bodyPr rtlCol="0" anchor="ctr"/>
-          <a:lstStyle/>
-          <a:p>
-            <a:pPr algn="ctr"/>
-            <a:r>
-              <a:rPr lang="en-US" b="1" dirty="0">
-                <a:solidFill>
-                  <a:schemeClr val="accent1"/>
-                </a:solidFill>
-              </a:rPr>
-              <a:t>Power Query </a:t>
-            </a:r>
-          </a:p>
-          <a:p>
-            <a:pPr algn="ctr"/>
-            <a:r>
-              <a:rPr lang="en-US" b="1" dirty="0">
-                <a:solidFill>
-                  <a:schemeClr val="accent1"/>
-                </a:solidFill>
-              </a:rPr>
-              <a:t>Mashup Engine</a:t>
-            </a:r>
-          </a:p>
-        </p:txBody>
-      </p:sp>
-      <p:sp>
-        <p:nvSpPr>
-          <p:cNvPr id="4" name="Rounded Rectangle 3"/>
-          <p:cNvSpPr/>
-          <p:nvPr/>
-        </p:nvSpPr>
-        <p:spPr>
-          <a:xfrm>
-            <a:off x="457200" y="5347166"/>
-            <a:ext cx="1494135" cy="901234"/>
-          </a:xfrm>
-          <a:prstGeom prst="roundRect">
-            <a:avLst/>
-          </a:prstGeom>
-          <a:solidFill>
-            <a:schemeClr val="accent5">
-              <a:lumMod val="20000"/>
-              <a:lumOff val="80000"/>
-            </a:schemeClr>
-          </a:solidFill>
-          <a:ln w="12700">
-            <a:solidFill>
-              <a:schemeClr val="tx1">
-                <a:lumMod val="65000"/>
-                <a:lumOff val="35000"/>
+              <a:schemeClr val="accent5">
+                <a:lumMod val="20000"/>
+                <a:lumOff val="80000"/>
               </a:schemeClr>
             </a:solidFill>
-          </a:ln>
-        </p:spPr>
-        <p:style>
-          <a:lnRef idx="2">
-            <a:schemeClr val="accent1">
-              <a:shade val="50000"/>
-            </a:schemeClr>
-          </a:lnRef>
-          <a:fillRef idx="1">
-            <a:schemeClr val="accent1"/>
-          </a:fillRef>
-          <a:effectRef idx="0">
-            <a:schemeClr val="accent1"/>
-          </a:effectRef>
-          <a:fontRef idx="minor">
-            <a:schemeClr val="lt1"/>
-          </a:fontRef>
-        </p:style>
-        <p:txBody>
-          <a:bodyPr rtlCol="0" anchor="ctr"/>
-          <a:lstStyle/>
-          <a:p>
-            <a:pPr algn="ctr"/>
-            <a:r>
-              <a:rPr lang="en-US" sz="1600" b="1" dirty="0">
-                <a:solidFill>
-                  <a:schemeClr val="tx1"/>
-                </a:solidFill>
-              </a:rPr>
-              <a:t>OLTP</a:t>
-            </a:r>
-          </a:p>
-          <a:p>
-            <a:pPr algn="ctr"/>
-            <a:r>
-              <a:rPr lang="en-US" sz="1600" b="1" dirty="0">
-                <a:solidFill>
-                  <a:schemeClr val="tx1"/>
-                </a:solidFill>
-              </a:rPr>
-              <a:t>Database</a:t>
-            </a:r>
-          </a:p>
-        </p:txBody>
-      </p:sp>
-      <p:sp>
-        <p:nvSpPr>
-          <p:cNvPr id="5" name="Rounded Rectangle 4"/>
-          <p:cNvSpPr/>
-          <p:nvPr/>
-        </p:nvSpPr>
-        <p:spPr>
-          <a:xfrm>
-            <a:off x="475944" y="4458494"/>
-            <a:ext cx="1494135" cy="708113"/>
-          </a:xfrm>
-          <a:prstGeom prst="roundRect">
-            <a:avLst/>
-          </a:prstGeom>
-          <a:solidFill>
-            <a:schemeClr val="accent3">
-              <a:lumMod val="20000"/>
-              <a:lumOff val="80000"/>
-            </a:schemeClr>
-          </a:solidFill>
-          <a:ln w="12700">
+            <a:ln w="3175">
+              <a:solidFill>
+                <a:schemeClr val="tx1">
+                  <a:lumMod val="65000"/>
+                  <a:lumOff val="35000"/>
+                </a:schemeClr>
+              </a:solidFill>
+            </a:ln>
+          </p:spPr>
+          <p:style>
+            <a:lnRef idx="2">
+              <a:schemeClr val="accent1">
+                <a:shade val="50000"/>
+              </a:schemeClr>
+            </a:lnRef>
+            <a:fillRef idx="1">
+              <a:schemeClr val="accent1"/>
+            </a:fillRef>
+            <a:effectRef idx="0">
+              <a:schemeClr val="accent1"/>
+            </a:effectRef>
+            <a:fontRef idx="minor">
+              <a:schemeClr val="lt1"/>
+            </a:fontRef>
+          </p:style>
+          <p:txBody>
+            <a:bodyPr tIns="91440" rtlCol="0" anchor="t" anchorCtr="0"/>
+            <a:lstStyle/>
+            <a:p>
+              <a:pPr algn="ctr"/>
+              <a:r>
+                <a:rPr lang="en-US" sz="1100" b="1" dirty="0">
+                  <a:solidFill>
+                    <a:schemeClr val="tx1"/>
+                  </a:solidFill>
+                </a:rPr>
+                <a:t>Power BI Desktop Project (PBIX)</a:t>
+              </a:r>
+            </a:p>
+          </p:txBody>
+        </p:sp>
+        <p:sp>
+          <p:nvSpPr>
+            <p:cNvPr id="9" name="Rounded Rectangle 7">
+              <a:extLst>
+                <a:ext uri="{FF2B5EF4-FFF2-40B4-BE49-F238E27FC236}">
+                  <a16:creationId xmlns:a16="http://schemas.microsoft.com/office/drawing/2014/main" id="{609F0A88-B6D3-4EF2-B5D3-F83D90691314}"/>
+                </a:ext>
+              </a:extLst>
+            </p:cNvPr>
+            <p:cNvSpPr/>
+            <p:nvPr/>
+          </p:nvSpPr>
+          <p:spPr>
+            <a:xfrm>
+              <a:off x="5537063" y="5638800"/>
+              <a:ext cx="1930537" cy="941976"/>
+            </a:xfrm>
+            <a:prstGeom prst="roundRect">
+              <a:avLst/>
+            </a:prstGeom>
             <a:solidFill>
-              <a:schemeClr val="tx1">
-                <a:lumMod val="65000"/>
-                <a:lumOff val="35000"/>
+              <a:schemeClr val="accent4">
+                <a:lumMod val="20000"/>
+                <a:lumOff val="80000"/>
               </a:schemeClr>
             </a:solidFill>
-          </a:ln>
-        </p:spPr>
-        <p:style>
-          <a:lnRef idx="2">
-            <a:schemeClr val="accent1">
-              <a:shade val="50000"/>
-            </a:schemeClr>
-          </a:lnRef>
-          <a:fillRef idx="1">
-            <a:schemeClr val="accent1"/>
-          </a:fillRef>
-          <a:effectRef idx="0">
-            <a:schemeClr val="accent1"/>
-          </a:effectRef>
-          <a:fontRef idx="minor">
-            <a:schemeClr val="lt1"/>
-          </a:fontRef>
-        </p:style>
-        <p:txBody>
-          <a:bodyPr rtlCol="0" anchor="ctr"/>
-          <a:lstStyle/>
-          <a:p>
-            <a:pPr algn="ctr"/>
-            <a:r>
-              <a:rPr lang="en-US" sz="1600" b="1" dirty="0">
-                <a:solidFill>
-                  <a:schemeClr val="tx1"/>
-                </a:solidFill>
-              </a:rPr>
-              <a:t>Excel</a:t>
-            </a:r>
-          </a:p>
-          <a:p>
-            <a:pPr algn="ctr"/>
-            <a:r>
-              <a:rPr lang="en-US" sz="1600" b="1" dirty="0">
-                <a:solidFill>
-                  <a:schemeClr val="tx1"/>
-                </a:solidFill>
-              </a:rPr>
-              <a:t>Workbook</a:t>
-            </a:r>
-          </a:p>
-        </p:txBody>
-      </p:sp>
-      <p:sp>
-        <p:nvSpPr>
-          <p:cNvPr id="9" name="Rounded Rectangle 8"/>
-          <p:cNvSpPr/>
-          <p:nvPr/>
-        </p:nvSpPr>
-        <p:spPr>
-          <a:xfrm>
-            <a:off x="475944" y="3581400"/>
-            <a:ext cx="1494135" cy="708113"/>
-          </a:xfrm>
-          <a:prstGeom prst="roundRect">
-            <a:avLst/>
-          </a:prstGeom>
-          <a:solidFill>
-            <a:schemeClr val="accent4">
-              <a:lumMod val="40000"/>
-              <a:lumOff val="60000"/>
-            </a:schemeClr>
-          </a:solidFill>
-          <a:ln w="12700">
-            <a:solidFill>
-              <a:schemeClr val="tx1">
-                <a:lumMod val="65000"/>
-                <a:lumOff val="35000"/>
+            <a:ln w="28575">
+              <a:solidFill>
+                <a:schemeClr val="tx1"/>
+              </a:solidFill>
+            </a:ln>
+          </p:spPr>
+          <p:style>
+            <a:lnRef idx="2">
+              <a:schemeClr val="accent1">
+                <a:shade val="50000"/>
               </a:schemeClr>
-            </a:solidFill>
-          </a:ln>
-        </p:spPr>
-        <p:style>
-          <a:lnRef idx="2">
-            <a:schemeClr val="accent1">
-              <a:shade val="50000"/>
-            </a:schemeClr>
-          </a:lnRef>
-          <a:fillRef idx="1">
-            <a:schemeClr val="accent1"/>
-          </a:fillRef>
-          <a:effectRef idx="0">
-            <a:schemeClr val="accent1"/>
-          </a:effectRef>
-          <a:fontRef idx="minor">
-            <a:schemeClr val="lt1"/>
-          </a:fontRef>
-        </p:style>
-        <p:txBody>
-          <a:bodyPr rtlCol="0" anchor="ctr"/>
-          <a:lstStyle/>
-          <a:p>
-            <a:pPr algn="ctr"/>
-            <a:r>
-              <a:rPr lang="en-US" sz="1600" b="1" dirty="0">
-                <a:solidFill>
-                  <a:schemeClr val="tx1"/>
-                </a:solidFill>
-              </a:rPr>
-              <a:t>CSV</a:t>
-            </a:r>
-          </a:p>
-          <a:p>
-            <a:pPr algn="ctr"/>
-            <a:r>
-              <a:rPr lang="en-US" sz="1600" b="1" dirty="0">
-                <a:solidFill>
-                  <a:schemeClr val="tx1"/>
-                </a:solidFill>
-              </a:rPr>
-              <a:t>File</a:t>
-            </a:r>
-          </a:p>
-        </p:txBody>
-      </p:sp>
+            </a:lnRef>
+            <a:fillRef idx="1">
+              <a:schemeClr val="accent1"/>
+            </a:fillRef>
+            <a:effectRef idx="0">
+              <a:schemeClr val="accent1"/>
+            </a:effectRef>
+            <a:fontRef idx="minor">
+              <a:schemeClr val="lt1"/>
+            </a:fontRef>
+          </p:style>
+          <p:txBody>
+            <a:bodyPr rtlCol="0" anchor="ctr"/>
+            <a:lstStyle/>
+            <a:p>
+              <a:pPr algn="ctr"/>
+              <a:r>
+                <a:rPr lang="en-US" sz="1400" dirty="0">
+                  <a:solidFill>
+                    <a:schemeClr val="accent1"/>
+                  </a:solidFill>
+                </a:rPr>
+                <a:t>Dataset</a:t>
+              </a:r>
+            </a:p>
+            <a:p>
+              <a:pPr algn="ctr"/>
+              <a:r>
+                <a:rPr lang="en-US" sz="1200" dirty="0">
+                  <a:solidFill>
+                    <a:schemeClr val="accent1"/>
+                  </a:solidFill>
+                </a:rPr>
+                <a:t>All active players from all 32 NFL teams</a:t>
+              </a:r>
+            </a:p>
+          </p:txBody>
+        </p:sp>
+        <p:sp>
+          <p:nvSpPr>
+            <p:cNvPr id="10" name="Arrow: Down 9">
+              <a:extLst>
+                <a:ext uri="{FF2B5EF4-FFF2-40B4-BE49-F238E27FC236}">
+                  <a16:creationId xmlns:a16="http://schemas.microsoft.com/office/drawing/2014/main" id="{CFB2DA83-06D5-496F-9DC9-DA1903B991BA}"/>
+                </a:ext>
+              </a:extLst>
+            </p:cNvPr>
+            <p:cNvSpPr/>
+            <p:nvPr/>
+          </p:nvSpPr>
+          <p:spPr>
+            <a:xfrm>
+              <a:off x="6172200" y="4828175"/>
+              <a:ext cx="533400" cy="381000"/>
+            </a:xfrm>
+            <a:prstGeom prst="downArrow">
+              <a:avLst/>
+            </a:prstGeom>
+          </p:spPr>
+          <p:style>
+            <a:lnRef idx="2">
+              <a:schemeClr val="accent1">
+                <a:shade val="50000"/>
+              </a:schemeClr>
+            </a:lnRef>
+            <a:fillRef idx="1">
+              <a:schemeClr val="accent1"/>
+            </a:fillRef>
+            <a:effectRef idx="0">
+              <a:schemeClr val="accent1"/>
+            </a:effectRef>
+            <a:fontRef idx="minor">
+              <a:schemeClr val="lt1"/>
+            </a:fontRef>
+          </p:style>
+          <p:txBody>
+            <a:bodyPr rtlCol="0" anchor="ctr"/>
+            <a:lstStyle/>
+            <a:p>
+              <a:pPr algn="ctr"/>
+              <a:endParaRPr lang="en-US"/>
+            </a:p>
+          </p:txBody>
+        </p:sp>
+      </p:grpSp>
     </p:spTree>
     <p:extLst>
       <p:ext uri="{BB962C8B-B14F-4D97-AF65-F5344CB8AC3E}">
-        <p14:creationId xmlns:p14="http://schemas.microsoft.com/office/powerpoint/2010/main" val="2062563613"/>
+        <p14:creationId xmlns:p14="http://schemas.microsoft.com/office/powerpoint/2010/main" val="2446040021"/>
       </p:ext>
     </p:extLst>
   </p:cSld>
   <p:clrMapOvr>
     <a:masterClrMapping/>
   </p:clrMapOvr>
+  <p:timing>
+    <p:tnLst>
+      <p:par>
+        <p:cTn id="1" dur="indefinite" restart="never" nodeType="tmRoot">
+          <p:childTnLst>
+            <p:seq concurrent="1" nextAc="seek">
+              <p:cTn id="2" dur="indefinite" nodeType="mainSeq">
+                <p:childTnLst>
+                  <p:par>
+                    <p:cTn id="3" fill="hold">
+                      <p:stCondLst>
+                        <p:cond delay="indefinite"/>
+                      </p:stCondLst>
+                      <p:childTnLst>
+                        <p:par>
+                          <p:cTn id="4" fill="hold">
+                            <p:stCondLst>
+                              <p:cond delay="0"/>
+                            </p:stCondLst>
+                            <p:childTnLst>
+                              <p:par>
+                                <p:cTn id="5" presetID="1" presetClass="entr" presetSubtype="0" fill="hold" nodeType="clickEffect">
+                                  <p:stCondLst>
+                                    <p:cond delay="0"/>
+                                  </p:stCondLst>
+                                  <p:childTnLst>
+                                    <p:set>
+                                      <p:cBhvr>
+                                        <p:cTn id="6" dur="1" fill="hold">
+                                          <p:stCondLst>
+                                            <p:cond delay="0"/>
+                                          </p:stCondLst>
+                                        </p:cTn>
+                                        <p:tgtEl>
+                                          <p:spTgt spid="7"/>
+                                        </p:tgtEl>
+                                        <p:attrNameLst>
+                                          <p:attrName>style.visibility</p:attrName>
+                                        </p:attrNameLst>
+                                      </p:cBhvr>
+                                      <p:to>
+                                        <p:strVal val="visible"/>
+                                      </p:to>
+                                    </p:set>
+                                  </p:childTnLst>
+                                </p:cTn>
+                              </p:par>
+                            </p:childTnLst>
+                          </p:cTn>
+                        </p:par>
+                      </p:childTnLst>
+                    </p:cTn>
+                  </p:par>
+                  <p:par>
+                    <p:cTn id="7" fill="hold">
+                      <p:stCondLst>
+                        <p:cond delay="indefinite"/>
+                      </p:stCondLst>
+                      <p:childTnLst>
+                        <p:par>
+                          <p:cTn id="8" fill="hold">
+                            <p:stCondLst>
+                              <p:cond delay="0"/>
+                            </p:stCondLst>
+                            <p:childTnLst>
+                              <p:par>
+                                <p:cTn id="9" presetID="1" presetClass="entr" presetSubtype="0" fill="hold" nodeType="clickEffect">
+                                  <p:stCondLst>
+                                    <p:cond delay="0"/>
+                                  </p:stCondLst>
+                                  <p:childTnLst>
+                                    <p:set>
+                                      <p:cBhvr>
+                                        <p:cTn id="10" dur="1" fill="hold">
+                                          <p:stCondLst>
+                                            <p:cond delay="0"/>
+                                          </p:stCondLst>
+                                        </p:cTn>
+                                        <p:tgtEl>
+                                          <p:spTgt spid="12"/>
+                                        </p:tgtEl>
+                                        <p:attrNameLst>
+                                          <p:attrName>style.visibility</p:attrName>
+                                        </p:attrNameLst>
+                                      </p:cBhvr>
+                                      <p:to>
+                                        <p:strVal val="visible"/>
+                                      </p:to>
+                                    </p:set>
+                                  </p:childTnLst>
+                                </p:cTn>
+                              </p:par>
+                            </p:childTnLst>
+                          </p:cTn>
+                        </p:par>
+                      </p:childTnLst>
+                    </p:cTn>
+                  </p:par>
+                </p:childTnLst>
+              </p:cTn>
+              <p:prevCondLst>
+                <p:cond evt="onPrev" delay="0">
+                  <p:tgtEl>
+                    <p:sldTgt/>
+                  </p:tgtEl>
+                </p:cond>
+              </p:prevCondLst>
+              <p:nextCondLst>
+                <p:cond evt="onNext" delay="0">
+                  <p:tgtEl>
+                    <p:sldTgt/>
+                  </p:tgtEl>
+                </p:cond>
+              </p:nextCondLst>
+            </p:seq>
+          </p:childTnLst>
+        </p:cTn>
+      </p:par>
+    </p:tnLst>
+  </p:timing>
 </p:sld>
 </file>
 
-<file path=ppt/slides/slide40.xml><?xml version="1.0" encoding="utf-8"?>
+<file path=ppt/slides/slide42.xml><?xml version="1.0" encoding="utf-8"?>
 <p:sld xmlns:a="http://schemas.openxmlformats.org/drawingml/2006/main" xmlns:r="http://schemas.openxmlformats.org/officeDocument/2006/relationships" xmlns:p="http://schemas.openxmlformats.org/presentationml/2006/main">
   <p:cSld>
     <p:spTree>
@@ -16646,59 +17412,39 @@
           <a:bodyPr/>
           <a:lstStyle/>
           <a:p>
-            <a:pPr>
-              <a:buFont typeface="Wingdings" panose="05000000000000000000" pitchFamily="2" charset="2"/>
-              <a:buChar char="ü"/>
-            </a:pPr>
+            <a:r>
+              <a:rPr lang="en-US" dirty="0"/>
+              <a:t>Power Query Party Tricks</a:t>
+            </a:r>
+          </a:p>
+          <a:p>
             <a:r>
               <a:rPr lang="en-US" dirty="0"/>
               <a:t>Power Query Mashup Engine</a:t>
             </a:r>
           </a:p>
           <a:p>
-            <a:pPr>
-              <a:buFont typeface="Wingdings" panose="05000000000000000000" pitchFamily="2" charset="2"/>
-              <a:buChar char="ü"/>
-            </a:pPr>
             <a:r>
               <a:rPr lang="en-US" dirty="0"/>
               <a:t>M Programming Fundamentals</a:t>
             </a:r>
           </a:p>
           <a:p>
-            <a:pPr>
-              <a:buFont typeface="Wingdings" panose="05000000000000000000" pitchFamily="2" charset="2"/>
-              <a:buChar char="ü"/>
-            </a:pPr>
             <a:r>
               <a:rPr lang="en-US" dirty="0"/>
-              <a:t>M Function Library</a:t>
-            </a:r>
-          </a:p>
-          <a:p>
-            <a:pPr>
-              <a:buFont typeface="Wingdings" panose="05000000000000000000" pitchFamily="2" charset="2"/>
-              <a:buChar char="ü"/>
-            </a:pPr>
+              <a:t>OData Connector vs Web Connector</a:t>
+            </a:r>
+          </a:p>
+          <a:p>
             <a:r>
               <a:rPr lang="en-US" dirty="0"/>
               <a:t>Query Functions</a:t>
             </a:r>
           </a:p>
           <a:p>
-            <a:pPr>
-              <a:buFont typeface="Wingdings" panose="05000000000000000000" pitchFamily="2" charset="2"/>
-              <a:buChar char="Ø"/>
-            </a:pPr>
             <a:r>
               <a:rPr lang="en-US" dirty="0"/>
               <a:t>Query Parameters</a:t>
-            </a:r>
-          </a:p>
-          <a:p>
-            <a:r>
-              <a:rPr lang="en-US" dirty="0"/>
-              <a:t>Custom Data Connectors</a:t>
             </a:r>
           </a:p>
         </p:txBody>
@@ -16706,7 +17452,7 @@
     </p:spTree>
     <p:extLst>
       <p:ext uri="{BB962C8B-B14F-4D97-AF65-F5344CB8AC3E}">
-        <p14:creationId xmlns:p14="http://schemas.microsoft.com/office/powerpoint/2010/main" val="1045908527"/>
+        <p14:creationId xmlns:p14="http://schemas.microsoft.com/office/powerpoint/2010/main" val="1102047680"/>
       </p:ext>
     </p:extLst>
   </p:cSld>
@@ -16716,7 +17462,7 @@
 </p:sld>
 </file>
 
-<file path=ppt/slides/slide41.xml><?xml version="1.0" encoding="utf-8"?>
+<file path=ppt/slides/slide43.xml><?xml version="1.0" encoding="utf-8"?>
 <p:sld xmlns:a="http://schemas.openxmlformats.org/drawingml/2006/main" xmlns:r="http://schemas.openxmlformats.org/officeDocument/2006/relationships" xmlns:p="http://schemas.openxmlformats.org/presentationml/2006/main">
   <p:cSld>
     <p:spTree>
@@ -16843,7 +17589,7 @@
 </p:sld>
 </file>
 
-<file path=ppt/slides/slide42.xml><?xml version="1.0" encoding="utf-8"?>
+<file path=ppt/slides/slide44.xml><?xml version="1.0" encoding="utf-8"?>
 <p:sld xmlns:a="http://schemas.openxmlformats.org/drawingml/2006/main" xmlns:r="http://schemas.openxmlformats.org/officeDocument/2006/relationships" xmlns:p="http://schemas.openxmlformats.org/presentationml/2006/main">
   <p:cSld>
     <p:spTree>
@@ -17049,7 +17795,7 @@
 </p:sld>
 </file>
 
-<file path=ppt/slides/slide43.xml><?xml version="1.0" encoding="utf-8"?>
+<file path=ppt/slides/slide45.xml><?xml version="1.0" encoding="utf-8"?>
 <p:sld xmlns:a="http://schemas.openxmlformats.org/drawingml/2006/main" xmlns:r="http://schemas.openxmlformats.org/officeDocument/2006/relationships" xmlns:p="http://schemas.openxmlformats.org/presentationml/2006/main">
   <p:cSld>
     <p:spTree>
@@ -17267,7 +18013,7 @@
 </p:sld>
 </file>
 
-<file path=ppt/slides/slide44.xml><?xml version="1.0" encoding="utf-8"?>
+<file path=ppt/slides/slide46.xml><?xml version="1.0" encoding="utf-8"?>
 <p:sld xmlns:a="http://schemas.openxmlformats.org/drawingml/2006/main" xmlns:r="http://schemas.openxmlformats.org/officeDocument/2006/relationships" xmlns:p="http://schemas.openxmlformats.org/presentationml/2006/main">
   <p:cSld>
     <p:spTree>
@@ -17585,7 +18331,7 @@
 </p:sld>
 </file>
 
-<file path=ppt/slides/slide45.xml><?xml version="1.0" encoding="utf-8"?>
+<file path=ppt/slides/slide47.xml><?xml version="1.0" encoding="utf-8"?>
 <p:sld xmlns:a="http://schemas.openxmlformats.org/drawingml/2006/main" xmlns:r="http://schemas.openxmlformats.org/officeDocument/2006/relationships" xmlns:p="http://schemas.openxmlformats.org/presentationml/2006/main">
   <p:cSld>
     <p:spTree>
@@ -17706,7 +18452,7 @@
 </p:sld>
 </file>
 
-<file path=ppt/slides/slide46.xml><?xml version="1.0" encoding="utf-8"?>
+<file path=ppt/slides/slide48.xml><?xml version="1.0" encoding="utf-8"?>
 <p:sld xmlns:a="http://schemas.openxmlformats.org/drawingml/2006/main" xmlns:r="http://schemas.openxmlformats.org/officeDocument/2006/relationships" xmlns:p="http://schemas.openxmlformats.org/presentationml/2006/main">
   <p:cSld>
     <p:spTree>
@@ -18109,7 +18855,7 @@
 </p:sld>
 </file>
 
-<file path=ppt/slides/slide47.xml><?xml version="1.0" encoding="utf-8"?>
+<file path=ppt/slides/slide49.xml><?xml version="1.0" encoding="utf-8"?>
 <p:sld xmlns:a="http://schemas.openxmlformats.org/drawingml/2006/main" xmlns:r="http://schemas.openxmlformats.org/officeDocument/2006/relationships" xmlns:p="http://schemas.openxmlformats.org/presentationml/2006/main">
   <p:cSld>
     <p:spTree>
@@ -18148,9 +18894,10 @@
           <a:lstStyle/>
           <a:p>
             <a:r>
-              <a:rPr lang="en-US" dirty="0"/>
+              <a:rPr lang="en-US"/>
               <a:t>Summary</a:t>
             </a:r>
+            <a:endParaRPr lang="en-US" dirty="0"/>
           </a:p>
         </p:txBody>
       </p:sp>
@@ -18175,50 +18922,36 @@
           <a:bodyPr/>
           <a:lstStyle/>
           <a:p>
-            <a:pPr>
-              <a:buFont typeface="Wingdings" panose="05000000000000000000" pitchFamily="2" charset="2"/>
-              <a:buChar char="ü"/>
-            </a:pPr>
+            <a:r>
+              <a:rPr lang="en-US" dirty="0"/>
+              <a:t>Power Query Party Tricks</a:t>
+            </a:r>
+          </a:p>
+          <a:p>
             <a:r>
               <a:rPr lang="en-US" dirty="0"/>
               <a:t>Power Query Mashup Engine</a:t>
             </a:r>
           </a:p>
           <a:p>
-            <a:pPr>
-              <a:buFont typeface="Wingdings" panose="05000000000000000000" pitchFamily="2" charset="2"/>
-              <a:buChar char="ü"/>
-            </a:pPr>
             <a:r>
               <a:rPr lang="en-US" dirty="0"/>
               <a:t>M Programming Fundamentals</a:t>
             </a:r>
           </a:p>
           <a:p>
-            <a:pPr>
-              <a:buFont typeface="Wingdings" panose="05000000000000000000" pitchFamily="2" charset="2"/>
-              <a:buChar char="ü"/>
-            </a:pPr>
             <a:r>
               <a:rPr lang="en-US" dirty="0"/>
-              <a:t>M Function Library</a:t>
-            </a:r>
-          </a:p>
-          <a:p>
-            <a:pPr>
-              <a:buFont typeface="Wingdings" panose="05000000000000000000" pitchFamily="2" charset="2"/>
-              <a:buChar char="ü"/>
-            </a:pPr>
+              <a:t>OData Connector vs Web Connector</a:t>
+            </a:r>
+          </a:p>
+          <a:p>
             <a:r>
               <a:rPr lang="en-US" dirty="0"/>
               <a:t>Query Functions</a:t>
             </a:r>
           </a:p>
           <a:p>
-            <a:pPr>
-              <a:buFont typeface="Wingdings" panose="05000000000000000000" pitchFamily="2" charset="2"/>
-              <a:buChar char="ü"/>
-            </a:pPr>
             <a:r>
               <a:rPr lang="en-US" dirty="0"/>
               <a:t>Query Parameters</a:t>
@@ -18229,7 +18962,7 @@
     </p:spTree>
     <p:extLst>
       <p:ext uri="{BB962C8B-B14F-4D97-AF65-F5344CB8AC3E}">
-        <p14:creationId xmlns:p14="http://schemas.microsoft.com/office/powerpoint/2010/main" val="32944832"/>
+        <p14:creationId xmlns:p14="http://schemas.microsoft.com/office/powerpoint/2010/main" val="2185802698"/>
       </p:ext>
     </p:extLst>
   </p:cSld>
@@ -18240,6 +18973,464 @@
 </file>
 
 <file path=ppt/slides/slide5.xml><?xml version="1.0" encoding="utf-8"?>
+<p:sld xmlns:a="http://schemas.openxmlformats.org/drawingml/2006/main" xmlns:r="http://schemas.openxmlformats.org/officeDocument/2006/relationships" xmlns:p="http://schemas.openxmlformats.org/presentationml/2006/main">
+  <p:cSld>
+    <p:spTree>
+      <p:nvGrpSpPr>
+        <p:cNvPr id="1" name=""/>
+        <p:cNvGrpSpPr/>
+        <p:nvPr/>
+      </p:nvGrpSpPr>
+      <p:grpSpPr>
+        <a:xfrm>
+          <a:off x="0" y="0"/>
+          <a:ext cx="0" cy="0"/>
+          <a:chOff x="0" y="0"/>
+          <a:chExt cx="0" cy="0"/>
+        </a:xfrm>
+      </p:grpSpPr>
+      <p:sp>
+        <p:nvSpPr>
+          <p:cNvPr id="2" name="Title 1">
+            <a:extLst>
+              <a:ext uri="{FF2B5EF4-FFF2-40B4-BE49-F238E27FC236}">
+                <a16:creationId xmlns:a16="http://schemas.microsoft.com/office/drawing/2014/main" id="{0A15B197-33ED-4B8F-81E5-019439187188}"/>
+              </a:ext>
+            </a:extLst>
+          </p:cNvPr>
+          <p:cNvSpPr>
+            <a:spLocks noGrp="1"/>
+          </p:cNvSpPr>
+          <p:nvPr>
+            <p:ph type="title"/>
+          </p:nvPr>
+        </p:nvSpPr>
+        <p:spPr/>
+        <p:txBody>
+          <a:bodyPr/>
+          <a:lstStyle/>
+          <a:p>
+            <a:r>
+              <a:rPr lang="en-US" dirty="0"/>
+              <a:t>Self-Join</a:t>
+            </a:r>
+          </a:p>
+        </p:txBody>
+      </p:sp>
+      <p:sp>
+        <p:nvSpPr>
+          <p:cNvPr id="4" name="Content Placeholder 3">
+            <a:extLst>
+              <a:ext uri="{FF2B5EF4-FFF2-40B4-BE49-F238E27FC236}">
+                <a16:creationId xmlns:a16="http://schemas.microsoft.com/office/drawing/2014/main" id="{6460CF0A-3468-4223-A1D8-DC69DF945832}"/>
+              </a:ext>
+            </a:extLst>
+          </p:cNvPr>
+          <p:cNvSpPr>
+            <a:spLocks noGrp="1"/>
+          </p:cNvSpPr>
+          <p:nvPr>
+            <p:ph idx="1"/>
+          </p:nvPr>
+        </p:nvSpPr>
+        <p:spPr/>
+        <p:txBody>
+          <a:bodyPr/>
+          <a:lstStyle/>
+          <a:p>
+            <a:r>
+              <a:rPr lang="en-US" dirty="0"/>
+              <a:t>Merge columns from a table to itself</a:t>
+            </a:r>
+          </a:p>
+        </p:txBody>
+      </p:sp>
+      <p:pic>
+        <p:nvPicPr>
+          <p:cNvPr id="3" name="Picture 2">
+            <a:extLst>
+              <a:ext uri="{FF2B5EF4-FFF2-40B4-BE49-F238E27FC236}">
+                <a16:creationId xmlns:a16="http://schemas.microsoft.com/office/drawing/2014/main" id="{4737A58B-56C2-4E54-A859-5AEF8181F4EC}"/>
+              </a:ext>
+            </a:extLst>
+          </p:cNvPr>
+          <p:cNvPicPr>
+            <a:picLocks noChangeAspect="1"/>
+          </p:cNvPicPr>
+          <p:nvPr/>
+        </p:nvPicPr>
+        <p:blipFill>
+          <a:blip r:embed="rId2"/>
+          <a:stretch>
+            <a:fillRect/>
+          </a:stretch>
+        </p:blipFill>
+        <p:spPr>
+          <a:xfrm>
+            <a:off x="914400" y="2057400"/>
+            <a:ext cx="4724400" cy="4411597"/>
+          </a:xfrm>
+          <a:prstGeom prst="rect">
+            <a:avLst/>
+          </a:prstGeom>
+          <a:ln>
+            <a:solidFill>
+              <a:schemeClr val="tx1">
+                <a:lumMod val="75000"/>
+                <a:lumOff val="25000"/>
+              </a:schemeClr>
+            </a:solidFill>
+          </a:ln>
+        </p:spPr>
+      </p:pic>
+    </p:spTree>
+    <p:extLst>
+      <p:ext uri="{BB962C8B-B14F-4D97-AF65-F5344CB8AC3E}">
+        <p14:creationId xmlns:p14="http://schemas.microsoft.com/office/powerpoint/2010/main" val="1333098207"/>
+      </p:ext>
+    </p:extLst>
+  </p:cSld>
+  <p:clrMapOvr>
+    <a:masterClrMapping/>
+  </p:clrMapOvr>
+</p:sld>
+</file>
+
+<file path=ppt/slides/slide6.xml><?xml version="1.0" encoding="utf-8"?>
+<p:sld xmlns:a="http://schemas.openxmlformats.org/drawingml/2006/main" xmlns:r="http://schemas.openxmlformats.org/officeDocument/2006/relationships" xmlns:p="http://schemas.openxmlformats.org/presentationml/2006/main">
+  <p:cSld>
+    <p:spTree>
+      <p:nvGrpSpPr>
+        <p:cNvPr id="1" name=""/>
+        <p:cNvGrpSpPr/>
+        <p:nvPr/>
+      </p:nvGrpSpPr>
+      <p:grpSpPr>
+        <a:xfrm>
+          <a:off x="0" y="0"/>
+          <a:ext cx="0" cy="0"/>
+          <a:chOff x="0" y="0"/>
+          <a:chExt cx="0" cy="0"/>
+        </a:xfrm>
+      </p:grpSpPr>
+      <p:sp>
+        <p:nvSpPr>
+          <p:cNvPr id="2" name="Title 1">
+            <a:extLst>
+              <a:ext uri="{FF2B5EF4-FFF2-40B4-BE49-F238E27FC236}">
+                <a16:creationId xmlns:a16="http://schemas.microsoft.com/office/drawing/2014/main" id="{345E9D9C-2BF1-4FBA-A6B4-12870512096C}"/>
+              </a:ext>
+            </a:extLst>
+          </p:cNvPr>
+          <p:cNvSpPr>
+            <a:spLocks noGrp="1"/>
+          </p:cNvSpPr>
+          <p:nvPr>
+            <p:ph type="title"/>
+          </p:nvPr>
+        </p:nvSpPr>
+        <p:spPr/>
+        <p:txBody>
+          <a:bodyPr/>
+          <a:lstStyle/>
+          <a:p>
+            <a:r>
+              <a:rPr lang="en-US" dirty="0"/>
+              <a:t>Unpivot Other Columns</a:t>
+            </a:r>
+          </a:p>
+        </p:txBody>
+      </p:sp>
+      <p:sp>
+        <p:nvSpPr>
+          <p:cNvPr id="3" name="Content Placeholder 2">
+            <a:extLst>
+              <a:ext uri="{FF2B5EF4-FFF2-40B4-BE49-F238E27FC236}">
+                <a16:creationId xmlns:a16="http://schemas.microsoft.com/office/drawing/2014/main" id="{80D7C7EA-3361-4BA1-8EDB-02E89F0502E0}"/>
+              </a:ext>
+            </a:extLst>
+          </p:cNvPr>
+          <p:cNvSpPr>
+            <a:spLocks noGrp="1"/>
+          </p:cNvSpPr>
+          <p:nvPr>
+            <p:ph idx="1"/>
+          </p:nvPr>
+        </p:nvSpPr>
+        <p:spPr/>
+        <p:txBody>
+          <a:bodyPr>
+            <a:normAutofit/>
+          </a:bodyPr>
+          <a:lstStyle/>
+          <a:p>
+            <a:r>
+              <a:rPr lang="en-US" sz="2400" dirty="0"/>
+              <a:t>Expand column with delimited values into multiple rows</a:t>
+            </a:r>
+          </a:p>
+        </p:txBody>
+      </p:sp>
+      <p:pic>
+        <p:nvPicPr>
+          <p:cNvPr id="4" name="Picture 3">
+            <a:extLst>
+              <a:ext uri="{FF2B5EF4-FFF2-40B4-BE49-F238E27FC236}">
+                <a16:creationId xmlns:a16="http://schemas.microsoft.com/office/drawing/2014/main" id="{A20D86F4-A803-4AE2-BE42-626CE8C2D9D6}"/>
+              </a:ext>
+            </a:extLst>
+          </p:cNvPr>
+          <p:cNvPicPr>
+            <a:picLocks noChangeAspect="1"/>
+          </p:cNvPicPr>
+          <p:nvPr/>
+        </p:nvPicPr>
+        <p:blipFill>
+          <a:blip r:embed="rId2"/>
+          <a:stretch>
+            <a:fillRect/>
+          </a:stretch>
+        </p:blipFill>
+        <p:spPr>
+          <a:xfrm>
+            <a:off x="838200" y="2069099"/>
+            <a:ext cx="3186113" cy="1050131"/>
+          </a:xfrm>
+          <a:prstGeom prst="rect">
+            <a:avLst/>
+          </a:prstGeom>
+          <a:ln>
+            <a:solidFill>
+              <a:schemeClr val="tx1">
+                <a:lumMod val="75000"/>
+                <a:lumOff val="25000"/>
+              </a:schemeClr>
+            </a:solidFill>
+          </a:ln>
+        </p:spPr>
+      </p:pic>
+      <p:pic>
+        <p:nvPicPr>
+          <p:cNvPr id="5" name="Picture 4">
+            <a:extLst>
+              <a:ext uri="{FF2B5EF4-FFF2-40B4-BE49-F238E27FC236}">
+                <a16:creationId xmlns:a16="http://schemas.microsoft.com/office/drawing/2014/main" id="{86DD79A4-7249-4D4D-97C5-C94EBA7340B2}"/>
+              </a:ext>
+            </a:extLst>
+          </p:cNvPr>
+          <p:cNvPicPr>
+            <a:picLocks noChangeAspect="1"/>
+          </p:cNvPicPr>
+          <p:nvPr/>
+        </p:nvPicPr>
+        <p:blipFill>
+          <a:blip r:embed="rId3"/>
+          <a:stretch>
+            <a:fillRect/>
+          </a:stretch>
+        </p:blipFill>
+        <p:spPr>
+          <a:xfrm>
+            <a:off x="5029200" y="2069099"/>
+            <a:ext cx="3193256" cy="2528888"/>
+          </a:xfrm>
+          <a:prstGeom prst="rect">
+            <a:avLst/>
+          </a:prstGeom>
+          <a:ln>
+            <a:solidFill>
+              <a:schemeClr val="tx1">
+                <a:lumMod val="75000"/>
+                <a:lumOff val="25000"/>
+              </a:schemeClr>
+            </a:solidFill>
+          </a:ln>
+        </p:spPr>
+      </p:pic>
+      <p:sp>
+        <p:nvSpPr>
+          <p:cNvPr id="6" name="Arrow: Right 5">
+            <a:extLst>
+              <a:ext uri="{FF2B5EF4-FFF2-40B4-BE49-F238E27FC236}">
+                <a16:creationId xmlns:a16="http://schemas.microsoft.com/office/drawing/2014/main" id="{789C9792-2EB9-49B8-AF45-34645974BBB8}"/>
+              </a:ext>
+            </a:extLst>
+          </p:cNvPr>
+          <p:cNvSpPr/>
+          <p:nvPr/>
+        </p:nvSpPr>
+        <p:spPr>
+          <a:xfrm>
+            <a:off x="4191000" y="2362200"/>
+            <a:ext cx="685800" cy="381000"/>
+          </a:xfrm>
+          <a:prstGeom prst="rightArrow">
+            <a:avLst/>
+          </a:prstGeom>
+        </p:spPr>
+        <p:style>
+          <a:lnRef idx="2">
+            <a:schemeClr val="accent1">
+              <a:shade val="50000"/>
+            </a:schemeClr>
+          </a:lnRef>
+          <a:fillRef idx="1">
+            <a:schemeClr val="accent1"/>
+          </a:fillRef>
+          <a:effectRef idx="0">
+            <a:schemeClr val="accent1"/>
+          </a:effectRef>
+          <a:fontRef idx="minor">
+            <a:schemeClr val="lt1"/>
+          </a:fontRef>
+        </p:style>
+        <p:txBody>
+          <a:bodyPr rtlCol="0" anchor="ctr"/>
+          <a:lstStyle/>
+          <a:p>
+            <a:pPr algn="ctr"/>
+            <a:endParaRPr lang="en-US"/>
+          </a:p>
+        </p:txBody>
+      </p:sp>
+    </p:spTree>
+    <p:extLst>
+      <p:ext uri="{BB962C8B-B14F-4D97-AF65-F5344CB8AC3E}">
+        <p14:creationId xmlns:p14="http://schemas.microsoft.com/office/powerpoint/2010/main" val="3100283999"/>
+      </p:ext>
+    </p:extLst>
+  </p:cSld>
+  <p:clrMapOvr>
+    <a:masterClrMapping/>
+  </p:clrMapOvr>
+</p:sld>
+</file>
+
+<file path=ppt/slides/slide7.xml><?xml version="1.0" encoding="utf-8"?>
+<p:sld xmlns:a="http://schemas.openxmlformats.org/drawingml/2006/main" xmlns:r="http://schemas.openxmlformats.org/officeDocument/2006/relationships" xmlns:p="http://schemas.openxmlformats.org/presentationml/2006/main">
+  <p:cSld>
+    <p:spTree>
+      <p:nvGrpSpPr>
+        <p:cNvPr id="1" name=""/>
+        <p:cNvGrpSpPr/>
+        <p:nvPr/>
+      </p:nvGrpSpPr>
+      <p:grpSpPr>
+        <a:xfrm>
+          <a:off x="0" y="0"/>
+          <a:ext cx="0" cy="0"/>
+          <a:chOff x="0" y="0"/>
+          <a:chExt cx="0" cy="0"/>
+        </a:xfrm>
+      </p:grpSpPr>
+      <p:sp>
+        <p:nvSpPr>
+          <p:cNvPr id="2" name="Title 1">
+            <a:extLst>
+              <a:ext uri="{FF2B5EF4-FFF2-40B4-BE49-F238E27FC236}">
+                <a16:creationId xmlns:a16="http://schemas.microsoft.com/office/drawing/2014/main" id="{8704F4CD-9880-45D9-99BA-0D792C88B9A2}"/>
+              </a:ext>
+            </a:extLst>
+          </p:cNvPr>
+          <p:cNvSpPr>
+            <a:spLocks noGrp="1"/>
+          </p:cNvSpPr>
+          <p:nvPr>
+            <p:ph type="title"/>
+          </p:nvPr>
+        </p:nvSpPr>
+        <p:spPr/>
+        <p:txBody>
+          <a:bodyPr/>
+          <a:lstStyle/>
+          <a:p>
+            <a:r>
+              <a:rPr lang="en-US" dirty="0"/>
+              <a:t>Agenda</a:t>
+            </a:r>
+          </a:p>
+        </p:txBody>
+      </p:sp>
+      <p:sp>
+        <p:nvSpPr>
+          <p:cNvPr id="3" name="Content Placeholder 2">
+            <a:extLst>
+              <a:ext uri="{FF2B5EF4-FFF2-40B4-BE49-F238E27FC236}">
+                <a16:creationId xmlns:a16="http://schemas.microsoft.com/office/drawing/2014/main" id="{F8FD7ADC-9293-4196-9E30-994BBD372879}"/>
+              </a:ext>
+            </a:extLst>
+          </p:cNvPr>
+          <p:cNvSpPr>
+            <a:spLocks noGrp="1"/>
+          </p:cNvSpPr>
+          <p:nvPr>
+            <p:ph idx="1"/>
+          </p:nvPr>
+        </p:nvSpPr>
+        <p:spPr/>
+        <p:txBody>
+          <a:bodyPr/>
+          <a:lstStyle/>
+          <a:p>
+            <a:pPr>
+              <a:buFont typeface="Wingdings" panose="05000000000000000000" pitchFamily="2" charset="2"/>
+              <a:buChar char="ü"/>
+            </a:pPr>
+            <a:r>
+              <a:rPr lang="en-US" dirty="0"/>
+              <a:t>Power Query Party Tricks</a:t>
+            </a:r>
+          </a:p>
+          <a:p>
+            <a:pPr>
+              <a:buFont typeface="Wingdings" panose="05000000000000000000" pitchFamily="2" charset="2"/>
+              <a:buChar char="Ø"/>
+            </a:pPr>
+            <a:r>
+              <a:rPr lang="en-US" dirty="0"/>
+              <a:t>Power Query Mashup Engine</a:t>
+            </a:r>
+          </a:p>
+          <a:p>
+            <a:r>
+              <a:rPr lang="en-US" dirty="0"/>
+              <a:t>M Programming Fundamentals</a:t>
+            </a:r>
+          </a:p>
+          <a:p>
+            <a:r>
+              <a:rPr lang="en-US" dirty="0"/>
+              <a:t>OData Connector vs Web Connector</a:t>
+            </a:r>
+          </a:p>
+          <a:p>
+            <a:r>
+              <a:rPr lang="en-US" dirty="0"/>
+              <a:t>Query Functions</a:t>
+            </a:r>
+          </a:p>
+          <a:p>
+            <a:r>
+              <a:rPr lang="en-US" dirty="0"/>
+              <a:t>Query Parameters</a:t>
+            </a:r>
+          </a:p>
+        </p:txBody>
+      </p:sp>
+    </p:spTree>
+    <p:extLst>
+      <p:ext uri="{BB962C8B-B14F-4D97-AF65-F5344CB8AC3E}">
+        <p14:creationId xmlns:p14="http://schemas.microsoft.com/office/powerpoint/2010/main" val="4010648780"/>
+      </p:ext>
+    </p:extLst>
+  </p:cSld>
+  <p:clrMapOvr>
+    <a:masterClrMapping/>
+  </p:clrMapOvr>
+</p:sld>
+</file>
+
+<file path=ppt/slides/slide8.xml><?xml version="1.0" encoding="utf-8"?>
 <p:sld xmlns:a="http://schemas.openxmlformats.org/drawingml/2006/main" xmlns:r="http://schemas.openxmlformats.org/officeDocument/2006/relationships" xmlns:p="http://schemas.openxmlformats.org/presentationml/2006/main">
   <p:cSld>
     <p:spTree>
@@ -18831,630 +20022,6 @@
       </p:par>
     </p:tnLst>
   </p:timing>
-</p:sld>
-</file>
-
-<file path=ppt/slides/slide6.xml><?xml version="1.0" encoding="utf-8"?>
-<p:sld xmlns:a="http://schemas.openxmlformats.org/drawingml/2006/main" xmlns:r="http://schemas.openxmlformats.org/officeDocument/2006/relationships" xmlns:p="http://schemas.openxmlformats.org/presentationml/2006/main">
-  <p:cSld>
-    <p:spTree>
-      <p:nvGrpSpPr>
-        <p:cNvPr id="1" name=""/>
-        <p:cNvGrpSpPr/>
-        <p:nvPr/>
-      </p:nvGrpSpPr>
-      <p:grpSpPr>
-        <a:xfrm>
-          <a:off x="0" y="0"/>
-          <a:ext cx="0" cy="0"/>
-          <a:chOff x="0" y="0"/>
-          <a:chExt cx="0" cy="0"/>
-        </a:xfrm>
-      </p:grpSpPr>
-      <p:sp>
-        <p:nvSpPr>
-          <p:cNvPr id="3" name="Content Placeholder 2"/>
-          <p:cNvSpPr>
-            <a:spLocks noGrp="1"/>
-          </p:cNvSpPr>
-          <p:nvPr>
-            <p:ph idx="1"/>
-          </p:nvPr>
-        </p:nvSpPr>
-        <p:spPr>
-          <a:xfrm>
-            <a:off x="228600" y="1371600"/>
-            <a:ext cx="8763000" cy="5181600"/>
-          </a:xfrm>
-        </p:spPr>
-        <p:txBody>
-          <a:bodyPr>
-            <a:normAutofit/>
-          </a:bodyPr>
-          <a:lstStyle/>
-          <a:p>
-            <a:r>
-              <a:rPr lang="en-US" sz="2400" dirty="0"/>
-              <a:t>Power BI Desktop provides separate Query Editor window</a:t>
-            </a:r>
-          </a:p>
-          <a:p>
-            <a:pPr lvl="1"/>
-            <a:r>
-              <a:rPr lang="en-US" sz="2000" dirty="0"/>
-              <a:t>Provides easy-to-use UI experience for designing queries</a:t>
-            </a:r>
-          </a:p>
-          <a:p>
-            <a:pPr lvl="1"/>
-            <a:r>
-              <a:rPr lang="en-US" sz="2000" dirty="0"/>
-              <a:t>Queries created by creating </a:t>
-            </a:r>
-            <a:r>
-              <a:rPr lang="en-US" sz="2000" b="1" dirty="0"/>
-              <a:t>Applied Steps</a:t>
-            </a:r>
-            <a:endParaRPr lang="en-US" sz="2000" dirty="0"/>
-          </a:p>
-          <a:p>
-            <a:pPr lvl="1"/>
-            <a:r>
-              <a:rPr lang="en-US" sz="2000" dirty="0"/>
-              <a:t>Preview of table generated by query output shown in the middle</a:t>
-            </a:r>
-          </a:p>
-          <a:p>
-            <a:pPr lvl="1"/>
-            <a:r>
-              <a:rPr lang="en-US" sz="2000" dirty="0"/>
-              <a:t>Query can be executed using </a:t>
-            </a:r>
-            <a:r>
-              <a:rPr lang="en-US" sz="1600" b="1" dirty="0">
-                <a:solidFill>
-                  <a:srgbClr val="002060"/>
-                </a:solidFill>
-              </a:rPr>
-              <a:t>Apply</a:t>
-            </a:r>
-            <a:r>
-              <a:rPr lang="en-US" sz="2000" dirty="0"/>
-              <a:t> or </a:t>
-            </a:r>
-            <a:r>
-              <a:rPr lang="en-US" sz="1600" b="1" dirty="0">
-                <a:solidFill>
-                  <a:srgbClr val="002060"/>
-                </a:solidFill>
-              </a:rPr>
-              <a:t>Close &amp; Apply</a:t>
-            </a:r>
-            <a:r>
-              <a:rPr lang="en-US" sz="2000" dirty="0"/>
-              <a:t> command</a:t>
-            </a:r>
-          </a:p>
-        </p:txBody>
-      </p:sp>
-      <p:pic>
-        <p:nvPicPr>
-          <p:cNvPr id="6" name="Picture 5">
-            <a:extLst>
-              <a:ext uri="{FF2B5EF4-FFF2-40B4-BE49-F238E27FC236}">
-                <a16:creationId xmlns:a16="http://schemas.microsoft.com/office/drawing/2014/main" id="{D367A723-4F2E-4110-B26B-751A3BFDF418}"/>
-              </a:ext>
-            </a:extLst>
-          </p:cNvPr>
-          <p:cNvPicPr>
-            <a:picLocks noChangeAspect="1"/>
-          </p:cNvPicPr>
-          <p:nvPr/>
-        </p:nvPicPr>
-        <p:blipFill rotWithShape="1">
-          <a:blip r:embed="rId3"/>
-          <a:srcRect l="-10" t="-1495" r="31763" b="21061"/>
-          <a:stretch/>
-        </p:blipFill>
-        <p:spPr>
-          <a:xfrm>
-            <a:off x="2438400" y="3581400"/>
-            <a:ext cx="6300223" cy="2743200"/>
-          </a:xfrm>
-          <a:prstGeom prst="rect">
-            <a:avLst/>
-          </a:prstGeom>
-          <a:ln>
-            <a:solidFill>
-              <a:schemeClr val="tx1">
-                <a:lumMod val="50000"/>
-                <a:lumOff val="50000"/>
-              </a:schemeClr>
-            </a:solidFill>
-          </a:ln>
-        </p:spPr>
-      </p:pic>
-      <p:sp>
-        <p:nvSpPr>
-          <p:cNvPr id="2" name="Title 1"/>
-          <p:cNvSpPr>
-            <a:spLocks noGrp="1"/>
-          </p:cNvSpPr>
-          <p:nvPr>
-            <p:ph type="title"/>
-          </p:nvPr>
-        </p:nvSpPr>
-        <p:spPr/>
-        <p:txBody>
-          <a:bodyPr/>
-          <a:lstStyle/>
-          <a:p>
-            <a:r>
-              <a:rPr lang="en-US"/>
-              <a:t>Query Editor Window</a:t>
-            </a:r>
-            <a:endParaRPr lang="en-US" dirty="0"/>
-          </a:p>
-        </p:txBody>
-      </p:sp>
-      <p:pic>
-        <p:nvPicPr>
-          <p:cNvPr id="7" name="Picture 6"/>
-          <p:cNvPicPr>
-            <a:picLocks noChangeAspect="1"/>
-          </p:cNvPicPr>
-          <p:nvPr/>
-        </p:nvPicPr>
-        <p:blipFill rotWithShape="1">
-          <a:blip r:embed="rId4"/>
-          <a:srcRect l="3194" t="14543" r="33448"/>
-          <a:stretch/>
-        </p:blipFill>
-        <p:spPr>
-          <a:xfrm>
-            <a:off x="457200" y="5029200"/>
-            <a:ext cx="1457603" cy="1604037"/>
-          </a:xfrm>
-          <a:prstGeom prst="rect">
-            <a:avLst/>
-          </a:prstGeom>
-          <a:ln w="38100">
-            <a:solidFill>
-              <a:schemeClr val="tx2">
-                <a:lumMod val="90000"/>
-                <a:lumOff val="10000"/>
-              </a:schemeClr>
-            </a:solidFill>
-          </a:ln>
-        </p:spPr>
-      </p:pic>
-      <p:cxnSp>
-        <p:nvCxnSpPr>
-          <p:cNvPr id="9" name="Straight Arrow Connector 8"/>
-          <p:cNvCxnSpPr>
-            <a:cxnSpLocks/>
-            <a:stCxn id="11" idx="1"/>
-          </p:cNvCxnSpPr>
-          <p:nvPr/>
-        </p:nvCxnSpPr>
-        <p:spPr>
-          <a:xfrm flipH="1">
-            <a:off x="1905000" y="4457700"/>
-            <a:ext cx="533400" cy="495300"/>
-          </a:xfrm>
-          <a:prstGeom prst="straightConnector1">
-            <a:avLst/>
-          </a:prstGeom>
-          <a:ln w="76200">
-            <a:headEnd type="none" w="med" len="med"/>
-            <a:tailEnd type="triangle" w="med" len="med"/>
-          </a:ln>
-        </p:spPr>
-        <p:style>
-          <a:lnRef idx="1">
-            <a:schemeClr val="accent1"/>
-          </a:lnRef>
-          <a:fillRef idx="0">
-            <a:schemeClr val="accent1"/>
-          </a:fillRef>
-          <a:effectRef idx="0">
-            <a:schemeClr val="accent1"/>
-          </a:effectRef>
-          <a:fontRef idx="minor">
-            <a:schemeClr val="tx1"/>
-          </a:fontRef>
-        </p:style>
-      </p:cxnSp>
-      <p:sp>
-        <p:nvSpPr>
-          <p:cNvPr id="11" name="Rounded Rectangle 10"/>
-          <p:cNvSpPr/>
-          <p:nvPr/>
-        </p:nvSpPr>
-        <p:spPr>
-          <a:xfrm>
-            <a:off x="2438400" y="4038600"/>
-            <a:ext cx="533400" cy="838200"/>
-          </a:xfrm>
-          <a:prstGeom prst="roundRect">
-            <a:avLst>
-              <a:gd name="adj" fmla="val 10626"/>
-            </a:avLst>
-          </a:prstGeom>
-          <a:noFill/>
-          <a:ln w="57150">
-            <a:prstDash val="sysDot"/>
-          </a:ln>
-        </p:spPr>
-        <p:style>
-          <a:lnRef idx="2">
-            <a:schemeClr val="accent1">
-              <a:shade val="50000"/>
-            </a:schemeClr>
-          </a:lnRef>
-          <a:fillRef idx="1">
-            <a:schemeClr val="accent1"/>
-          </a:fillRef>
-          <a:effectRef idx="0">
-            <a:schemeClr val="accent1"/>
-          </a:effectRef>
-          <a:fontRef idx="minor">
-            <a:schemeClr val="lt1"/>
-          </a:fontRef>
-        </p:style>
-        <p:txBody>
-          <a:bodyPr rtlCol="0" anchor="ctr"/>
-          <a:lstStyle/>
-          <a:p>
-            <a:pPr algn="ctr"/>
-            <a:endParaRPr lang="en-US"/>
-          </a:p>
-        </p:txBody>
-      </p:sp>
-    </p:spTree>
-    <p:extLst>
-      <p:ext uri="{BB962C8B-B14F-4D97-AF65-F5344CB8AC3E}">
-        <p14:creationId xmlns:p14="http://schemas.microsoft.com/office/powerpoint/2010/main" val="4003612692"/>
-      </p:ext>
-    </p:extLst>
-  </p:cSld>
-  <p:clrMapOvr>
-    <a:masterClrMapping/>
-  </p:clrMapOvr>
-</p:sld>
-</file>
-
-<file path=ppt/slides/slide7.xml><?xml version="1.0" encoding="utf-8"?>
-<p:sld xmlns:a="http://schemas.openxmlformats.org/drawingml/2006/main" xmlns:r="http://schemas.openxmlformats.org/officeDocument/2006/relationships" xmlns:p="http://schemas.openxmlformats.org/presentationml/2006/main">
-  <p:cSld>
-    <p:spTree>
-      <p:nvGrpSpPr>
-        <p:cNvPr id="1" name=""/>
-        <p:cNvGrpSpPr/>
-        <p:nvPr/>
-      </p:nvGrpSpPr>
-      <p:grpSpPr>
-        <a:xfrm>
-          <a:off x="0" y="0"/>
-          <a:ext cx="0" cy="0"/>
-          <a:chOff x="0" y="0"/>
-          <a:chExt cx="0" cy="0"/>
-        </a:xfrm>
-      </p:grpSpPr>
-      <p:sp>
-        <p:nvSpPr>
-          <p:cNvPr id="2" name="Title 1">
-            <a:extLst>
-              <a:ext uri="{FF2B5EF4-FFF2-40B4-BE49-F238E27FC236}">
-                <a16:creationId xmlns:a16="http://schemas.microsoft.com/office/drawing/2014/main" id="{0A15B197-33ED-4B8F-81E5-019439187188}"/>
-              </a:ext>
-            </a:extLst>
-          </p:cNvPr>
-          <p:cNvSpPr>
-            <a:spLocks noGrp="1"/>
-          </p:cNvSpPr>
-          <p:nvPr>
-            <p:ph type="title"/>
-          </p:nvPr>
-        </p:nvSpPr>
-        <p:spPr/>
-        <p:txBody>
-          <a:bodyPr/>
-          <a:lstStyle/>
-          <a:p>
-            <a:r>
-              <a:rPr lang="en-US" dirty="0"/>
-              <a:t>Self-Join</a:t>
-            </a:r>
-          </a:p>
-        </p:txBody>
-      </p:sp>
-      <p:sp>
-        <p:nvSpPr>
-          <p:cNvPr id="4" name="Content Placeholder 3">
-            <a:extLst>
-              <a:ext uri="{FF2B5EF4-FFF2-40B4-BE49-F238E27FC236}">
-                <a16:creationId xmlns:a16="http://schemas.microsoft.com/office/drawing/2014/main" id="{6460CF0A-3468-4223-A1D8-DC69DF945832}"/>
-              </a:ext>
-            </a:extLst>
-          </p:cNvPr>
-          <p:cNvSpPr>
-            <a:spLocks noGrp="1"/>
-          </p:cNvSpPr>
-          <p:nvPr>
-            <p:ph idx="1"/>
-          </p:nvPr>
-        </p:nvSpPr>
-        <p:spPr/>
-        <p:txBody>
-          <a:bodyPr/>
-          <a:lstStyle/>
-          <a:p>
-            <a:r>
-              <a:rPr lang="en-US" dirty="0"/>
-              <a:t>Merge columns from a table to itself</a:t>
-            </a:r>
-          </a:p>
-        </p:txBody>
-      </p:sp>
-      <p:pic>
-        <p:nvPicPr>
-          <p:cNvPr id="3" name="Picture 2">
-            <a:extLst>
-              <a:ext uri="{FF2B5EF4-FFF2-40B4-BE49-F238E27FC236}">
-                <a16:creationId xmlns:a16="http://schemas.microsoft.com/office/drawing/2014/main" id="{4737A58B-56C2-4E54-A859-5AEF8181F4EC}"/>
-              </a:ext>
-            </a:extLst>
-          </p:cNvPr>
-          <p:cNvPicPr>
-            <a:picLocks noChangeAspect="1"/>
-          </p:cNvPicPr>
-          <p:nvPr/>
-        </p:nvPicPr>
-        <p:blipFill>
-          <a:blip r:embed="rId2"/>
-          <a:stretch>
-            <a:fillRect/>
-          </a:stretch>
-        </p:blipFill>
-        <p:spPr>
-          <a:xfrm>
-            <a:off x="914400" y="2057400"/>
-            <a:ext cx="4724400" cy="4411597"/>
-          </a:xfrm>
-          <a:prstGeom prst="rect">
-            <a:avLst/>
-          </a:prstGeom>
-          <a:ln>
-            <a:solidFill>
-              <a:schemeClr val="tx1">
-                <a:lumMod val="75000"/>
-                <a:lumOff val="25000"/>
-              </a:schemeClr>
-            </a:solidFill>
-          </a:ln>
-        </p:spPr>
-      </p:pic>
-    </p:spTree>
-    <p:extLst>
-      <p:ext uri="{BB962C8B-B14F-4D97-AF65-F5344CB8AC3E}">
-        <p14:creationId xmlns:p14="http://schemas.microsoft.com/office/powerpoint/2010/main" val="1333098207"/>
-      </p:ext>
-    </p:extLst>
-  </p:cSld>
-  <p:clrMapOvr>
-    <a:masterClrMapping/>
-  </p:clrMapOvr>
-</p:sld>
-</file>
-
-<file path=ppt/slides/slide8.xml><?xml version="1.0" encoding="utf-8"?>
-<p:sld xmlns:a="http://schemas.openxmlformats.org/drawingml/2006/main" xmlns:r="http://schemas.openxmlformats.org/officeDocument/2006/relationships" xmlns:p="http://schemas.openxmlformats.org/presentationml/2006/main">
-  <p:cSld>
-    <p:spTree>
-      <p:nvGrpSpPr>
-        <p:cNvPr id="1" name=""/>
-        <p:cNvGrpSpPr/>
-        <p:nvPr/>
-      </p:nvGrpSpPr>
-      <p:grpSpPr>
-        <a:xfrm>
-          <a:off x="0" y="0"/>
-          <a:ext cx="0" cy="0"/>
-          <a:chOff x="0" y="0"/>
-          <a:chExt cx="0" cy="0"/>
-        </a:xfrm>
-      </p:grpSpPr>
-      <p:sp>
-        <p:nvSpPr>
-          <p:cNvPr id="2" name="Title 1">
-            <a:extLst>
-              <a:ext uri="{FF2B5EF4-FFF2-40B4-BE49-F238E27FC236}">
-                <a16:creationId xmlns:a16="http://schemas.microsoft.com/office/drawing/2014/main" id="{345E9D9C-2BF1-4FBA-A6B4-12870512096C}"/>
-              </a:ext>
-            </a:extLst>
-          </p:cNvPr>
-          <p:cNvSpPr>
-            <a:spLocks noGrp="1"/>
-          </p:cNvSpPr>
-          <p:nvPr>
-            <p:ph type="title"/>
-          </p:nvPr>
-        </p:nvSpPr>
-        <p:spPr/>
-        <p:txBody>
-          <a:bodyPr/>
-          <a:lstStyle/>
-          <a:p>
-            <a:r>
-              <a:rPr lang="en-US" dirty="0"/>
-              <a:t>Unpivot Other Columns</a:t>
-            </a:r>
-          </a:p>
-        </p:txBody>
-      </p:sp>
-      <p:sp>
-        <p:nvSpPr>
-          <p:cNvPr id="3" name="Content Placeholder 2">
-            <a:extLst>
-              <a:ext uri="{FF2B5EF4-FFF2-40B4-BE49-F238E27FC236}">
-                <a16:creationId xmlns:a16="http://schemas.microsoft.com/office/drawing/2014/main" id="{80D7C7EA-3361-4BA1-8EDB-02E89F0502E0}"/>
-              </a:ext>
-            </a:extLst>
-          </p:cNvPr>
-          <p:cNvSpPr>
-            <a:spLocks noGrp="1"/>
-          </p:cNvSpPr>
-          <p:nvPr>
-            <p:ph idx="1"/>
-          </p:nvPr>
-        </p:nvSpPr>
-        <p:spPr/>
-        <p:txBody>
-          <a:bodyPr>
-            <a:normAutofit/>
-          </a:bodyPr>
-          <a:lstStyle/>
-          <a:p>
-            <a:r>
-              <a:rPr lang="en-US" sz="2400" dirty="0"/>
-              <a:t>Expand column with delimited values into multiple rows</a:t>
-            </a:r>
-          </a:p>
-        </p:txBody>
-      </p:sp>
-      <p:pic>
-        <p:nvPicPr>
-          <p:cNvPr id="4" name="Picture 3">
-            <a:extLst>
-              <a:ext uri="{FF2B5EF4-FFF2-40B4-BE49-F238E27FC236}">
-                <a16:creationId xmlns:a16="http://schemas.microsoft.com/office/drawing/2014/main" id="{A20D86F4-A803-4AE2-BE42-626CE8C2D9D6}"/>
-              </a:ext>
-            </a:extLst>
-          </p:cNvPr>
-          <p:cNvPicPr>
-            <a:picLocks noChangeAspect="1"/>
-          </p:cNvPicPr>
-          <p:nvPr/>
-        </p:nvPicPr>
-        <p:blipFill>
-          <a:blip r:embed="rId2"/>
-          <a:stretch>
-            <a:fillRect/>
-          </a:stretch>
-        </p:blipFill>
-        <p:spPr>
-          <a:xfrm>
-            <a:off x="838200" y="2069099"/>
-            <a:ext cx="3186113" cy="1050131"/>
-          </a:xfrm>
-          <a:prstGeom prst="rect">
-            <a:avLst/>
-          </a:prstGeom>
-          <a:ln>
-            <a:solidFill>
-              <a:schemeClr val="tx1">
-                <a:lumMod val="75000"/>
-                <a:lumOff val="25000"/>
-              </a:schemeClr>
-            </a:solidFill>
-          </a:ln>
-        </p:spPr>
-      </p:pic>
-      <p:pic>
-        <p:nvPicPr>
-          <p:cNvPr id="5" name="Picture 4">
-            <a:extLst>
-              <a:ext uri="{FF2B5EF4-FFF2-40B4-BE49-F238E27FC236}">
-                <a16:creationId xmlns:a16="http://schemas.microsoft.com/office/drawing/2014/main" id="{86DD79A4-7249-4D4D-97C5-C94EBA7340B2}"/>
-              </a:ext>
-            </a:extLst>
-          </p:cNvPr>
-          <p:cNvPicPr>
-            <a:picLocks noChangeAspect="1"/>
-          </p:cNvPicPr>
-          <p:nvPr/>
-        </p:nvPicPr>
-        <p:blipFill>
-          <a:blip r:embed="rId3"/>
-          <a:stretch>
-            <a:fillRect/>
-          </a:stretch>
-        </p:blipFill>
-        <p:spPr>
-          <a:xfrm>
-            <a:off x="5029200" y="2069099"/>
-            <a:ext cx="3193256" cy="2528888"/>
-          </a:xfrm>
-          <a:prstGeom prst="rect">
-            <a:avLst/>
-          </a:prstGeom>
-          <a:ln>
-            <a:solidFill>
-              <a:schemeClr val="tx1">
-                <a:lumMod val="75000"/>
-                <a:lumOff val="25000"/>
-              </a:schemeClr>
-            </a:solidFill>
-          </a:ln>
-        </p:spPr>
-      </p:pic>
-      <p:sp>
-        <p:nvSpPr>
-          <p:cNvPr id="6" name="Arrow: Right 5">
-            <a:extLst>
-              <a:ext uri="{FF2B5EF4-FFF2-40B4-BE49-F238E27FC236}">
-                <a16:creationId xmlns:a16="http://schemas.microsoft.com/office/drawing/2014/main" id="{789C9792-2EB9-49B8-AF45-34645974BBB8}"/>
-              </a:ext>
-            </a:extLst>
-          </p:cNvPr>
-          <p:cNvSpPr/>
-          <p:nvPr/>
-        </p:nvSpPr>
-        <p:spPr>
-          <a:xfrm>
-            <a:off x="4191000" y="2362200"/>
-            <a:ext cx="685800" cy="381000"/>
-          </a:xfrm>
-          <a:prstGeom prst="rightArrow">
-            <a:avLst/>
-          </a:prstGeom>
-        </p:spPr>
-        <p:style>
-          <a:lnRef idx="2">
-            <a:schemeClr val="accent1">
-              <a:shade val="50000"/>
-            </a:schemeClr>
-          </a:lnRef>
-          <a:fillRef idx="1">
-            <a:schemeClr val="accent1"/>
-          </a:fillRef>
-          <a:effectRef idx="0">
-            <a:schemeClr val="accent1"/>
-          </a:effectRef>
-          <a:fontRef idx="minor">
-            <a:schemeClr val="lt1"/>
-          </a:fontRef>
-        </p:style>
-        <p:txBody>
-          <a:bodyPr rtlCol="0" anchor="ctr"/>
-          <a:lstStyle/>
-          <a:p>
-            <a:pPr algn="ctr"/>
-            <a:endParaRPr lang="en-US"/>
-          </a:p>
-        </p:txBody>
-      </p:sp>
-    </p:spTree>
-    <p:extLst>
-      <p:ext uri="{BB962C8B-B14F-4D97-AF65-F5344CB8AC3E}">
-        <p14:creationId xmlns:p14="http://schemas.microsoft.com/office/powerpoint/2010/main" val="3100283999"/>
-      </p:ext>
-    </p:extLst>
-  </p:cSld>
-  <p:clrMapOvr>
-    <a:masterClrMapping/>
-  </p:clrMapOvr>
 </p:sld>
 </file>
 
@@ -20463,6 +21030,135 @@
 </file>
 
 <file path=customXml/item1.xml><?xml version="1.0" encoding="utf-8"?>
+<ct:contentTypeSchema xmlns:ct="http://schemas.microsoft.com/office/2006/metadata/contentType" xmlns:ma="http://schemas.microsoft.com/office/2006/metadata/properties/metaAttributes" ct:_="" ma:_="" ma:contentTypeName="Document" ma:contentTypeID="0x01010043F7775CCE86F349BB7C51FB3CE6B150" ma:contentTypeVersion="0" ma:contentTypeDescription="Create a new document." ma:contentTypeScope="" ma:versionID="bb563817a2861b6b5994bd26a2ba9e40">
+  <xsd:schema xmlns:xsd="http://www.w3.org/2001/XMLSchema" xmlns:xs="http://www.w3.org/2001/XMLSchema" xmlns:p="http://schemas.microsoft.com/office/2006/metadata/properties" targetNamespace="http://schemas.microsoft.com/office/2006/metadata/properties" ma:root="true" ma:fieldsID="c64490b4aec6201516c3a874156f37b2">
+    <xsd:element name="properties">
+      <xsd:complexType>
+        <xsd:sequence>
+          <xsd:element name="documentManagement">
+            <xsd:complexType>
+              <xsd:all/>
+            </xsd:complexType>
+          </xsd:element>
+        </xsd:sequence>
+      </xsd:complexType>
+    </xsd:element>
+  </xsd:schema>
+  <xsd:schema xmlns="http://schemas.openxmlformats.org/package/2006/metadata/core-properties" xmlns:xsd="http://www.w3.org/2001/XMLSchema" xmlns:xsi="http://www.w3.org/2001/XMLSchema-instance" xmlns:dc="http://purl.org/dc/elements/1.1/" xmlns:dcterms="http://purl.org/dc/terms/" xmlns:odoc="http://schemas.microsoft.com/internal/obd" targetNamespace="http://schemas.openxmlformats.org/package/2006/metadata/core-properties" elementFormDefault="qualified" attributeFormDefault="unqualified" blockDefault="#all">
+    <xsd:import namespace="http://purl.org/dc/elements/1.1/" schemaLocation="http://dublincore.org/schemas/xmls/qdc/2003/04/02/dc.xsd"/>
+    <xsd:import namespace="http://purl.org/dc/terms/" schemaLocation="http://dublincore.org/schemas/xmls/qdc/2003/04/02/dcterms.xsd"/>
+    <xsd:element name="coreProperties" type="CT_coreProperties"/>
+    <xsd:complexType name="CT_coreProperties">
+      <xsd:all>
+        <xsd:element ref="dc:creator" minOccurs="0" maxOccurs="1"/>
+        <xsd:element ref="dcterms:created" minOccurs="0" maxOccurs="1"/>
+        <xsd:element ref="dc:identifier" minOccurs="0" maxOccurs="1"/>
+        <xsd:element name="contentType" minOccurs="0" maxOccurs="1" type="xsd:string" ma:index="0" ma:displayName="Content Type"/>
+        <xsd:element ref="dc:title" minOccurs="0" maxOccurs="1" ma:index="4" ma:displayName="Title"/>
+        <xsd:element ref="dc:subject" minOccurs="0" maxOccurs="1"/>
+        <xsd:element ref="dc:description" minOccurs="0" maxOccurs="1"/>
+        <xsd:element name="keywords" minOccurs="0" maxOccurs="1" type="xsd:string"/>
+        <xsd:element ref="dc:language" minOccurs="0" maxOccurs="1"/>
+        <xsd:element name="category" minOccurs="0" maxOccurs="1" type="xsd:string"/>
+        <xsd:element name="version" minOccurs="0" maxOccurs="1" type="xsd:string"/>
+        <xsd:element name="revision" minOccurs="0" maxOccurs="1" type="xsd:string">
+          <xsd:annotation>
+            <xsd:documentation>
+                        This value indicates the number of saves or revisions. The application is responsible for updating this value after each revision.
+                    </xsd:documentation>
+          </xsd:annotation>
+        </xsd:element>
+        <xsd:element name="lastModifiedBy" minOccurs="0" maxOccurs="1" type="xsd:string"/>
+        <xsd:element ref="dcterms:modified" minOccurs="0" maxOccurs="1"/>
+        <xsd:element name="contentStatus" minOccurs="0" maxOccurs="1" type="xsd:string"/>
+      </xsd:all>
+    </xsd:complexType>
+  </xsd:schema>
+  <xs:schema xmlns:pc="http://schemas.microsoft.com/office/infopath/2007/PartnerControls" xmlns:xs="http://www.w3.org/2001/XMLSchema" targetNamespace="http://schemas.microsoft.com/office/infopath/2007/PartnerControls" elementFormDefault="qualified" attributeFormDefault="unqualified">
+    <xs:element name="Person">
+      <xs:complexType>
+        <xs:sequence>
+          <xs:element ref="pc:DisplayName" minOccurs="0"/>
+          <xs:element ref="pc:AccountId" minOccurs="0"/>
+          <xs:element ref="pc:AccountType" minOccurs="0"/>
+        </xs:sequence>
+      </xs:complexType>
+    </xs:element>
+    <xs:element name="DisplayName" type="xs:string"/>
+    <xs:element name="AccountId" type="xs:string"/>
+    <xs:element name="AccountType" type="xs:string"/>
+    <xs:element name="BDCAssociatedEntity">
+      <xs:complexType>
+        <xs:sequence>
+          <xs:element ref="pc:BDCEntity" minOccurs="0" maxOccurs="unbounded"/>
+        </xs:sequence>
+        <xs:attribute ref="pc:EntityNamespace"/>
+        <xs:attribute ref="pc:EntityName"/>
+        <xs:attribute ref="pc:SystemInstanceName"/>
+        <xs:attribute ref="pc:AssociationName"/>
+      </xs:complexType>
+    </xs:element>
+    <xs:attribute name="EntityNamespace" type="xs:string"/>
+    <xs:attribute name="EntityName" type="xs:string"/>
+    <xs:attribute name="SystemInstanceName" type="xs:string"/>
+    <xs:attribute name="AssociationName" type="xs:string"/>
+    <xs:element name="BDCEntity">
+      <xs:complexType>
+        <xs:sequence>
+          <xs:element ref="pc:EntityDisplayName" minOccurs="0"/>
+          <xs:element ref="pc:EntityInstanceReference" minOccurs="0"/>
+          <xs:element ref="pc:EntityId1" minOccurs="0"/>
+          <xs:element ref="pc:EntityId2" minOccurs="0"/>
+          <xs:element ref="pc:EntityId3" minOccurs="0"/>
+          <xs:element ref="pc:EntityId4" minOccurs="0"/>
+          <xs:element ref="pc:EntityId5" minOccurs="0"/>
+        </xs:sequence>
+      </xs:complexType>
+    </xs:element>
+    <xs:element name="EntityDisplayName" type="xs:string"/>
+    <xs:element name="EntityInstanceReference" type="xs:string"/>
+    <xs:element name="EntityId1" type="xs:string"/>
+    <xs:element name="EntityId2" type="xs:string"/>
+    <xs:element name="EntityId3" type="xs:string"/>
+    <xs:element name="EntityId4" type="xs:string"/>
+    <xs:element name="EntityId5" type="xs:string"/>
+    <xs:element name="Terms">
+      <xs:complexType>
+        <xs:sequence>
+          <xs:element ref="pc:TermInfo" minOccurs="0" maxOccurs="unbounded"/>
+        </xs:sequence>
+      </xs:complexType>
+    </xs:element>
+    <xs:element name="TermInfo">
+      <xs:complexType>
+        <xs:sequence>
+          <xs:element ref="pc:TermName" minOccurs="0"/>
+          <xs:element ref="pc:TermId" minOccurs="0"/>
+        </xs:sequence>
+      </xs:complexType>
+    </xs:element>
+    <xs:element name="TermName" type="xs:string"/>
+    <xs:element name="TermId" type="xs:string"/>
+  </xs:schema>
+</ct:contentTypeSchema>
+</file>
+
+<file path=customXml/item2.xml><?xml version="1.0" encoding="utf-8"?>
+<?mso-contentType ?>
+<FormTemplates xmlns="http://schemas.microsoft.com/sharepoint/v3/contenttype/forms">
+  <Display>DocumentLibraryForm</Display>
+  <Edit>DocumentLibraryForm</Edit>
+  <New>DocumentLibraryForm</New>
+</FormTemplates>
+</file>
+
+<file path=customXml/item3.xml><?xml version="1.0" encoding="utf-8"?>
+<p:properties xmlns:p="http://schemas.microsoft.com/office/2006/metadata/properties" xmlns:xsi="http://www.w3.org/2001/XMLSchema-instance">
+  <documentManagement/>
+</p:properties>
+</file>
+
+<file path=customXml/item4.xml><?xml version="1.0" encoding="utf-8"?>
 <outs:outSpaceData xmlns:outs="http://schemas.microsoft.com/office/2009/outspace/metadata">
   <outs:relatedDates>
     <outs:relatedDate>
@@ -20612,144 +21308,7 @@
 </outs:outSpaceData>
 </file>
 
-<file path=customXml/item2.xml><?xml version="1.0" encoding="utf-8"?>
-<ct:contentTypeSchema xmlns:ct="http://schemas.microsoft.com/office/2006/metadata/contentType" xmlns:ma="http://schemas.microsoft.com/office/2006/metadata/properties/metaAttributes" ct:_="" ma:_="" ma:contentTypeName="Document" ma:contentTypeID="0x01010043F7775CCE86F349BB7C51FB3CE6B150" ma:contentTypeVersion="0" ma:contentTypeDescription="Create a new document." ma:contentTypeScope="" ma:versionID="bb563817a2861b6b5994bd26a2ba9e40">
-  <xsd:schema xmlns:xsd="http://www.w3.org/2001/XMLSchema" xmlns:xs="http://www.w3.org/2001/XMLSchema" xmlns:p="http://schemas.microsoft.com/office/2006/metadata/properties" targetNamespace="http://schemas.microsoft.com/office/2006/metadata/properties" ma:root="true" ma:fieldsID="c64490b4aec6201516c3a874156f37b2">
-    <xsd:element name="properties">
-      <xsd:complexType>
-        <xsd:sequence>
-          <xsd:element name="documentManagement">
-            <xsd:complexType>
-              <xsd:all/>
-            </xsd:complexType>
-          </xsd:element>
-        </xsd:sequence>
-      </xsd:complexType>
-    </xsd:element>
-  </xsd:schema>
-  <xsd:schema xmlns="http://schemas.openxmlformats.org/package/2006/metadata/core-properties" xmlns:xsd="http://www.w3.org/2001/XMLSchema" xmlns:xsi="http://www.w3.org/2001/XMLSchema-instance" xmlns:dc="http://purl.org/dc/elements/1.1/" xmlns:dcterms="http://purl.org/dc/terms/" xmlns:odoc="http://schemas.microsoft.com/internal/obd" targetNamespace="http://schemas.openxmlformats.org/package/2006/metadata/core-properties" elementFormDefault="qualified" attributeFormDefault="unqualified" blockDefault="#all">
-    <xsd:import namespace="http://purl.org/dc/elements/1.1/" schemaLocation="http://dublincore.org/schemas/xmls/qdc/2003/04/02/dc.xsd"/>
-    <xsd:import namespace="http://purl.org/dc/terms/" schemaLocation="http://dublincore.org/schemas/xmls/qdc/2003/04/02/dcterms.xsd"/>
-    <xsd:element name="coreProperties" type="CT_coreProperties"/>
-    <xsd:complexType name="CT_coreProperties">
-      <xsd:all>
-        <xsd:element ref="dc:creator" minOccurs="0" maxOccurs="1"/>
-        <xsd:element ref="dcterms:created" minOccurs="0" maxOccurs="1"/>
-        <xsd:element ref="dc:identifier" minOccurs="0" maxOccurs="1"/>
-        <xsd:element name="contentType" minOccurs="0" maxOccurs="1" type="xsd:string" ma:index="0" ma:displayName="Content Type"/>
-        <xsd:element ref="dc:title" minOccurs="0" maxOccurs="1" ma:index="4" ma:displayName="Title"/>
-        <xsd:element ref="dc:subject" minOccurs="0" maxOccurs="1"/>
-        <xsd:element ref="dc:description" minOccurs="0" maxOccurs="1"/>
-        <xsd:element name="keywords" minOccurs="0" maxOccurs="1" type="xsd:string"/>
-        <xsd:element ref="dc:language" minOccurs="0" maxOccurs="1"/>
-        <xsd:element name="category" minOccurs="0" maxOccurs="1" type="xsd:string"/>
-        <xsd:element name="version" minOccurs="0" maxOccurs="1" type="xsd:string"/>
-        <xsd:element name="revision" minOccurs="0" maxOccurs="1" type="xsd:string">
-          <xsd:annotation>
-            <xsd:documentation>
-                        This value indicates the number of saves or revisions. The application is responsible for updating this value after each revision.
-                    </xsd:documentation>
-          </xsd:annotation>
-        </xsd:element>
-        <xsd:element name="lastModifiedBy" minOccurs="0" maxOccurs="1" type="xsd:string"/>
-        <xsd:element ref="dcterms:modified" minOccurs="0" maxOccurs="1"/>
-        <xsd:element name="contentStatus" minOccurs="0" maxOccurs="1" type="xsd:string"/>
-      </xsd:all>
-    </xsd:complexType>
-  </xsd:schema>
-  <xs:schema xmlns:pc="http://schemas.microsoft.com/office/infopath/2007/PartnerControls" xmlns:xs="http://www.w3.org/2001/XMLSchema" targetNamespace="http://schemas.microsoft.com/office/infopath/2007/PartnerControls" elementFormDefault="qualified" attributeFormDefault="unqualified">
-    <xs:element name="Person">
-      <xs:complexType>
-        <xs:sequence>
-          <xs:element ref="pc:DisplayName" minOccurs="0"/>
-          <xs:element ref="pc:AccountId" minOccurs="0"/>
-          <xs:element ref="pc:AccountType" minOccurs="0"/>
-        </xs:sequence>
-      </xs:complexType>
-    </xs:element>
-    <xs:element name="DisplayName" type="xs:string"/>
-    <xs:element name="AccountId" type="xs:string"/>
-    <xs:element name="AccountType" type="xs:string"/>
-    <xs:element name="BDCAssociatedEntity">
-      <xs:complexType>
-        <xs:sequence>
-          <xs:element ref="pc:BDCEntity" minOccurs="0" maxOccurs="unbounded"/>
-        </xs:sequence>
-        <xs:attribute ref="pc:EntityNamespace"/>
-        <xs:attribute ref="pc:EntityName"/>
-        <xs:attribute ref="pc:SystemInstanceName"/>
-        <xs:attribute ref="pc:AssociationName"/>
-      </xs:complexType>
-    </xs:element>
-    <xs:attribute name="EntityNamespace" type="xs:string"/>
-    <xs:attribute name="EntityName" type="xs:string"/>
-    <xs:attribute name="SystemInstanceName" type="xs:string"/>
-    <xs:attribute name="AssociationName" type="xs:string"/>
-    <xs:element name="BDCEntity">
-      <xs:complexType>
-        <xs:sequence>
-          <xs:element ref="pc:EntityDisplayName" minOccurs="0"/>
-          <xs:element ref="pc:EntityInstanceReference" minOccurs="0"/>
-          <xs:element ref="pc:EntityId1" minOccurs="0"/>
-          <xs:element ref="pc:EntityId2" minOccurs="0"/>
-          <xs:element ref="pc:EntityId3" minOccurs="0"/>
-          <xs:element ref="pc:EntityId4" minOccurs="0"/>
-          <xs:element ref="pc:EntityId5" minOccurs="0"/>
-        </xs:sequence>
-      </xs:complexType>
-    </xs:element>
-    <xs:element name="EntityDisplayName" type="xs:string"/>
-    <xs:element name="EntityInstanceReference" type="xs:string"/>
-    <xs:element name="EntityId1" type="xs:string"/>
-    <xs:element name="EntityId2" type="xs:string"/>
-    <xs:element name="EntityId3" type="xs:string"/>
-    <xs:element name="EntityId4" type="xs:string"/>
-    <xs:element name="EntityId5" type="xs:string"/>
-    <xs:element name="Terms">
-      <xs:complexType>
-        <xs:sequence>
-          <xs:element ref="pc:TermInfo" minOccurs="0" maxOccurs="unbounded"/>
-        </xs:sequence>
-      </xs:complexType>
-    </xs:element>
-    <xs:element name="TermInfo">
-      <xs:complexType>
-        <xs:sequence>
-          <xs:element ref="pc:TermName" minOccurs="0"/>
-          <xs:element ref="pc:TermId" minOccurs="0"/>
-        </xs:sequence>
-      </xs:complexType>
-    </xs:element>
-    <xs:element name="TermName" type="xs:string"/>
-    <xs:element name="TermId" type="xs:string"/>
-  </xs:schema>
-</ct:contentTypeSchema>
-</file>
-
-<file path=customXml/item3.xml><?xml version="1.0" encoding="utf-8"?>
-<p:properties xmlns:p="http://schemas.microsoft.com/office/2006/metadata/properties" xmlns:xsi="http://www.w3.org/2001/XMLSchema-instance">
-  <documentManagement/>
-</p:properties>
-</file>
-
-<file path=customXml/item4.xml><?xml version="1.0" encoding="utf-8"?>
-<?mso-contentType ?>
-<FormTemplates xmlns="http://schemas.microsoft.com/sharepoint/v3/contenttype/forms">
-  <Display>DocumentLibraryForm</Display>
-  <Edit>DocumentLibraryForm</Edit>
-  <New>DocumentLibraryForm</New>
-</FormTemplates>
-</file>
-
 <file path=customXml/itemProps1.xml><?xml version="1.0" encoding="utf-8"?>
-<ds:datastoreItem xmlns:ds="http://schemas.openxmlformats.org/officeDocument/2006/customXml" ds:itemID="{8865FC99-B6BD-4E98-8312-F4F432C217EA}">
-  <ds:schemaRefs>
-    <ds:schemaRef ds:uri="http://schemas.microsoft.com/office/2009/outspace/metadata"/>
-  </ds:schemaRefs>
-</ds:datastoreItem>
-</file>
-
-<file path=customXml/itemProps2.xml><?xml version="1.0" encoding="utf-8"?>
 <ds:datastoreItem xmlns:ds="http://schemas.openxmlformats.org/officeDocument/2006/customXml" ds:itemID="{63F8C001-70B3-4AE4-BEC2-202AE4E30C7A}">
   <ds:schemaRefs>
     <ds:schemaRef ds:uri="http://schemas.microsoft.com/office/2006/metadata/contentType"/>
@@ -20761,6 +21320,14 @@
     <ds:schemaRef ds:uri="http://purl.org/dc/terms/"/>
     <ds:schemaRef ds:uri="http://schemas.microsoft.com/internal/obd"/>
     <ds:schemaRef ds:uri="http://schemas.microsoft.com/office/infopath/2007/PartnerControls"/>
+  </ds:schemaRefs>
+</ds:datastoreItem>
+</file>
+
+<file path=customXml/itemProps2.xml><?xml version="1.0" encoding="utf-8"?>
+<ds:datastoreItem xmlns:ds="http://schemas.openxmlformats.org/officeDocument/2006/customXml" ds:itemID="{6034B84F-8F8E-48B7-9EFF-C7DE1A66BD73}">
+  <ds:schemaRefs>
+    <ds:schemaRef ds:uri="http://schemas.microsoft.com/sharepoint/v3/contenttype/forms"/>
   </ds:schemaRefs>
 </ds:datastoreItem>
 </file>
@@ -20781,9 +21348,9 @@
 </file>
 
 <file path=customXml/itemProps4.xml><?xml version="1.0" encoding="utf-8"?>
-<ds:datastoreItem xmlns:ds="http://schemas.openxmlformats.org/officeDocument/2006/customXml" ds:itemID="{6034B84F-8F8E-48B7-9EFF-C7DE1A66BD73}">
+<ds:datastoreItem xmlns:ds="http://schemas.openxmlformats.org/officeDocument/2006/customXml" ds:itemID="{8865FC99-B6BD-4E98-8312-F4F432C217EA}">
   <ds:schemaRefs>
-    <ds:schemaRef ds:uri="http://schemas.microsoft.com/sharepoint/v3/contenttype/forms"/>
+    <ds:schemaRef ds:uri="http://schemas.microsoft.com/office/2009/outspace/metadata"/>
   </ds:schemaRefs>
 </ds:datastoreItem>
 </file>